--- a/BUDDHISM.pptx
+++ b/BUDDHISM.pptx
@@ -2,13 +2,19 @@
 <file path=ppt/presentation.xml><?xml version="1.0" encoding="utf-8"?>
 <p:presentation xmlns:a="http://schemas.openxmlformats.org/drawingml/2006/main" xmlns:r="http://schemas.openxmlformats.org/officeDocument/2006/relationships" xmlns:p="http://schemas.openxmlformats.org/presentationml/2006/main" saveSubsetFonts="1">
   <p:sldMasterIdLst>
-    <p:sldMasterId id="2147483648" r:id="rId1"/>
+    <p:sldMasterId id="2147483792" r:id="rId1"/>
   </p:sldMasterIdLst>
+  <p:notesMasterIdLst>
+    <p:notesMasterId r:id="rId9"/>
+  </p:notesMasterIdLst>
   <p:sldIdLst>
     <p:sldId id="256" r:id="rId2"/>
     <p:sldId id="257" r:id="rId3"/>
     <p:sldId id="258" r:id="rId4"/>
     <p:sldId id="259" r:id="rId5"/>
+    <p:sldId id="260" r:id="rId6"/>
+    <p:sldId id="261" r:id="rId7"/>
+    <p:sldId id="262" r:id="rId8"/>
   </p:sldIdLst>
   <p:sldSz cx="9144000" cy="6858000" type="screen4x3"/>
   <p:notesSz cx="6858000" cy="9144000"/>
@@ -110,9 +116,14 @@
 </p:presentation>
 </file>
 
-<file path=ppt/slideLayouts/slideLayout1.xml><?xml version="1.0" encoding="utf-8"?>
-<p:sldLayout xmlns:a="http://schemas.openxmlformats.org/drawingml/2006/main" xmlns:r="http://schemas.openxmlformats.org/officeDocument/2006/relationships" xmlns:p="http://schemas.openxmlformats.org/presentationml/2006/main" type="title" preserve="1">
-  <p:cSld name="Title Slide">
+<file path=ppt/notesMasters/notesMaster1.xml><?xml version="1.0" encoding="utf-8"?>
+<p:notesMaster xmlns:a="http://schemas.openxmlformats.org/drawingml/2006/main" xmlns:r="http://schemas.openxmlformats.org/officeDocument/2006/relationships" xmlns:p="http://schemas.openxmlformats.org/presentationml/2006/main">
+  <p:cSld>
+    <p:bg>
+      <p:bgRef idx="1001">
+        <a:schemeClr val="bg1"/>
+      </p:bgRef>
+    </p:bg>
     <p:spTree>
       <p:nvGrpSpPr>
         <p:cNvPr id="1" name=""/>
@@ -129,29 +140,601 @@
       </p:grpSpPr>
       <p:sp>
         <p:nvSpPr>
-          <p:cNvPr id="2" name="Title 1"/>
-          <p:cNvSpPr>
-            <a:spLocks noGrp="1"/>
-          </p:cNvSpPr>
-          <p:nvPr>
-            <p:ph type="ctrTitle"/>
+          <p:cNvPr id="2" name="Header Placeholder 1"/>
+          <p:cNvSpPr>
+            <a:spLocks noGrp="1"/>
+          </p:cNvSpPr>
+          <p:nvPr>
+            <p:ph type="hdr" sz="quarter"/>
           </p:nvPr>
         </p:nvSpPr>
         <p:spPr>
           <a:xfrm>
-            <a:off x="685800" y="2130425"/>
-            <a:ext cx="7772400" cy="1470025"/>
+            <a:off x="0" y="0"/>
+            <a:ext cx="2971800" cy="457200"/>
+          </a:xfrm>
+          <a:prstGeom prst="rect">
+            <a:avLst/>
+          </a:prstGeom>
+        </p:spPr>
+        <p:txBody>
+          <a:bodyPr vert="horz" lIns="91440" tIns="45720" rIns="91440" bIns="45720" rtlCol="0"/>
+          <a:lstStyle>
+            <a:lvl1pPr algn="l">
+              <a:defRPr sz="1200"/>
+            </a:lvl1pPr>
+          </a:lstStyle>
+          <a:p>
+            <a:endParaRPr lang="en-US"/>
+          </a:p>
+        </p:txBody>
+      </p:sp>
+      <p:sp>
+        <p:nvSpPr>
+          <p:cNvPr id="3" name="Date Placeholder 2"/>
+          <p:cNvSpPr>
+            <a:spLocks noGrp="1"/>
+          </p:cNvSpPr>
+          <p:nvPr>
+            <p:ph type="dt" idx="1"/>
+          </p:nvPr>
+        </p:nvSpPr>
+        <p:spPr>
+          <a:xfrm>
+            <a:off x="3884613" y="0"/>
+            <a:ext cx="2971800" cy="457200"/>
+          </a:xfrm>
+          <a:prstGeom prst="rect">
+            <a:avLst/>
+          </a:prstGeom>
+        </p:spPr>
+        <p:txBody>
+          <a:bodyPr vert="horz" lIns="91440" tIns="45720" rIns="91440" bIns="45720" rtlCol="0"/>
+          <a:lstStyle>
+            <a:lvl1pPr algn="r">
+              <a:defRPr sz="1200"/>
+            </a:lvl1pPr>
+          </a:lstStyle>
+          <a:p>
+            <a:fld id="{6CDB7744-52ED-44AE-9D74-5D54E17AD95D}" type="datetimeFigureOut">
+              <a:rPr lang="en-US" smtClean="0"/>
+              <a:t>6/21/2022</a:t>
+            </a:fld>
+            <a:endParaRPr lang="en-US"/>
+          </a:p>
+        </p:txBody>
+      </p:sp>
+      <p:sp>
+        <p:nvSpPr>
+          <p:cNvPr id="4" name="Slide Image Placeholder 3"/>
+          <p:cNvSpPr>
+            <a:spLocks noGrp="1" noRot="1" noChangeAspect="1"/>
+          </p:cNvSpPr>
+          <p:nvPr>
+            <p:ph type="sldImg" idx="2"/>
+          </p:nvPr>
+        </p:nvSpPr>
+        <p:spPr>
+          <a:xfrm>
+            <a:off x="1143000" y="685800"/>
+            <a:ext cx="4572000" cy="3429000"/>
+          </a:xfrm>
+          <a:prstGeom prst="rect">
+            <a:avLst/>
+          </a:prstGeom>
+          <a:noFill/>
+          <a:ln w="12700">
+            <a:solidFill>
+              <a:prstClr val="black"/>
+            </a:solidFill>
+          </a:ln>
+        </p:spPr>
+        <p:txBody>
+          <a:bodyPr vert="horz" lIns="91440" tIns="45720" rIns="91440" bIns="45720" rtlCol="0" anchor="ctr"/>
+          <a:lstStyle/>
+          <a:p>
+            <a:endParaRPr lang="en-US"/>
+          </a:p>
+        </p:txBody>
+      </p:sp>
+      <p:sp>
+        <p:nvSpPr>
+          <p:cNvPr id="5" name="Notes Placeholder 4"/>
+          <p:cNvSpPr>
+            <a:spLocks noGrp="1"/>
+          </p:cNvSpPr>
+          <p:nvPr>
+            <p:ph type="body" sz="quarter" idx="3"/>
+          </p:nvPr>
+        </p:nvSpPr>
+        <p:spPr>
+          <a:xfrm>
+            <a:off x="685800" y="4343400"/>
+            <a:ext cx="5486400" cy="4114800"/>
+          </a:xfrm>
+          <a:prstGeom prst="rect">
+            <a:avLst/>
+          </a:prstGeom>
+        </p:spPr>
+        <p:txBody>
+          <a:bodyPr vert="horz" lIns="91440" tIns="45720" rIns="91440" bIns="45720" rtlCol="0">
+            <a:normAutofit/>
+          </a:bodyPr>
+          <a:lstStyle/>
+          <a:p>
+            <a:pPr lvl="0"/>
+            <a:r>
+              <a:rPr lang="en-US" smtClean="0"/>
+              <a:t>Click to edit Master text styles</a:t>
+            </a:r>
+          </a:p>
+          <a:p>
+            <a:pPr lvl="1"/>
+            <a:r>
+              <a:rPr lang="en-US" smtClean="0"/>
+              <a:t>Second level</a:t>
+            </a:r>
+          </a:p>
+          <a:p>
+            <a:pPr lvl="2"/>
+            <a:r>
+              <a:rPr lang="en-US" smtClean="0"/>
+              <a:t>Third level</a:t>
+            </a:r>
+          </a:p>
+          <a:p>
+            <a:pPr lvl="3"/>
+            <a:r>
+              <a:rPr lang="en-US" smtClean="0"/>
+              <a:t>Fourth level</a:t>
+            </a:r>
+          </a:p>
+          <a:p>
+            <a:pPr lvl="4"/>
+            <a:r>
+              <a:rPr lang="en-US" smtClean="0"/>
+              <a:t>Fifth level</a:t>
+            </a:r>
+            <a:endParaRPr lang="en-US"/>
+          </a:p>
+        </p:txBody>
+      </p:sp>
+      <p:sp>
+        <p:nvSpPr>
+          <p:cNvPr id="6" name="Footer Placeholder 5"/>
+          <p:cNvSpPr>
+            <a:spLocks noGrp="1"/>
+          </p:cNvSpPr>
+          <p:nvPr>
+            <p:ph type="ftr" sz="quarter" idx="4"/>
+          </p:nvPr>
+        </p:nvSpPr>
+        <p:spPr>
+          <a:xfrm>
+            <a:off x="0" y="8685213"/>
+            <a:ext cx="2971800" cy="457200"/>
+          </a:xfrm>
+          <a:prstGeom prst="rect">
+            <a:avLst/>
+          </a:prstGeom>
+        </p:spPr>
+        <p:txBody>
+          <a:bodyPr vert="horz" lIns="91440" tIns="45720" rIns="91440" bIns="45720" rtlCol="0" anchor="b"/>
+          <a:lstStyle>
+            <a:lvl1pPr algn="l">
+              <a:defRPr sz="1200"/>
+            </a:lvl1pPr>
+          </a:lstStyle>
+          <a:p>
+            <a:endParaRPr lang="en-US"/>
+          </a:p>
+        </p:txBody>
+      </p:sp>
+      <p:sp>
+        <p:nvSpPr>
+          <p:cNvPr id="7" name="Slide Number Placeholder 6"/>
+          <p:cNvSpPr>
+            <a:spLocks noGrp="1"/>
+          </p:cNvSpPr>
+          <p:nvPr>
+            <p:ph type="sldNum" sz="quarter" idx="5"/>
+          </p:nvPr>
+        </p:nvSpPr>
+        <p:spPr>
+          <a:xfrm>
+            <a:off x="3884613" y="8685213"/>
+            <a:ext cx="2971800" cy="457200"/>
+          </a:xfrm>
+          <a:prstGeom prst="rect">
+            <a:avLst/>
+          </a:prstGeom>
+        </p:spPr>
+        <p:txBody>
+          <a:bodyPr vert="horz" lIns="91440" tIns="45720" rIns="91440" bIns="45720" rtlCol="0" anchor="b"/>
+          <a:lstStyle>
+            <a:lvl1pPr algn="r">
+              <a:defRPr sz="1200"/>
+            </a:lvl1pPr>
+          </a:lstStyle>
+          <a:p>
+            <a:fld id="{9F3D6F4C-3392-4275-9525-72153906EC40}" type="slidenum">
+              <a:rPr lang="en-US" smtClean="0"/>
+              <a:t>‹#›</a:t>
+            </a:fld>
+            <a:endParaRPr lang="en-US"/>
+          </a:p>
+        </p:txBody>
+      </p:sp>
+    </p:spTree>
+  </p:cSld>
+  <p:clrMap bg1="lt1" tx1="dk1" bg2="lt2" tx2="dk2" accent1="accent1" accent2="accent2" accent3="accent3" accent4="accent4" accent5="accent5" accent6="accent6" hlink="hlink" folHlink="folHlink"/>
+  <p:notesStyle>
+    <a:lvl1pPr marL="0" algn="l" defTabSz="914400" rtl="0" eaLnBrk="1" latinLnBrk="0" hangingPunct="1">
+      <a:defRPr sz="1200" kern="1200">
+        <a:solidFill>
+          <a:schemeClr val="tx1"/>
+        </a:solidFill>
+        <a:latin typeface="+mn-lt"/>
+        <a:ea typeface="+mn-ea"/>
+        <a:cs typeface="+mn-cs"/>
+      </a:defRPr>
+    </a:lvl1pPr>
+    <a:lvl2pPr marL="457200" algn="l" defTabSz="914400" rtl="0" eaLnBrk="1" latinLnBrk="0" hangingPunct="1">
+      <a:defRPr sz="1200" kern="1200">
+        <a:solidFill>
+          <a:schemeClr val="tx1"/>
+        </a:solidFill>
+        <a:latin typeface="+mn-lt"/>
+        <a:ea typeface="+mn-ea"/>
+        <a:cs typeface="+mn-cs"/>
+      </a:defRPr>
+    </a:lvl2pPr>
+    <a:lvl3pPr marL="914400" algn="l" defTabSz="914400" rtl="0" eaLnBrk="1" latinLnBrk="0" hangingPunct="1">
+      <a:defRPr sz="1200" kern="1200">
+        <a:solidFill>
+          <a:schemeClr val="tx1"/>
+        </a:solidFill>
+        <a:latin typeface="+mn-lt"/>
+        <a:ea typeface="+mn-ea"/>
+        <a:cs typeface="+mn-cs"/>
+      </a:defRPr>
+    </a:lvl3pPr>
+    <a:lvl4pPr marL="1371600" algn="l" defTabSz="914400" rtl="0" eaLnBrk="1" latinLnBrk="0" hangingPunct="1">
+      <a:defRPr sz="1200" kern="1200">
+        <a:solidFill>
+          <a:schemeClr val="tx1"/>
+        </a:solidFill>
+        <a:latin typeface="+mn-lt"/>
+        <a:ea typeface="+mn-ea"/>
+        <a:cs typeface="+mn-cs"/>
+      </a:defRPr>
+    </a:lvl4pPr>
+    <a:lvl5pPr marL="1828800" algn="l" defTabSz="914400" rtl="0" eaLnBrk="1" latinLnBrk="0" hangingPunct="1">
+      <a:defRPr sz="1200" kern="1200">
+        <a:solidFill>
+          <a:schemeClr val="tx1"/>
+        </a:solidFill>
+        <a:latin typeface="+mn-lt"/>
+        <a:ea typeface="+mn-ea"/>
+        <a:cs typeface="+mn-cs"/>
+      </a:defRPr>
+    </a:lvl5pPr>
+    <a:lvl6pPr marL="2286000" algn="l" defTabSz="914400" rtl="0" eaLnBrk="1" latinLnBrk="0" hangingPunct="1">
+      <a:defRPr sz="1200" kern="1200">
+        <a:solidFill>
+          <a:schemeClr val="tx1"/>
+        </a:solidFill>
+        <a:latin typeface="+mn-lt"/>
+        <a:ea typeface="+mn-ea"/>
+        <a:cs typeface="+mn-cs"/>
+      </a:defRPr>
+    </a:lvl6pPr>
+    <a:lvl7pPr marL="2743200" algn="l" defTabSz="914400" rtl="0" eaLnBrk="1" latinLnBrk="0" hangingPunct="1">
+      <a:defRPr sz="1200" kern="1200">
+        <a:solidFill>
+          <a:schemeClr val="tx1"/>
+        </a:solidFill>
+        <a:latin typeface="+mn-lt"/>
+        <a:ea typeface="+mn-ea"/>
+        <a:cs typeface="+mn-cs"/>
+      </a:defRPr>
+    </a:lvl7pPr>
+    <a:lvl8pPr marL="3200400" algn="l" defTabSz="914400" rtl="0" eaLnBrk="1" latinLnBrk="0" hangingPunct="1">
+      <a:defRPr sz="1200" kern="1200">
+        <a:solidFill>
+          <a:schemeClr val="tx1"/>
+        </a:solidFill>
+        <a:latin typeface="+mn-lt"/>
+        <a:ea typeface="+mn-ea"/>
+        <a:cs typeface="+mn-cs"/>
+      </a:defRPr>
+    </a:lvl8pPr>
+    <a:lvl9pPr marL="3657600" algn="l" defTabSz="914400" rtl="0" eaLnBrk="1" latinLnBrk="0" hangingPunct="1">
+      <a:defRPr sz="1200" kern="1200">
+        <a:solidFill>
+          <a:schemeClr val="tx1"/>
+        </a:solidFill>
+        <a:latin typeface="+mn-lt"/>
+        <a:ea typeface="+mn-ea"/>
+        <a:cs typeface="+mn-cs"/>
+      </a:defRPr>
+    </a:lvl9pPr>
+  </p:notesStyle>
+</p:notesMaster>
+</file>
+
+<file path=ppt/notesSlides/notesSlide1.xml><?xml version="1.0" encoding="utf-8"?>
+<p:notes xmlns:a="http://schemas.openxmlformats.org/drawingml/2006/main" xmlns:r="http://schemas.openxmlformats.org/officeDocument/2006/relationships" xmlns:p="http://schemas.openxmlformats.org/presentationml/2006/main">
+  <p:cSld>
+    <p:spTree>
+      <p:nvGrpSpPr>
+        <p:cNvPr id="1" name=""/>
+        <p:cNvGrpSpPr/>
+        <p:nvPr/>
+      </p:nvGrpSpPr>
+      <p:grpSpPr>
+        <a:xfrm>
+          <a:off x="0" y="0"/>
+          <a:ext cx="0" cy="0"/>
+          <a:chOff x="0" y="0"/>
+          <a:chExt cx="0" cy="0"/>
+        </a:xfrm>
+      </p:grpSpPr>
+      <p:sp>
+        <p:nvSpPr>
+          <p:cNvPr id="2" name="Slide Image Placeholder 1"/>
+          <p:cNvSpPr>
+            <a:spLocks noGrp="1" noRot="1" noChangeAspect="1"/>
+          </p:cNvSpPr>
+          <p:nvPr>
+            <p:ph type="sldImg"/>
+          </p:nvPr>
+        </p:nvSpPr>
+        <p:spPr/>
+      </p:sp>
+      <p:sp>
+        <p:nvSpPr>
+          <p:cNvPr id="3" name="Notes Placeholder 2"/>
+          <p:cNvSpPr>
+            <a:spLocks noGrp="1"/>
+          </p:cNvSpPr>
+          <p:nvPr>
+            <p:ph type="body" idx="1"/>
+          </p:nvPr>
+        </p:nvSpPr>
+        <p:spPr/>
+        <p:txBody>
+          <a:bodyPr>
+            <a:normAutofit/>
+          </a:bodyPr>
+          <a:lstStyle/>
+          <a:p>
+            <a:endParaRPr lang="en-US" dirty="0"/>
+          </a:p>
+        </p:txBody>
+      </p:sp>
+      <p:sp>
+        <p:nvSpPr>
+          <p:cNvPr id="4" name="Slide Number Placeholder 3"/>
+          <p:cNvSpPr>
+            <a:spLocks noGrp="1"/>
+          </p:cNvSpPr>
+          <p:nvPr>
+            <p:ph type="sldNum" sz="quarter" idx="10"/>
+          </p:nvPr>
+        </p:nvSpPr>
+        <p:spPr/>
+        <p:txBody>
+          <a:bodyPr/>
+          <a:lstStyle/>
+          <a:p>
+            <a:fld id="{9F3D6F4C-3392-4275-9525-72153906EC40}" type="slidenum">
+              <a:rPr lang="en-US" smtClean="0"/>
+              <a:t>2</a:t>
+            </a:fld>
+            <a:endParaRPr lang="en-US"/>
+          </a:p>
+        </p:txBody>
+      </p:sp>
+    </p:spTree>
+  </p:cSld>
+  <p:clrMapOvr>
+    <a:masterClrMapping/>
+  </p:clrMapOvr>
+</p:notes>
+</file>
+
+<file path=ppt/notesSlides/notesSlide2.xml><?xml version="1.0" encoding="utf-8"?>
+<p:notes xmlns:a="http://schemas.openxmlformats.org/drawingml/2006/main" xmlns:r="http://schemas.openxmlformats.org/officeDocument/2006/relationships" xmlns:p="http://schemas.openxmlformats.org/presentationml/2006/main">
+  <p:cSld>
+    <p:spTree>
+      <p:nvGrpSpPr>
+        <p:cNvPr id="1" name=""/>
+        <p:cNvGrpSpPr/>
+        <p:nvPr/>
+      </p:nvGrpSpPr>
+      <p:grpSpPr>
+        <a:xfrm>
+          <a:off x="0" y="0"/>
+          <a:ext cx="0" cy="0"/>
+          <a:chOff x="0" y="0"/>
+          <a:chExt cx="0" cy="0"/>
+        </a:xfrm>
+      </p:grpSpPr>
+      <p:sp>
+        <p:nvSpPr>
+          <p:cNvPr id="2" name="Slide Image Placeholder 1"/>
+          <p:cNvSpPr>
+            <a:spLocks noGrp="1" noRot="1" noChangeAspect="1"/>
+          </p:cNvSpPr>
+          <p:nvPr>
+            <p:ph type="sldImg"/>
+          </p:nvPr>
+        </p:nvSpPr>
+        <p:spPr/>
+      </p:sp>
+      <p:sp>
+        <p:nvSpPr>
+          <p:cNvPr id="3" name="Notes Placeholder 2"/>
+          <p:cNvSpPr>
+            <a:spLocks noGrp="1"/>
+          </p:cNvSpPr>
+          <p:nvPr>
+            <p:ph type="body" idx="1"/>
+          </p:nvPr>
+        </p:nvSpPr>
+        <p:spPr/>
+        <p:txBody>
+          <a:bodyPr>
+            <a:normAutofit/>
+          </a:bodyPr>
+          <a:lstStyle/>
+          <a:p>
+            <a:endParaRPr lang="en-US" dirty="0"/>
+          </a:p>
+        </p:txBody>
+      </p:sp>
+      <p:sp>
+        <p:nvSpPr>
+          <p:cNvPr id="4" name="Slide Number Placeholder 3"/>
+          <p:cNvSpPr>
+            <a:spLocks noGrp="1"/>
+          </p:cNvSpPr>
+          <p:nvPr>
+            <p:ph type="sldNum" sz="quarter" idx="10"/>
+          </p:nvPr>
+        </p:nvSpPr>
+        <p:spPr/>
+        <p:txBody>
+          <a:bodyPr/>
+          <a:lstStyle/>
+          <a:p>
+            <a:fld id="{9F3D6F4C-3392-4275-9525-72153906EC40}" type="slidenum">
+              <a:rPr lang="en-US" smtClean="0"/>
+              <a:t>6</a:t>
+            </a:fld>
+            <a:endParaRPr lang="en-US"/>
+          </a:p>
+        </p:txBody>
+      </p:sp>
+    </p:spTree>
+  </p:cSld>
+  <p:clrMapOvr>
+    <a:masterClrMapping/>
+  </p:clrMapOvr>
+</p:notes>
+</file>
+
+<file path=ppt/slideLayouts/slideLayout1.xml><?xml version="1.0" encoding="utf-8"?>
+<p:sldLayout xmlns:a="http://schemas.openxmlformats.org/drawingml/2006/main" xmlns:r="http://schemas.openxmlformats.org/officeDocument/2006/relationships" xmlns:p="http://schemas.openxmlformats.org/presentationml/2006/main" showMasterSp="0" type="title" preserve="1">
+  <p:cSld name="Title Slide">
+    <p:bg>
+      <p:bgRef idx="1002">
+        <a:schemeClr val="bg2"/>
+      </p:bgRef>
+    </p:bg>
+    <p:spTree>
+      <p:nvGrpSpPr>
+        <p:cNvPr id="1" name=""/>
+        <p:cNvGrpSpPr/>
+        <p:nvPr/>
+      </p:nvGrpSpPr>
+      <p:grpSpPr>
+        <a:xfrm>
+          <a:off x="0" y="0"/>
+          <a:ext cx="0" cy="0"/>
+          <a:chOff x="0" y="0"/>
+          <a:chExt cx="0" cy="0"/>
+        </a:xfrm>
+      </p:grpSpPr>
+      <p:sp>
+        <p:nvSpPr>
+          <p:cNvPr id="9" name="Rectangle 8"/>
+          <p:cNvSpPr/>
+          <p:nvPr/>
+        </p:nvSpPr>
+        <p:spPr bwMode="ltGray">
+          <a:xfrm>
+            <a:off x="0" y="0"/>
+            <a:ext cx="9143999" cy="5135430"/>
+          </a:xfrm>
+          <a:prstGeom prst="rect">
+            <a:avLst/>
+          </a:prstGeom>
+          <a:solidFill>
+            <a:srgbClr val="000000"/>
+          </a:solidFill>
+          <a:ln w="48000" cap="flat" cmpd="thickThin" algn="ctr">
+            <a:noFill/>
+            <a:prstDash val="solid"/>
+          </a:ln>
+        </p:spPr>
+        <p:style>
+          <a:lnRef idx="2">
+            <a:schemeClr val="accent1"/>
+          </a:lnRef>
+          <a:fillRef idx="1">
+            <a:schemeClr val="accent1"/>
+          </a:fillRef>
+          <a:effectRef idx="0">
+            <a:schemeClr val="accent1"/>
+          </a:effectRef>
+          <a:fontRef idx="minor">
+            <a:schemeClr val="lt1"/>
+          </a:fontRef>
+        </p:style>
+        <p:txBody>
+          <a:bodyPr rtlCol="0" anchor="ctr"/>
+          <a:lstStyle>
+            <a:extLst/>
+          </a:lstStyle>
+          <a:p>
+            <a:pPr algn="ctr" eaLnBrk="1" latinLnBrk="0" hangingPunct="1"/>
+            <a:endParaRPr kumimoji="0" lang="en-US"/>
+          </a:p>
+        </p:txBody>
+      </p:sp>
+      <p:sp>
+        <p:nvSpPr>
+          <p:cNvPr id="2" name="Title 1"/>
+          <p:cNvSpPr>
+            <a:spLocks noGrp="1"/>
+          </p:cNvSpPr>
+          <p:nvPr>
+            <p:ph type="ctrTitle"/>
+          </p:nvPr>
+        </p:nvSpPr>
+        <p:spPr>
+          <a:xfrm>
+            <a:off x="685800" y="3355848"/>
+            <a:ext cx="8077200" cy="1673352"/>
           </a:xfrm>
         </p:spPr>
         <p:txBody>
-          <a:bodyPr/>
-          <a:lstStyle/>
-          <a:p>
-            <a:r>
-              <a:rPr lang="en-US" smtClean="0"/>
+          <a:bodyPr vert="horz" lIns="91440" tIns="0" rIns="45720" bIns="0" rtlCol="0" anchor="t">
+            <a:normAutofit/>
+            <a:scene3d>
+              <a:camera prst="orthographicFront"/>
+              <a:lightRig rig="threePt" dir="t">
+                <a:rot lat="0" lon="0" rev="4800000"/>
+              </a:lightRig>
+            </a:scene3d>
+            <a:sp3d prstMaterial="matte">
+              <a:bevelT w="50800" h="10160"/>
+            </a:sp3d>
+          </a:bodyPr>
+          <a:lstStyle>
+            <a:lvl1pPr algn="l">
+              <a:defRPr sz="4700" b="1"/>
+            </a:lvl1pPr>
+            <a:extLst/>
+          </a:lstStyle>
+          <a:p>
+            <a:r>
+              <a:rPr kumimoji="0" lang="en-US" smtClean="0"/>
               <a:t>Click to edit Master title style</a:t>
             </a:r>
-            <a:endParaRPr lang="en-US"/>
+            <a:endParaRPr kumimoji="0" lang="en-US"/>
           </a:p>
         </p:txBody>
       </p:sp>
@@ -167,20 +750,18 @@
         </p:nvSpPr>
         <p:spPr>
           <a:xfrm>
-            <a:off x="1371600" y="3886200"/>
-            <a:ext cx="6400800" cy="1752600"/>
+            <a:off x="685800" y="1828800"/>
+            <a:ext cx="8077200" cy="1499616"/>
           </a:xfrm>
         </p:spPr>
         <p:txBody>
-          <a:bodyPr/>
+          <a:bodyPr lIns="118872" tIns="0" rIns="45720" bIns="0" anchor="b"/>
           <a:lstStyle>
-            <a:lvl1pPr marL="0" indent="0" algn="ctr">
-              <a:buNone/>
-              <a:defRPr>
+            <a:lvl1pPr marL="0" indent="0" algn="l">
+              <a:buNone/>
+              <a:defRPr sz="2000">
                 <a:solidFill>
-                  <a:schemeClr val="tx1">
-                    <a:tint val="75000"/>
-                  </a:schemeClr>
+                  <a:srgbClr val="FFFFFF"/>
                 </a:solidFill>
               </a:defRPr>
             </a:lvl1pPr>
@@ -264,13 +845,14 @@
                 </a:solidFill>
               </a:defRPr>
             </a:lvl9pPr>
+            <a:extLst/>
           </a:lstStyle>
           <a:p>
             <a:r>
-              <a:rPr lang="en-US" smtClean="0"/>
+              <a:rPr kumimoji="0" lang="en-US" smtClean="0"/>
               <a:t>Click to edit Master subtitle style</a:t>
             </a:r>
-            <a:endParaRPr lang="en-US"/>
+            <a:endParaRPr kumimoji="0" lang="en-US"/>
           </a:p>
         </p:txBody>
       </p:sp>
@@ -291,7 +873,8 @@
           <a:p>
             <a:fld id="{03392DC7-3FDB-4EAE-A749-73BF4C0595FE}" type="datetimeFigureOut">
               <a:rPr lang="en-US" smtClean="0"/>
-              <a:t>6/20/2022</a:t>
+              <a:pPr/>
+              <a:t>6/21/2022</a:t>
             </a:fld>
             <a:endParaRPr lang="en-US"/>
           </a:p>
@@ -333,16 +916,71 @@
           <a:p>
             <a:fld id="{F5668A52-4BE7-405C-9CC9-2C17E24794D3}" type="slidenum">
               <a:rPr lang="en-US" smtClean="0"/>
+              <a:pPr/>
               <a:t>‹#›</a:t>
             </a:fld>
             <a:endParaRPr lang="en-US"/>
           </a:p>
         </p:txBody>
       </p:sp>
+      <p:sp>
+        <p:nvSpPr>
+          <p:cNvPr id="10" name="Rectangle 9"/>
+          <p:cNvSpPr/>
+          <p:nvPr/>
+        </p:nvSpPr>
+        <p:spPr bwMode="invGray">
+          <a:xfrm>
+            <a:off x="0" y="5128334"/>
+            <a:ext cx="9144000" cy="45720"/>
+          </a:xfrm>
+          <a:prstGeom prst="rect">
+            <a:avLst/>
+          </a:prstGeom>
+          <a:solidFill>
+            <a:srgbClr val="FFFFFF"/>
+          </a:solidFill>
+          <a:ln w="48000" cap="flat" cmpd="thickThin" algn="ctr">
+            <a:noFill/>
+            <a:prstDash val="solid"/>
+          </a:ln>
+          <a:effectLst>
+            <a:outerShdw blurRad="31750" dist="10160" dir="5400000" algn="tl" rotWithShape="0">
+              <a:srgbClr val="000000">
+                <a:alpha val="60000"/>
+              </a:srgbClr>
+            </a:outerShdw>
+          </a:effectLst>
+        </p:spPr>
+        <p:style>
+          <a:lnRef idx="2">
+            <a:schemeClr val="accent1"/>
+          </a:lnRef>
+          <a:fillRef idx="1">
+            <a:schemeClr val="accent1"/>
+          </a:fillRef>
+          <a:effectRef idx="0">
+            <a:schemeClr val="accent1"/>
+          </a:effectRef>
+          <a:fontRef idx="minor">
+            <a:schemeClr val="lt1"/>
+          </a:fontRef>
+        </p:style>
+        <p:txBody>
+          <a:bodyPr rtlCol="0" anchor="ctr"/>
+          <a:lstStyle>
+            <a:extLst/>
+          </a:lstStyle>
+          <a:p>
+            <a:pPr algn="ctr" eaLnBrk="1" latinLnBrk="0" hangingPunct="1"/>
+            <a:endParaRPr kumimoji="0" lang="en-US"/>
+          </a:p>
+        </p:txBody>
+      </p:sp>
     </p:spTree>
   </p:cSld>
   <p:clrMapOvr>
-    <a:masterClrMapping/>
+    <a:overrideClrMapping bg1="dk1" tx1="lt1" bg2="dk2" tx2="lt2" accent1="accent1" accent2="accent2" accent3="accent3" accent4="accent4" accent5="accent5" accent6="accent6" hlink="hlink" folHlink="folHlink"/>
   </p:clrMapOvr>
 </p:sldLayout>
 </file>
@@ -377,13 +1015,15 @@
         <p:spPr/>
         <p:txBody>
           <a:bodyPr/>
-          <a:lstStyle/>
-          <a:p>
-            <a:r>
-              <a:rPr lang="en-US" smtClean="0"/>
+          <a:lstStyle>
+            <a:extLst/>
+          </a:lstStyle>
+          <a:p>
+            <a:r>
+              <a:rPr kumimoji="0" lang="en-US" smtClean="0"/>
               <a:t>Click to edit Master title style</a:t>
             </a:r>
-            <a:endParaRPr lang="en-US"/>
+            <a:endParaRPr kumimoji="0" lang="en-US"/>
           </a:p>
         </p:txBody>
       </p:sp>
@@ -400,42 +1040,44 @@
         <p:spPr/>
         <p:txBody>
           <a:bodyPr vert="eaVert"/>
-          <a:lstStyle/>
-          <a:p>
-            <a:pPr lvl="0"/>
+          <a:lstStyle>
+            <a:extLst/>
+          </a:lstStyle>
+          <a:p>
+            <a:pPr lvl="0" eaLnBrk="1" latinLnBrk="0" hangingPunct="1"/>
             <a:r>
               <a:rPr lang="en-US" smtClean="0"/>
               <a:t>Click to edit Master text styles</a:t>
             </a:r>
           </a:p>
           <a:p>
-            <a:pPr lvl="1"/>
+            <a:pPr lvl="1" eaLnBrk="1" latinLnBrk="0" hangingPunct="1"/>
             <a:r>
               <a:rPr lang="en-US" smtClean="0"/>
               <a:t>Second level</a:t>
             </a:r>
           </a:p>
           <a:p>
-            <a:pPr lvl="2"/>
+            <a:pPr lvl="2" eaLnBrk="1" latinLnBrk="0" hangingPunct="1"/>
             <a:r>
               <a:rPr lang="en-US" smtClean="0"/>
               <a:t>Third level</a:t>
             </a:r>
           </a:p>
           <a:p>
-            <a:pPr lvl="3"/>
+            <a:pPr lvl="3" eaLnBrk="1" latinLnBrk="0" hangingPunct="1"/>
             <a:r>
               <a:rPr lang="en-US" smtClean="0"/>
               <a:t>Fourth level</a:t>
             </a:r>
           </a:p>
           <a:p>
-            <a:pPr lvl="4"/>
+            <a:pPr lvl="4" eaLnBrk="1" latinLnBrk="0" hangingPunct="1"/>
             <a:r>
               <a:rPr lang="en-US" smtClean="0"/>
               <a:t>Fifth level</a:t>
             </a:r>
-            <a:endParaRPr lang="en-US"/>
+            <a:endParaRPr kumimoji="0" lang="en-US"/>
           </a:p>
         </p:txBody>
       </p:sp>
@@ -456,7 +1098,8 @@
           <a:p>
             <a:fld id="{03392DC7-3FDB-4EAE-A749-73BF4C0595FE}" type="datetimeFigureOut">
               <a:rPr lang="en-US" smtClean="0"/>
-              <a:t>6/20/2022</a:t>
+              <a:pPr/>
+              <a:t>6/21/2022</a:t>
             </a:fld>
             <a:endParaRPr lang="en-US"/>
           </a:p>
@@ -498,6 +1141,7 @@
           <a:p>
             <a:fld id="{F5668A52-4BE7-405C-9CC9-2C17E24794D3}" type="slidenum">
               <a:rPr lang="en-US" smtClean="0"/>
+              <a:pPr/>
               <a:t>‹#›</a:t>
             </a:fld>
             <a:endParaRPr lang="en-US"/>
@@ -513,7 +1157,7 @@
 </file>
 
 <file path=ppt/slideLayouts/slideLayout11.xml><?xml version="1.0" encoding="utf-8"?>
-<p:sldLayout xmlns:a="http://schemas.openxmlformats.org/drawingml/2006/main" xmlns:r="http://schemas.openxmlformats.org/officeDocument/2006/relationships" xmlns:p="http://schemas.openxmlformats.org/presentationml/2006/main" type="vertTitleAndTx" preserve="1">
+<p:sldLayout xmlns:a="http://schemas.openxmlformats.org/drawingml/2006/main" xmlns:r="http://schemas.openxmlformats.org/officeDocument/2006/relationships" xmlns:p="http://schemas.openxmlformats.org/presentationml/2006/main" showMasterSp="0" type="vertTitleAndTx" preserve="1">
   <p:cSld name="Vertical Title and Text">
     <p:spTree>
       <p:nvGrpSpPr>
@@ -531,6 +1175,107 @@
       </p:grpSpPr>
       <p:sp>
         <p:nvSpPr>
+          <p:cNvPr id="9" name="Rectangle 8"/>
+          <p:cNvSpPr/>
+          <p:nvPr/>
+        </p:nvSpPr>
+        <p:spPr bwMode="invGray">
+          <a:xfrm>
+            <a:off x="6598920" y="0"/>
+            <a:ext cx="45720" cy="6858000"/>
+          </a:xfrm>
+          <a:prstGeom prst="rect">
+            <a:avLst/>
+          </a:prstGeom>
+          <a:solidFill>
+            <a:srgbClr val="FFFFFF"/>
+          </a:solidFill>
+          <a:ln w="48000" cap="flat" cmpd="thickThin" algn="ctr">
+            <a:noFill/>
+            <a:prstDash val="solid"/>
+          </a:ln>
+          <a:effectLst>
+            <a:outerShdw blurRad="31750" dist="10160" dir="10800000" algn="tl" rotWithShape="0">
+              <a:srgbClr val="000000">
+                <a:alpha val="60000"/>
+              </a:srgbClr>
+            </a:outerShdw>
+          </a:effectLst>
+        </p:spPr>
+        <p:style>
+          <a:lnRef idx="2">
+            <a:schemeClr val="accent1"/>
+          </a:lnRef>
+          <a:fillRef idx="1">
+            <a:schemeClr val="accent1"/>
+          </a:fillRef>
+          <a:effectRef idx="0">
+            <a:schemeClr val="accent1"/>
+          </a:effectRef>
+          <a:fontRef idx="minor">
+            <a:schemeClr val="lt1"/>
+          </a:fontRef>
+        </p:style>
+        <p:txBody>
+          <a:bodyPr rtlCol="0" anchor="ctr"/>
+          <a:lstStyle>
+            <a:extLst/>
+          </a:lstStyle>
+          <a:p>
+            <a:pPr algn="ctr" eaLnBrk="1" latinLnBrk="0" hangingPunct="1"/>
+            <a:endParaRPr kumimoji="0" lang="en-US"/>
+          </a:p>
+        </p:txBody>
+      </p:sp>
+      <p:sp>
+        <p:nvSpPr>
+          <p:cNvPr id="8" name="Rectangle 7"/>
+          <p:cNvSpPr/>
+          <p:nvPr/>
+        </p:nvSpPr>
+        <p:spPr bwMode="ltGray">
+          <a:xfrm>
+            <a:off x="6647687" y="0"/>
+            <a:ext cx="2514601" cy="6858000"/>
+          </a:xfrm>
+          <a:prstGeom prst="rect">
+            <a:avLst/>
+          </a:prstGeom>
+          <a:solidFill>
+            <a:srgbClr val="000000"/>
+          </a:solidFill>
+          <a:ln w="48000" cap="flat" cmpd="thickThin" algn="ctr">
+            <a:noFill/>
+            <a:prstDash val="solid"/>
+          </a:ln>
+        </p:spPr>
+        <p:style>
+          <a:lnRef idx="2">
+            <a:schemeClr val="accent1"/>
+          </a:lnRef>
+          <a:fillRef idx="1">
+            <a:schemeClr val="accent1"/>
+          </a:fillRef>
+          <a:effectRef idx="0">
+            <a:schemeClr val="accent1"/>
+          </a:effectRef>
+          <a:fontRef idx="minor">
+            <a:schemeClr val="lt1"/>
+          </a:fontRef>
+        </p:style>
+        <p:txBody>
+          <a:bodyPr rtlCol="0" anchor="ctr"/>
+          <a:lstStyle>
+            <a:extLst/>
+          </a:lstStyle>
+          <a:p>
+            <a:pPr algn="ctr" eaLnBrk="1" latinLnBrk="0" hangingPunct="1"/>
+            <a:endParaRPr kumimoji="0" lang="en-US"/>
+          </a:p>
+        </p:txBody>
+      </p:sp>
+      <p:sp>
+        <p:nvSpPr>
           <p:cNvPr id="2" name="Vertical Title 1"/>
           <p:cNvSpPr>
             <a:spLocks noGrp="1"/>
@@ -541,19 +1286,21 @@
         </p:nvSpPr>
         <p:spPr>
           <a:xfrm>
-            <a:off x="6629400" y="274638"/>
-            <a:ext cx="2057400" cy="5851525"/>
+            <a:off x="6781800" y="274640"/>
+            <a:ext cx="1905000" cy="5851525"/>
           </a:xfrm>
         </p:spPr>
         <p:txBody>
           <a:bodyPr vert="eaVert"/>
-          <a:lstStyle/>
-          <a:p>
-            <a:r>
-              <a:rPr lang="en-US" smtClean="0"/>
+          <a:lstStyle>
+            <a:extLst/>
+          </a:lstStyle>
+          <a:p>
+            <a:r>
+              <a:rPr kumimoji="0" lang="en-US" smtClean="0"/>
               <a:t>Click to edit Master title style</a:t>
             </a:r>
-            <a:endParaRPr lang="en-US"/>
+            <a:endParaRPr kumimoji="0" lang="en-US"/>
           </a:p>
         </p:txBody>
       </p:sp>
@@ -569,48 +1316,50 @@
         </p:nvSpPr>
         <p:spPr>
           <a:xfrm>
-            <a:off x="457200" y="274638"/>
+            <a:off x="457200" y="304800"/>
             <a:ext cx="6019800" cy="5851525"/>
           </a:xfrm>
         </p:spPr>
         <p:txBody>
           <a:bodyPr vert="eaVert"/>
-          <a:lstStyle/>
-          <a:p>
-            <a:pPr lvl="0"/>
+          <a:lstStyle>
+            <a:extLst/>
+          </a:lstStyle>
+          <a:p>
+            <a:pPr lvl="0" eaLnBrk="1" latinLnBrk="0" hangingPunct="1"/>
             <a:r>
               <a:rPr lang="en-US" smtClean="0"/>
               <a:t>Click to edit Master text styles</a:t>
             </a:r>
           </a:p>
           <a:p>
-            <a:pPr lvl="1"/>
+            <a:pPr lvl="1" eaLnBrk="1" latinLnBrk="0" hangingPunct="1"/>
             <a:r>
               <a:rPr lang="en-US" smtClean="0"/>
               <a:t>Second level</a:t>
             </a:r>
           </a:p>
           <a:p>
-            <a:pPr lvl="2"/>
+            <a:pPr lvl="2" eaLnBrk="1" latinLnBrk="0" hangingPunct="1"/>
             <a:r>
               <a:rPr lang="en-US" smtClean="0"/>
               <a:t>Third level</a:t>
             </a:r>
           </a:p>
           <a:p>
-            <a:pPr lvl="3"/>
+            <a:pPr lvl="3" eaLnBrk="1" latinLnBrk="0" hangingPunct="1"/>
             <a:r>
               <a:rPr lang="en-US" smtClean="0"/>
               <a:t>Fourth level</a:t>
             </a:r>
           </a:p>
           <a:p>
-            <a:pPr lvl="4"/>
+            <a:pPr lvl="4" eaLnBrk="1" latinLnBrk="0" hangingPunct="1"/>
             <a:r>
               <a:rPr lang="en-US" smtClean="0"/>
               <a:t>Fifth level</a:t>
             </a:r>
-            <a:endParaRPr lang="en-US"/>
+            <a:endParaRPr kumimoji="0" lang="en-US"/>
           </a:p>
         </p:txBody>
       </p:sp>
@@ -631,7 +1380,8 @@
           <a:p>
             <a:fld id="{03392DC7-3FDB-4EAE-A749-73BF4C0595FE}" type="datetimeFigureOut">
               <a:rPr lang="en-US" smtClean="0"/>
-              <a:t>6/20/2022</a:t>
+              <a:pPr/>
+              <a:t>6/21/2022</a:t>
             </a:fld>
             <a:endParaRPr lang="en-US"/>
           </a:p>
@@ -647,7 +1397,12 @@
             <p:ph type="ftr" sz="quarter" idx="11"/>
           </p:nvPr>
         </p:nvSpPr>
-        <p:spPr/>
+        <p:spPr>
+          <a:xfrm>
+            <a:off x="2640597" y="6377459"/>
+            <a:ext cx="3836404" cy="365125"/>
+          </a:xfrm>
+        </p:spPr>
         <p:txBody>
           <a:bodyPr/>
           <a:lstStyle/>
@@ -673,6 +1428,7 @@
           <a:p>
             <a:fld id="{F5668A52-4BE7-405C-9CC9-2C17E24794D3}" type="slidenum">
               <a:rPr lang="en-US" smtClean="0"/>
+              <a:pPr/>
               <a:t>‹#›</a:t>
             </a:fld>
             <a:endParaRPr lang="en-US"/>
@@ -714,27 +1470,112 @@
             <p:ph type="title"/>
           </p:nvPr>
         </p:nvSpPr>
+        <p:spPr>
+          <a:xfrm>
+            <a:off x="457200" y="155448"/>
+            <a:ext cx="8229600" cy="1252728"/>
+          </a:xfrm>
+        </p:spPr>
+        <p:txBody>
+          <a:bodyPr/>
+          <a:lstStyle>
+            <a:extLst/>
+          </a:lstStyle>
+          <a:p>
+            <a:r>
+              <a:rPr kumimoji="0" lang="en-US" smtClean="0"/>
+              <a:t>Click to edit Master title style</a:t>
+            </a:r>
+            <a:endParaRPr kumimoji="0" lang="en-US"/>
+          </a:p>
+        </p:txBody>
+      </p:sp>
+      <p:sp>
+        <p:nvSpPr>
+          <p:cNvPr id="3" name="Content Placeholder 2"/>
+          <p:cNvSpPr>
+            <a:spLocks noGrp="1"/>
+          </p:cNvSpPr>
+          <p:nvPr>
+            <p:ph idx="1"/>
+          </p:nvPr>
+        </p:nvSpPr>
+        <p:spPr/>
+        <p:txBody>
+          <a:bodyPr/>
+          <a:lstStyle>
+            <a:extLst/>
+          </a:lstStyle>
+          <a:p>
+            <a:pPr lvl="0" eaLnBrk="1" latinLnBrk="0" hangingPunct="1"/>
+            <a:r>
+              <a:rPr lang="en-US" smtClean="0"/>
+              <a:t>Click to edit Master text styles</a:t>
+            </a:r>
+          </a:p>
+          <a:p>
+            <a:pPr lvl="1" eaLnBrk="1" latinLnBrk="0" hangingPunct="1"/>
+            <a:r>
+              <a:rPr lang="en-US" smtClean="0"/>
+              <a:t>Second level</a:t>
+            </a:r>
+          </a:p>
+          <a:p>
+            <a:pPr lvl="2" eaLnBrk="1" latinLnBrk="0" hangingPunct="1"/>
+            <a:r>
+              <a:rPr lang="en-US" smtClean="0"/>
+              <a:t>Third level</a:t>
+            </a:r>
+          </a:p>
+          <a:p>
+            <a:pPr lvl="3" eaLnBrk="1" latinLnBrk="0" hangingPunct="1"/>
+            <a:r>
+              <a:rPr lang="en-US" smtClean="0"/>
+              <a:t>Fourth level</a:t>
+            </a:r>
+          </a:p>
+          <a:p>
+            <a:pPr lvl="4" eaLnBrk="1" latinLnBrk="0" hangingPunct="1"/>
+            <a:r>
+              <a:rPr lang="en-US" smtClean="0"/>
+              <a:t>Fifth level</a:t>
+            </a:r>
+            <a:endParaRPr kumimoji="0" lang="en-US"/>
+          </a:p>
+        </p:txBody>
+      </p:sp>
+      <p:sp>
+        <p:nvSpPr>
+          <p:cNvPr id="4" name="Date Placeholder 3"/>
+          <p:cNvSpPr>
+            <a:spLocks noGrp="1"/>
+          </p:cNvSpPr>
+          <p:nvPr>
+            <p:ph type="dt" sz="half" idx="10"/>
+          </p:nvPr>
+        </p:nvSpPr>
         <p:spPr/>
         <p:txBody>
           <a:bodyPr/>
           <a:lstStyle/>
           <a:p>
-            <a:r>
-              <a:rPr lang="en-US" smtClean="0"/>
-              <a:t>Click to edit Master title style</a:t>
-            </a:r>
+            <a:fld id="{03392DC7-3FDB-4EAE-A749-73BF4C0595FE}" type="datetimeFigureOut">
+              <a:rPr lang="en-US" smtClean="0"/>
+              <a:pPr/>
+              <a:t>6/21/2022</a:t>
+            </a:fld>
             <a:endParaRPr lang="en-US"/>
           </a:p>
         </p:txBody>
       </p:sp>
       <p:sp>
         <p:nvSpPr>
-          <p:cNvPr id="3" name="Content Placeholder 2"/>
-          <p:cNvSpPr>
-            <a:spLocks noGrp="1"/>
-          </p:cNvSpPr>
-          <p:nvPr>
-            <p:ph idx="1"/>
+          <p:cNvPr id="5" name="Footer Placeholder 4"/>
+          <p:cNvSpPr>
+            <a:spLocks noGrp="1"/>
+          </p:cNvSpPr>
+          <p:nvPr>
+            <p:ph type="ftr" sz="quarter" idx="11"/>
           </p:nvPr>
         </p:nvSpPr>
         <p:spPr/>
@@ -742,51 +1583,18 @@
           <a:bodyPr/>
           <a:lstStyle/>
           <a:p>
-            <a:pPr lvl="0"/>
-            <a:r>
-              <a:rPr lang="en-US" smtClean="0"/>
-              <a:t>Click to edit Master text styles</a:t>
-            </a:r>
-          </a:p>
-          <a:p>
-            <a:pPr lvl="1"/>
-            <a:r>
-              <a:rPr lang="en-US" smtClean="0"/>
-              <a:t>Second level</a:t>
-            </a:r>
-          </a:p>
-          <a:p>
-            <a:pPr lvl="2"/>
-            <a:r>
-              <a:rPr lang="en-US" smtClean="0"/>
-              <a:t>Third level</a:t>
-            </a:r>
-          </a:p>
-          <a:p>
-            <a:pPr lvl="3"/>
-            <a:r>
-              <a:rPr lang="en-US" smtClean="0"/>
-              <a:t>Fourth level</a:t>
-            </a:r>
-          </a:p>
-          <a:p>
-            <a:pPr lvl="4"/>
-            <a:r>
-              <a:rPr lang="en-US" smtClean="0"/>
-              <a:t>Fifth level</a:t>
-            </a:r>
             <a:endParaRPr lang="en-US"/>
           </a:p>
         </p:txBody>
       </p:sp>
       <p:sp>
         <p:nvSpPr>
-          <p:cNvPr id="4" name="Date Placeholder 3"/>
-          <p:cNvSpPr>
-            <a:spLocks noGrp="1"/>
-          </p:cNvSpPr>
-          <p:nvPr>
-            <p:ph type="dt" sz="half" idx="10"/>
+          <p:cNvPr id="6" name="Slide Number Placeholder 5"/>
+          <p:cNvSpPr>
+            <a:spLocks noGrp="1"/>
+          </p:cNvSpPr>
+          <p:nvPr>
+            <p:ph type="sldNum" sz="quarter" idx="12"/>
           </p:nvPr>
         </p:nvSpPr>
         <p:spPr/>
@@ -794,50 +1602,9 @@
           <a:bodyPr/>
           <a:lstStyle/>
           <a:p>
-            <a:fld id="{03392DC7-3FDB-4EAE-A749-73BF4C0595FE}" type="datetimeFigureOut">
-              <a:rPr lang="en-US" smtClean="0"/>
-              <a:t>6/20/2022</a:t>
-            </a:fld>
-            <a:endParaRPr lang="en-US"/>
-          </a:p>
-        </p:txBody>
-      </p:sp>
-      <p:sp>
-        <p:nvSpPr>
-          <p:cNvPr id="5" name="Footer Placeholder 4"/>
-          <p:cNvSpPr>
-            <a:spLocks noGrp="1"/>
-          </p:cNvSpPr>
-          <p:nvPr>
-            <p:ph type="ftr" sz="quarter" idx="11"/>
-          </p:nvPr>
-        </p:nvSpPr>
-        <p:spPr/>
-        <p:txBody>
-          <a:bodyPr/>
-          <a:lstStyle/>
-          <a:p>
-            <a:endParaRPr lang="en-US"/>
-          </a:p>
-        </p:txBody>
-      </p:sp>
-      <p:sp>
-        <p:nvSpPr>
-          <p:cNvPr id="6" name="Slide Number Placeholder 5"/>
-          <p:cNvSpPr>
-            <a:spLocks noGrp="1"/>
-          </p:cNvSpPr>
-          <p:nvPr>
-            <p:ph type="sldNum" sz="quarter" idx="12"/>
-          </p:nvPr>
-        </p:nvSpPr>
-        <p:spPr/>
-        <p:txBody>
-          <a:bodyPr/>
-          <a:lstStyle/>
-          <a:p>
             <a:fld id="{F5668A52-4BE7-405C-9CC9-2C17E24794D3}" type="slidenum">
               <a:rPr lang="en-US" smtClean="0"/>
+              <a:pPr/>
               <a:t>‹#›</a:t>
             </a:fld>
             <a:endParaRPr lang="en-US"/>
@@ -853,8 +1620,13 @@
 </file>
 
 <file path=ppt/slideLayouts/slideLayout3.xml><?xml version="1.0" encoding="utf-8"?>
-<p:sldLayout xmlns:a="http://schemas.openxmlformats.org/drawingml/2006/main" xmlns:r="http://schemas.openxmlformats.org/officeDocument/2006/relationships" xmlns:p="http://schemas.openxmlformats.org/presentationml/2006/main" type="secHead" preserve="1">
+<p:sldLayout xmlns:a="http://schemas.openxmlformats.org/drawingml/2006/main" xmlns:r="http://schemas.openxmlformats.org/officeDocument/2006/relationships" xmlns:p="http://schemas.openxmlformats.org/presentationml/2006/main" showMasterSp="0" type="secHead" preserve="1">
   <p:cSld name="Section Header">
+    <p:bg>
+      <p:bgRef idx="1002">
+        <a:schemeClr val="bg2"/>
+      </p:bgRef>
+    </p:bg>
     <p:spTree>
       <p:nvGrpSpPr>
         <p:cNvPr id="1" name=""/>
@@ -871,6 +1643,107 @@
       </p:grpSpPr>
       <p:sp>
         <p:nvSpPr>
+          <p:cNvPr id="9" name="Rectangle 8"/>
+          <p:cNvSpPr/>
+          <p:nvPr/>
+        </p:nvSpPr>
+        <p:spPr bwMode="ltGray">
+          <a:xfrm>
+            <a:off x="0" y="1"/>
+            <a:ext cx="9144000" cy="2602520"/>
+          </a:xfrm>
+          <a:prstGeom prst="rect">
+            <a:avLst/>
+          </a:prstGeom>
+          <a:solidFill>
+            <a:srgbClr val="000000"/>
+          </a:solidFill>
+          <a:ln w="48000" cap="flat" cmpd="thickThin" algn="ctr">
+            <a:noFill/>
+            <a:prstDash val="solid"/>
+          </a:ln>
+        </p:spPr>
+        <p:style>
+          <a:lnRef idx="2">
+            <a:schemeClr val="accent1"/>
+          </a:lnRef>
+          <a:fillRef idx="1">
+            <a:schemeClr val="accent1"/>
+          </a:fillRef>
+          <a:effectRef idx="0">
+            <a:schemeClr val="accent1"/>
+          </a:effectRef>
+          <a:fontRef idx="minor">
+            <a:schemeClr val="lt1"/>
+          </a:fontRef>
+        </p:style>
+        <p:txBody>
+          <a:bodyPr rtlCol="0" anchor="ctr"/>
+          <a:lstStyle>
+            <a:extLst/>
+          </a:lstStyle>
+          <a:p>
+            <a:pPr algn="ctr" eaLnBrk="1" latinLnBrk="0" hangingPunct="1"/>
+            <a:endParaRPr kumimoji="0" lang="en-US"/>
+          </a:p>
+        </p:txBody>
+      </p:sp>
+      <p:sp>
+        <p:nvSpPr>
+          <p:cNvPr id="12" name="Rectangle 11"/>
+          <p:cNvSpPr/>
+          <p:nvPr/>
+        </p:nvSpPr>
+        <p:spPr bwMode="invGray">
+          <a:xfrm>
+            <a:off x="0" y="2602520"/>
+            <a:ext cx="9144000" cy="45720"/>
+          </a:xfrm>
+          <a:prstGeom prst="rect">
+            <a:avLst/>
+          </a:prstGeom>
+          <a:solidFill>
+            <a:srgbClr val="FFFFFF"/>
+          </a:solidFill>
+          <a:ln w="48000" cap="flat" cmpd="thickThin" algn="ctr">
+            <a:noFill/>
+            <a:prstDash val="solid"/>
+          </a:ln>
+          <a:effectLst>
+            <a:outerShdw blurRad="31750" dist="10160" dir="5400000" algn="tl" rotWithShape="0">
+              <a:srgbClr val="000000">
+                <a:alpha val="60000"/>
+              </a:srgbClr>
+            </a:outerShdw>
+          </a:effectLst>
+        </p:spPr>
+        <p:style>
+          <a:lnRef idx="2">
+            <a:schemeClr val="accent1"/>
+          </a:lnRef>
+          <a:fillRef idx="1">
+            <a:schemeClr val="accent1"/>
+          </a:fillRef>
+          <a:effectRef idx="0">
+            <a:schemeClr val="accent1"/>
+          </a:effectRef>
+          <a:fontRef idx="minor">
+            <a:schemeClr val="lt1"/>
+          </a:fontRef>
+        </p:style>
+        <p:txBody>
+          <a:bodyPr rtlCol="0" anchor="ctr"/>
+          <a:lstStyle>
+            <a:extLst/>
+          </a:lstStyle>
+          <a:p>
+            <a:pPr algn="ctr" eaLnBrk="1" latinLnBrk="0" hangingPunct="1"/>
+            <a:endParaRPr kumimoji="0" lang="en-US"/>
+          </a:p>
+        </p:txBody>
+      </p:sp>
+      <p:sp>
+        <p:nvSpPr>
           <p:cNvPr id="2" name="Title 1"/>
           <p:cNvSpPr>
             <a:spLocks noGrp="1"/>
@@ -881,23 +1754,35 @@
         </p:nvSpPr>
         <p:spPr>
           <a:xfrm>
-            <a:off x="722313" y="4406900"/>
-            <a:ext cx="7772400" cy="1362075"/>
+            <a:off x="749808" y="118872"/>
+            <a:ext cx="8013192" cy="1636776"/>
           </a:xfrm>
         </p:spPr>
         <p:txBody>
-          <a:bodyPr anchor="t"/>
+          <a:bodyPr vert="horz" lIns="91440" tIns="0" rIns="91440" bIns="0" rtlCol="0" anchor="b">
+            <a:normAutofit/>
+            <a:scene3d>
+              <a:camera prst="orthographicFront"/>
+              <a:lightRig rig="threePt" dir="t">
+                <a:rot lat="0" lon="0" rev="4800000"/>
+              </a:lightRig>
+            </a:scene3d>
+            <a:sp3d prstMaterial="matte">
+              <a:bevelT w="50800" h="10160"/>
+            </a:sp3d>
+          </a:bodyPr>
           <a:lstStyle>
             <a:lvl1pPr algn="l">
-              <a:defRPr sz="4000" b="1" cap="all"/>
+              <a:defRPr sz="4700" b="1" cap="none" baseline="0"/>
             </a:lvl1pPr>
+            <a:extLst/>
           </a:lstStyle>
           <a:p>
             <a:r>
-              <a:rPr lang="en-US" smtClean="0"/>
+              <a:rPr kumimoji="0" lang="en-US" smtClean="0"/>
               <a:t>Click to edit Master title style</a:t>
             </a:r>
-            <a:endParaRPr lang="en-US"/>
+            <a:endParaRPr kumimoji="0" lang="en-US"/>
           </a:p>
         </p:txBody>
       </p:sp>
@@ -913,20 +1798,18 @@
         </p:nvSpPr>
         <p:spPr>
           <a:xfrm>
-            <a:off x="722313" y="2906713"/>
-            <a:ext cx="7772400" cy="1500187"/>
+            <a:off x="740664" y="1828800"/>
+            <a:ext cx="8022336" cy="685800"/>
           </a:xfrm>
         </p:spPr>
         <p:txBody>
-          <a:bodyPr anchor="b"/>
+          <a:bodyPr lIns="146304" tIns="0" rIns="45720" bIns="0" anchor="t"/>
           <a:lstStyle>
             <a:lvl1pPr marL="0" indent="0">
               <a:buNone/>
               <a:defRPr sz="2000">
                 <a:solidFill>
-                  <a:schemeClr val="tx1">
-                    <a:tint val="75000"/>
-                  </a:schemeClr>
+                  <a:srgbClr val="FFFFFF"/>
                 </a:solidFill>
               </a:defRPr>
             </a:lvl1pPr>
@@ -1010,11 +1893,12 @@
                 </a:solidFill>
               </a:defRPr>
             </a:lvl9pPr>
+            <a:extLst/>
           </a:lstStyle>
           <a:p>
-            <a:pPr lvl="0"/>
-            <a:r>
-              <a:rPr lang="en-US" smtClean="0"/>
+            <a:pPr lvl="0" eaLnBrk="1" latinLnBrk="0" hangingPunct="1"/>
+            <a:r>
+              <a:rPr kumimoji="0" lang="en-US" smtClean="0"/>
               <a:t>Click to edit Master text styles</a:t>
             </a:r>
           </a:p>
@@ -1037,7 +1921,8 @@
           <a:p>
             <a:fld id="{03392DC7-3FDB-4EAE-A749-73BF4C0595FE}" type="datetimeFigureOut">
               <a:rPr lang="en-US" smtClean="0"/>
-              <a:t>6/20/2022</a:t>
+              <a:pPr/>
+              <a:t>6/21/2022</a:t>
             </a:fld>
             <a:endParaRPr lang="en-US"/>
           </a:p>
@@ -1079,6 +1964,7 @@
           <a:p>
             <a:fld id="{F5668A52-4BE7-405C-9CC9-2C17E24794D3}" type="slidenum">
               <a:rPr lang="en-US" smtClean="0"/>
+              <a:pPr/>
               <a:t>‹#›</a:t>
             </a:fld>
             <a:endParaRPr lang="en-US"/>
@@ -1088,7 +1974,7 @@
     </p:spTree>
   </p:cSld>
   <p:clrMapOvr>
-    <a:masterClrMapping/>
+    <a:overrideClrMapping bg1="dk1" tx1="lt1" bg2="dk2" tx2="lt2" accent1="accent1" accent2="accent2" accent3="accent3" accent4="accent4" accent5="accent5" accent6="accent6" hlink="hlink" folHlink="folHlink"/>
   </p:clrMapOvr>
 </p:sldLayout>
 </file>
@@ -1123,13 +2009,15 @@
         <p:spPr/>
         <p:txBody>
           <a:bodyPr/>
-          <a:lstStyle/>
-          <a:p>
-            <a:r>
-              <a:rPr lang="en-US" smtClean="0"/>
+          <a:lstStyle>
+            <a:extLst/>
+          </a:lstStyle>
+          <a:p>
+            <a:r>
+              <a:rPr kumimoji="0" lang="en-US" smtClean="0"/>
               <a:t>Click to edit Master title style</a:t>
             </a:r>
-            <a:endParaRPr lang="en-US"/>
+            <a:endParaRPr kumimoji="0" lang="en-US"/>
           </a:p>
         </p:txBody>
       </p:sp>
@@ -1145,8 +2033,94 @@
         </p:nvSpPr>
         <p:spPr>
           <a:xfrm>
-            <a:off x="457200" y="1600200"/>
-            <a:ext cx="4038600" cy="4525963"/>
+            <a:off x="457200" y="1773936"/>
+            <a:ext cx="4038600" cy="4623816"/>
+          </a:xfrm>
+        </p:spPr>
+        <p:txBody>
+          <a:bodyPr lIns="91440"/>
+          <a:lstStyle>
+            <a:lvl1pPr>
+              <a:defRPr sz="2800"/>
+            </a:lvl1pPr>
+            <a:lvl2pPr>
+              <a:defRPr sz="2400"/>
+            </a:lvl2pPr>
+            <a:lvl3pPr>
+              <a:defRPr sz="2000"/>
+            </a:lvl3pPr>
+            <a:lvl4pPr>
+              <a:defRPr sz="1800"/>
+            </a:lvl4pPr>
+            <a:lvl5pPr>
+              <a:defRPr sz="1800"/>
+            </a:lvl5pPr>
+            <a:lvl6pPr>
+              <a:defRPr sz="1800"/>
+            </a:lvl6pPr>
+            <a:lvl7pPr>
+              <a:defRPr sz="1800"/>
+            </a:lvl7pPr>
+            <a:lvl8pPr>
+              <a:defRPr sz="1800"/>
+            </a:lvl8pPr>
+            <a:lvl9pPr>
+              <a:defRPr sz="1800"/>
+            </a:lvl9pPr>
+            <a:extLst/>
+          </a:lstStyle>
+          <a:p>
+            <a:pPr lvl="0" eaLnBrk="1" latinLnBrk="0" hangingPunct="1"/>
+            <a:r>
+              <a:rPr lang="en-US" smtClean="0"/>
+              <a:t>Click to edit Master text styles</a:t>
+            </a:r>
+          </a:p>
+          <a:p>
+            <a:pPr lvl="1" eaLnBrk="1" latinLnBrk="0" hangingPunct="1"/>
+            <a:r>
+              <a:rPr lang="en-US" smtClean="0"/>
+              <a:t>Second level</a:t>
+            </a:r>
+          </a:p>
+          <a:p>
+            <a:pPr lvl="2" eaLnBrk="1" latinLnBrk="0" hangingPunct="1"/>
+            <a:r>
+              <a:rPr lang="en-US" smtClean="0"/>
+              <a:t>Third level</a:t>
+            </a:r>
+          </a:p>
+          <a:p>
+            <a:pPr lvl="3" eaLnBrk="1" latinLnBrk="0" hangingPunct="1"/>
+            <a:r>
+              <a:rPr lang="en-US" smtClean="0"/>
+              <a:t>Fourth level</a:t>
+            </a:r>
+          </a:p>
+          <a:p>
+            <a:pPr lvl="4" eaLnBrk="1" latinLnBrk="0" hangingPunct="1"/>
+            <a:r>
+              <a:rPr lang="en-US" smtClean="0"/>
+              <a:t>Fifth level</a:t>
+            </a:r>
+            <a:endParaRPr kumimoji="0" lang="en-US"/>
+          </a:p>
+        </p:txBody>
+      </p:sp>
+      <p:sp>
+        <p:nvSpPr>
+          <p:cNvPr id="4" name="Content Placeholder 3"/>
+          <p:cNvSpPr>
+            <a:spLocks noGrp="1"/>
+          </p:cNvSpPr>
+          <p:nvPr>
+            <p:ph sz="half" idx="2"/>
+          </p:nvPr>
+        </p:nvSpPr>
+        <p:spPr>
+          <a:xfrm>
+            <a:off x="4648200" y="1773936"/>
+            <a:ext cx="4038600" cy="4623816"/>
           </a:xfrm>
         </p:spPr>
         <p:txBody>
@@ -1179,127 +2153,43 @@
             <a:lvl9pPr>
               <a:defRPr sz="1800"/>
             </a:lvl9pPr>
+            <a:extLst/>
           </a:lstStyle>
           <a:p>
-            <a:pPr lvl="0"/>
+            <a:pPr lvl="0" eaLnBrk="1" latinLnBrk="0" hangingPunct="1"/>
             <a:r>
               <a:rPr lang="en-US" smtClean="0"/>
               <a:t>Click to edit Master text styles</a:t>
             </a:r>
           </a:p>
           <a:p>
-            <a:pPr lvl="1"/>
+            <a:pPr lvl="1" eaLnBrk="1" latinLnBrk="0" hangingPunct="1"/>
             <a:r>
               <a:rPr lang="en-US" smtClean="0"/>
               <a:t>Second level</a:t>
             </a:r>
           </a:p>
           <a:p>
-            <a:pPr lvl="2"/>
+            <a:pPr lvl="2" eaLnBrk="1" latinLnBrk="0" hangingPunct="1"/>
             <a:r>
               <a:rPr lang="en-US" smtClean="0"/>
               <a:t>Third level</a:t>
             </a:r>
           </a:p>
           <a:p>
-            <a:pPr lvl="3"/>
+            <a:pPr lvl="3" eaLnBrk="1" latinLnBrk="0" hangingPunct="1"/>
             <a:r>
               <a:rPr lang="en-US" smtClean="0"/>
               <a:t>Fourth level</a:t>
             </a:r>
           </a:p>
           <a:p>
-            <a:pPr lvl="4"/>
+            <a:pPr lvl="4" eaLnBrk="1" latinLnBrk="0" hangingPunct="1"/>
             <a:r>
               <a:rPr lang="en-US" smtClean="0"/>
               <a:t>Fifth level</a:t>
             </a:r>
-            <a:endParaRPr lang="en-US"/>
-          </a:p>
-        </p:txBody>
-      </p:sp>
-      <p:sp>
-        <p:nvSpPr>
-          <p:cNvPr id="4" name="Content Placeholder 3"/>
-          <p:cNvSpPr>
-            <a:spLocks noGrp="1"/>
-          </p:cNvSpPr>
-          <p:nvPr>
-            <p:ph sz="half" idx="2"/>
-          </p:nvPr>
-        </p:nvSpPr>
-        <p:spPr>
-          <a:xfrm>
-            <a:off x="4648200" y="1600200"/>
-            <a:ext cx="4038600" cy="4525963"/>
-          </a:xfrm>
-        </p:spPr>
-        <p:txBody>
-          <a:bodyPr/>
-          <a:lstStyle>
-            <a:lvl1pPr>
-              <a:defRPr sz="2800"/>
-            </a:lvl1pPr>
-            <a:lvl2pPr>
-              <a:defRPr sz="2400"/>
-            </a:lvl2pPr>
-            <a:lvl3pPr>
-              <a:defRPr sz="2000"/>
-            </a:lvl3pPr>
-            <a:lvl4pPr>
-              <a:defRPr sz="1800"/>
-            </a:lvl4pPr>
-            <a:lvl5pPr>
-              <a:defRPr sz="1800"/>
-            </a:lvl5pPr>
-            <a:lvl6pPr>
-              <a:defRPr sz="1800"/>
-            </a:lvl6pPr>
-            <a:lvl7pPr>
-              <a:defRPr sz="1800"/>
-            </a:lvl7pPr>
-            <a:lvl8pPr>
-              <a:defRPr sz="1800"/>
-            </a:lvl8pPr>
-            <a:lvl9pPr>
-              <a:defRPr sz="1800"/>
-            </a:lvl9pPr>
-          </a:lstStyle>
-          <a:p>
-            <a:pPr lvl="0"/>
-            <a:r>
-              <a:rPr lang="en-US" smtClean="0"/>
-              <a:t>Click to edit Master text styles</a:t>
-            </a:r>
-          </a:p>
-          <a:p>
-            <a:pPr lvl="1"/>
-            <a:r>
-              <a:rPr lang="en-US" smtClean="0"/>
-              <a:t>Second level</a:t>
-            </a:r>
-          </a:p>
-          <a:p>
-            <a:pPr lvl="2"/>
-            <a:r>
-              <a:rPr lang="en-US" smtClean="0"/>
-              <a:t>Third level</a:t>
-            </a:r>
-          </a:p>
-          <a:p>
-            <a:pPr lvl="3"/>
-            <a:r>
-              <a:rPr lang="en-US" smtClean="0"/>
-              <a:t>Fourth level</a:t>
-            </a:r>
-          </a:p>
-          <a:p>
-            <a:pPr lvl="4"/>
-            <a:r>
-              <a:rPr lang="en-US" smtClean="0"/>
-              <a:t>Fifth level</a:t>
-            </a:r>
-            <a:endParaRPr lang="en-US"/>
+            <a:endParaRPr kumimoji="0" lang="en-US"/>
           </a:p>
         </p:txBody>
       </p:sp>
@@ -1320,7 +2210,8 @@
           <a:p>
             <a:fld id="{03392DC7-3FDB-4EAE-A749-73BF4C0595FE}" type="datetimeFigureOut">
               <a:rPr lang="en-US" smtClean="0"/>
-              <a:t>6/20/2022</a:t>
+              <a:pPr/>
+              <a:t>6/21/2022</a:t>
             </a:fld>
             <a:endParaRPr lang="en-US"/>
           </a:p>
@@ -1362,6 +2253,7 @@
           <a:p>
             <a:fld id="{F5668A52-4BE7-405C-9CC9-2C17E24794D3}" type="slidenum">
               <a:rPr lang="en-US" smtClean="0"/>
+              <a:pPr/>
               <a:t>‹#›</a:t>
             </a:fld>
             <a:endParaRPr lang="en-US"/>
@@ -1410,13 +2302,14 @@
             <a:lvl1pPr>
               <a:defRPr/>
             </a:lvl1pPr>
+            <a:extLst/>
           </a:lstStyle>
           <a:p>
             <a:r>
-              <a:rPr lang="en-US" smtClean="0"/>
+              <a:rPr kumimoji="0" lang="en-US" smtClean="0"/>
               <a:t>Click to edit Master title style</a:t>
             </a:r>
-            <a:endParaRPr lang="en-US"/>
+            <a:endParaRPr kumimoji="0" lang="en-US"/>
           </a:p>
         </p:txBody>
       </p:sp>
@@ -1432,16 +2325,16 @@
         </p:nvSpPr>
         <p:spPr>
           <a:xfrm>
-            <a:off x="457200" y="1535113"/>
-            <a:ext cx="4040188" cy="639762"/>
+            <a:off x="457200" y="1698987"/>
+            <a:ext cx="4040188" cy="715355"/>
           </a:xfrm>
         </p:spPr>
         <p:txBody>
-          <a:bodyPr anchor="b"/>
+          <a:bodyPr lIns="146304" anchor="ctr"/>
           <a:lstStyle>
             <a:lvl1pPr marL="0" indent="0">
               <a:buNone/>
-              <a:defRPr sz="2400" b="1"/>
+              <a:defRPr sz="2300" b="1" cap="all" baseline="0"/>
             </a:lvl1pPr>
             <a:lvl2pPr marL="457200" indent="0">
               <a:buNone/>
@@ -1475,11 +2368,12 @@
               <a:buNone/>
               <a:defRPr sz="1600" b="1"/>
             </a:lvl9pPr>
+            <a:extLst/>
           </a:lstStyle>
           <a:p>
-            <a:pPr lvl="0"/>
-            <a:r>
-              <a:rPr lang="en-US" smtClean="0"/>
+            <a:pPr lvl="0" eaLnBrk="1" latinLnBrk="0" hangingPunct="1"/>
+            <a:r>
+              <a:rPr kumimoji="0" lang="en-US" smtClean="0"/>
               <a:t>Click to edit Master text styles</a:t>
             </a:r>
           </a:p>
@@ -1497,7 +2391,7 @@
         </p:nvSpPr>
         <p:spPr>
           <a:xfrm>
-            <a:off x="457200" y="2174875"/>
+            <a:off x="457200" y="2449512"/>
             <a:ext cx="4040188" cy="3951288"/>
           </a:xfrm>
         </p:spPr>
@@ -1531,42 +2425,43 @@
             <a:lvl9pPr>
               <a:defRPr sz="1600"/>
             </a:lvl9pPr>
+            <a:extLst/>
           </a:lstStyle>
           <a:p>
-            <a:pPr lvl="0"/>
+            <a:pPr lvl="0" eaLnBrk="1" latinLnBrk="0" hangingPunct="1"/>
             <a:r>
               <a:rPr lang="en-US" smtClean="0"/>
               <a:t>Click to edit Master text styles</a:t>
             </a:r>
           </a:p>
           <a:p>
-            <a:pPr lvl="1"/>
+            <a:pPr lvl="1" eaLnBrk="1" latinLnBrk="0" hangingPunct="1"/>
             <a:r>
               <a:rPr lang="en-US" smtClean="0"/>
               <a:t>Second level</a:t>
             </a:r>
           </a:p>
           <a:p>
-            <a:pPr lvl="2"/>
+            <a:pPr lvl="2" eaLnBrk="1" latinLnBrk="0" hangingPunct="1"/>
             <a:r>
               <a:rPr lang="en-US" smtClean="0"/>
               <a:t>Third level</a:t>
             </a:r>
           </a:p>
           <a:p>
-            <a:pPr lvl="3"/>
+            <a:pPr lvl="3" eaLnBrk="1" latinLnBrk="0" hangingPunct="1"/>
             <a:r>
               <a:rPr lang="en-US" smtClean="0"/>
               <a:t>Fourth level</a:t>
             </a:r>
           </a:p>
           <a:p>
-            <a:pPr lvl="4"/>
+            <a:pPr lvl="4" eaLnBrk="1" latinLnBrk="0" hangingPunct="1"/>
             <a:r>
               <a:rPr lang="en-US" smtClean="0"/>
               <a:t>Fifth level</a:t>
             </a:r>
-            <a:endParaRPr lang="en-US"/>
+            <a:endParaRPr kumimoji="0" lang="en-US"/>
           </a:p>
         </p:txBody>
       </p:sp>
@@ -1582,16 +2477,16 @@
         </p:nvSpPr>
         <p:spPr>
           <a:xfrm>
-            <a:off x="4645025" y="1535113"/>
-            <a:ext cx="4041775" cy="639762"/>
+            <a:off x="4645025" y="1698987"/>
+            <a:ext cx="4041775" cy="715355"/>
           </a:xfrm>
         </p:spPr>
         <p:txBody>
-          <a:bodyPr anchor="b"/>
+          <a:bodyPr lIns="146304" anchor="ctr"/>
           <a:lstStyle>
             <a:lvl1pPr marL="0" indent="0">
               <a:buNone/>
-              <a:defRPr sz="2400" b="1"/>
+              <a:defRPr sz="2300" b="1" cap="all" baseline="0"/>
             </a:lvl1pPr>
             <a:lvl2pPr marL="457200" indent="0">
               <a:buNone/>
@@ -1625,11 +2520,12 @@
               <a:buNone/>
               <a:defRPr sz="1600" b="1"/>
             </a:lvl9pPr>
+            <a:extLst/>
           </a:lstStyle>
           <a:p>
-            <a:pPr lvl="0"/>
-            <a:r>
-              <a:rPr lang="en-US" smtClean="0"/>
+            <a:pPr lvl="0" eaLnBrk="1" latinLnBrk="0" hangingPunct="1"/>
+            <a:r>
+              <a:rPr kumimoji="0" lang="en-US" smtClean="0"/>
               <a:t>Click to edit Master text styles</a:t>
             </a:r>
           </a:p>
@@ -1647,7 +2543,7 @@
         </p:nvSpPr>
         <p:spPr>
           <a:xfrm>
-            <a:off x="4645025" y="2174875"/>
+            <a:off x="4645025" y="2449512"/>
             <a:ext cx="4041775" cy="3951288"/>
           </a:xfrm>
         </p:spPr>
@@ -1681,42 +2577,43 @@
             <a:lvl9pPr>
               <a:defRPr sz="1600"/>
             </a:lvl9pPr>
+            <a:extLst/>
           </a:lstStyle>
           <a:p>
-            <a:pPr lvl="0"/>
+            <a:pPr lvl="0" eaLnBrk="1" latinLnBrk="0" hangingPunct="1"/>
             <a:r>
               <a:rPr lang="en-US" smtClean="0"/>
               <a:t>Click to edit Master text styles</a:t>
             </a:r>
           </a:p>
           <a:p>
-            <a:pPr lvl="1"/>
+            <a:pPr lvl="1" eaLnBrk="1" latinLnBrk="0" hangingPunct="1"/>
             <a:r>
               <a:rPr lang="en-US" smtClean="0"/>
               <a:t>Second level</a:t>
             </a:r>
           </a:p>
           <a:p>
-            <a:pPr lvl="2"/>
+            <a:pPr lvl="2" eaLnBrk="1" latinLnBrk="0" hangingPunct="1"/>
             <a:r>
               <a:rPr lang="en-US" smtClean="0"/>
               <a:t>Third level</a:t>
             </a:r>
           </a:p>
           <a:p>
-            <a:pPr lvl="3"/>
+            <a:pPr lvl="3" eaLnBrk="1" latinLnBrk="0" hangingPunct="1"/>
             <a:r>
               <a:rPr lang="en-US" smtClean="0"/>
               <a:t>Fourth level</a:t>
             </a:r>
           </a:p>
           <a:p>
-            <a:pPr lvl="4"/>
+            <a:pPr lvl="4" eaLnBrk="1" latinLnBrk="0" hangingPunct="1"/>
             <a:r>
               <a:rPr lang="en-US" smtClean="0"/>
               <a:t>Fifth level</a:t>
             </a:r>
-            <a:endParaRPr lang="en-US"/>
+            <a:endParaRPr kumimoji="0" lang="en-US"/>
           </a:p>
         </p:txBody>
       </p:sp>
@@ -1737,7 +2634,8 @@
           <a:p>
             <a:fld id="{03392DC7-3FDB-4EAE-A749-73BF4C0595FE}" type="datetimeFigureOut">
               <a:rPr lang="en-US" smtClean="0"/>
-              <a:t>6/20/2022</a:t>
+              <a:pPr/>
+              <a:t>6/21/2022</a:t>
             </a:fld>
             <a:endParaRPr lang="en-US"/>
           </a:p>
@@ -1779,6 +2677,7 @@
           <a:p>
             <a:fld id="{F5668A52-4BE7-405C-9CC9-2C17E24794D3}" type="slidenum">
               <a:rPr lang="en-US" smtClean="0"/>
+              <a:pPr/>
               <a:t>‹#›</a:t>
             </a:fld>
             <a:endParaRPr lang="en-US"/>
@@ -1823,13 +2722,15 @@
         <p:spPr/>
         <p:txBody>
           <a:bodyPr/>
-          <a:lstStyle/>
-          <a:p>
-            <a:r>
-              <a:rPr lang="en-US" smtClean="0"/>
+          <a:lstStyle>
+            <a:extLst/>
+          </a:lstStyle>
+          <a:p>
+            <a:r>
+              <a:rPr kumimoji="0" lang="en-US" smtClean="0"/>
               <a:t>Click to edit Master title style</a:t>
             </a:r>
-            <a:endParaRPr lang="en-US"/>
+            <a:endParaRPr kumimoji="0" lang="en-US"/>
           </a:p>
         </p:txBody>
       </p:sp>
@@ -1850,7 +2751,8 @@
           <a:p>
             <a:fld id="{03392DC7-3FDB-4EAE-A749-73BF4C0595FE}" type="datetimeFigureOut">
               <a:rPr lang="en-US" smtClean="0"/>
-              <a:t>6/20/2022</a:t>
+              <a:pPr/>
+              <a:t>6/21/2022</a:t>
             </a:fld>
             <a:endParaRPr lang="en-US"/>
           </a:p>
@@ -1892,6 +2794,7 @@
           <a:p>
             <a:fld id="{F5668A52-4BE7-405C-9CC9-2C17E24794D3}" type="slidenum">
               <a:rPr lang="en-US" smtClean="0"/>
+              <a:pPr/>
               <a:t>‹#›</a:t>
             </a:fld>
             <a:endParaRPr lang="en-US"/>
@@ -1907,7 +2810,7 @@
 </file>
 
 <file path=ppt/slideLayouts/slideLayout7.xml><?xml version="1.0" encoding="utf-8"?>
-<p:sldLayout xmlns:a="http://schemas.openxmlformats.org/drawingml/2006/main" xmlns:r="http://schemas.openxmlformats.org/officeDocument/2006/relationships" xmlns:p="http://schemas.openxmlformats.org/presentationml/2006/main" type="blank" preserve="1">
+<p:sldLayout xmlns:a="http://schemas.openxmlformats.org/drawingml/2006/main" xmlns:r="http://schemas.openxmlformats.org/officeDocument/2006/relationships" xmlns:p="http://schemas.openxmlformats.org/presentationml/2006/main" showMasterSp="0" type="blank" preserve="1">
   <p:cSld name="Blank">
     <p:spTree>
       <p:nvGrpSpPr>
@@ -1940,7 +2843,8 @@
           <a:p>
             <a:fld id="{03392DC7-3FDB-4EAE-A749-73BF4C0595FE}" type="datetimeFigureOut">
               <a:rPr lang="en-US" smtClean="0"/>
-              <a:t>6/20/2022</a:t>
+              <a:pPr/>
+              <a:t>6/21/2022</a:t>
             </a:fld>
             <a:endParaRPr lang="en-US"/>
           </a:p>
@@ -1982,6 +2886,7 @@
           <a:p>
             <a:fld id="{F5668A52-4BE7-405C-9CC9-2C17E24794D3}" type="slidenum">
               <a:rPr lang="en-US" smtClean="0"/>
+              <a:pPr/>
               <a:t>‹#›</a:t>
             </a:fld>
             <a:endParaRPr lang="en-US"/>
@@ -2025,23 +2930,27 @@
         </p:nvSpPr>
         <p:spPr>
           <a:xfrm>
-            <a:off x="457200" y="273050"/>
-            <a:ext cx="3008313" cy="1162050"/>
+            <a:off x="167838" y="152400"/>
+            <a:ext cx="2523744" cy="978408"/>
           </a:xfrm>
         </p:spPr>
         <p:txBody>
-          <a:bodyPr anchor="b"/>
+          <a:bodyPr vert="horz" lIns="73152" rIns="45720" bIns="0" rtlCol="0" anchor="b">
+            <a:normAutofit/>
+            <a:sp3d prstMaterial="matte"/>
+          </a:bodyPr>
           <a:lstStyle>
             <a:lvl1pPr algn="l">
-              <a:defRPr sz="2000" b="1"/>
+              <a:defRPr sz="2000" b="0"/>
             </a:lvl1pPr>
+            <a:extLst/>
           </a:lstStyle>
           <a:p>
             <a:r>
-              <a:rPr lang="en-US" smtClean="0"/>
+              <a:rPr kumimoji="0" lang="en-US" smtClean="0"/>
               <a:t>Click to edit Master title style</a:t>
             </a:r>
-            <a:endParaRPr lang="en-US"/>
+            <a:endParaRPr kumimoji="0" lang="en-US"/>
           </a:p>
         </p:txBody>
       </p:sp>
@@ -2057,8 +2966,8 @@
         </p:nvSpPr>
         <p:spPr>
           <a:xfrm>
-            <a:off x="3575050" y="273050"/>
-            <a:ext cx="5111750" cy="5853113"/>
+            <a:off x="3019377" y="1743133"/>
+            <a:ext cx="5920641" cy="4558885"/>
           </a:xfrm>
         </p:spPr>
         <p:txBody>
@@ -2091,42 +3000,43 @@
             <a:lvl9pPr>
               <a:defRPr sz="2000"/>
             </a:lvl9pPr>
+            <a:extLst/>
           </a:lstStyle>
           <a:p>
-            <a:pPr lvl="0"/>
+            <a:pPr lvl="0" eaLnBrk="1" latinLnBrk="0" hangingPunct="1"/>
             <a:r>
               <a:rPr lang="en-US" smtClean="0"/>
               <a:t>Click to edit Master text styles</a:t>
             </a:r>
           </a:p>
           <a:p>
-            <a:pPr lvl="1"/>
+            <a:pPr lvl="1" eaLnBrk="1" latinLnBrk="0" hangingPunct="1"/>
             <a:r>
               <a:rPr lang="en-US" smtClean="0"/>
               <a:t>Second level</a:t>
             </a:r>
           </a:p>
           <a:p>
-            <a:pPr lvl="2"/>
+            <a:pPr lvl="2" eaLnBrk="1" latinLnBrk="0" hangingPunct="1"/>
             <a:r>
               <a:rPr lang="en-US" smtClean="0"/>
               <a:t>Third level</a:t>
             </a:r>
           </a:p>
           <a:p>
-            <a:pPr lvl="3"/>
+            <a:pPr lvl="3" eaLnBrk="1" latinLnBrk="0" hangingPunct="1"/>
             <a:r>
               <a:rPr lang="en-US" smtClean="0"/>
               <a:t>Fourth level</a:t>
             </a:r>
           </a:p>
           <a:p>
-            <a:pPr lvl="4"/>
+            <a:pPr lvl="4" eaLnBrk="1" latinLnBrk="0" hangingPunct="1"/>
             <a:r>
               <a:rPr lang="en-US" smtClean="0"/>
               <a:t>Fifth level</a:t>
             </a:r>
-            <a:endParaRPr lang="en-US"/>
+            <a:endParaRPr kumimoji="0" lang="en-US"/>
           </a:p>
         </p:txBody>
       </p:sp>
@@ -2142,8 +3052,8 @@
         </p:nvSpPr>
         <p:spPr>
           <a:xfrm>
-            <a:off x="457200" y="1435100"/>
-            <a:ext cx="3008313" cy="4691063"/>
+            <a:off x="167838" y="1730018"/>
+            <a:ext cx="2468880" cy="4572000"/>
           </a:xfrm>
         </p:spPr>
         <p:txBody>
@@ -2185,11 +3095,12 @@
               <a:buNone/>
               <a:defRPr sz="900"/>
             </a:lvl9pPr>
+            <a:extLst/>
           </a:lstStyle>
           <a:p>
-            <a:pPr lvl="0"/>
-            <a:r>
-              <a:rPr lang="en-US" smtClean="0"/>
+            <a:pPr lvl="0" eaLnBrk="1" latinLnBrk="0" hangingPunct="1"/>
+            <a:r>
+              <a:rPr kumimoji="0" lang="en-US" smtClean="0"/>
               <a:t>Click to edit Master text styles</a:t>
             </a:r>
           </a:p>
@@ -2212,7 +3123,8 @@
           <a:p>
             <a:fld id="{03392DC7-3FDB-4EAE-A749-73BF4C0595FE}" type="datetimeFigureOut">
               <a:rPr lang="en-US" smtClean="0"/>
-              <a:t>6/20/2022</a:t>
+              <a:pPr/>
+              <a:t>6/21/2022</a:t>
             </a:fld>
             <a:endParaRPr lang="en-US"/>
           </a:p>
@@ -2254,9 +3166,104 @@
           <a:p>
             <a:fld id="{F5668A52-4BE7-405C-9CC9-2C17E24794D3}" type="slidenum">
               <a:rPr lang="en-US" smtClean="0"/>
+              <a:pPr/>
               <a:t>‹#›</a:t>
             </a:fld>
             <a:endParaRPr lang="en-US"/>
+          </a:p>
+        </p:txBody>
+      </p:sp>
+      <p:sp>
+        <p:nvSpPr>
+          <p:cNvPr id="12" name="Rectangle 11"/>
+          <p:cNvSpPr/>
+          <p:nvPr/>
+        </p:nvSpPr>
+        <p:spPr bwMode="invGray">
+          <a:xfrm>
+            <a:off x="2855737" y="0"/>
+            <a:ext cx="45720" cy="1453896"/>
+          </a:xfrm>
+          <a:prstGeom prst="rect">
+            <a:avLst/>
+          </a:prstGeom>
+          <a:solidFill>
+            <a:srgbClr val="FFFFFF"/>
+          </a:solidFill>
+          <a:ln w="48000" cap="flat" cmpd="thickThin" algn="ctr">
+            <a:noFill/>
+            <a:prstDash val="solid"/>
+          </a:ln>
+        </p:spPr>
+        <p:style>
+          <a:lnRef idx="2">
+            <a:schemeClr val="accent1"/>
+          </a:lnRef>
+          <a:fillRef idx="1">
+            <a:schemeClr val="accent1"/>
+          </a:fillRef>
+          <a:effectRef idx="0">
+            <a:schemeClr val="accent1"/>
+          </a:effectRef>
+          <a:fontRef idx="minor">
+            <a:schemeClr val="lt1"/>
+          </a:fontRef>
+        </p:style>
+        <p:txBody>
+          <a:bodyPr rtlCol="0" anchor="ctr"/>
+          <a:lstStyle>
+            <a:extLst/>
+          </a:lstStyle>
+          <a:p>
+            <a:pPr algn="ctr" eaLnBrk="1" latinLnBrk="0" hangingPunct="1"/>
+            <a:endParaRPr kumimoji="0" lang="en-US"/>
+          </a:p>
+        </p:txBody>
+      </p:sp>
+      <p:sp>
+        <p:nvSpPr>
+          <p:cNvPr id="9" name="Rectangle 8"/>
+          <p:cNvSpPr/>
+          <p:nvPr/>
+        </p:nvSpPr>
+        <p:spPr bwMode="invGray">
+          <a:xfrm>
+            <a:off x="2855737" y="0"/>
+            <a:ext cx="45720" cy="1453896"/>
+          </a:xfrm>
+          <a:prstGeom prst="rect">
+            <a:avLst/>
+          </a:prstGeom>
+          <a:solidFill>
+            <a:srgbClr val="FFFFFF"/>
+          </a:solidFill>
+          <a:ln w="48000" cap="flat" cmpd="thickThin" algn="ctr">
+            <a:noFill/>
+            <a:prstDash val="solid"/>
+          </a:ln>
+        </p:spPr>
+        <p:style>
+          <a:lnRef idx="2">
+            <a:schemeClr val="accent1"/>
+          </a:lnRef>
+          <a:fillRef idx="1">
+            <a:schemeClr val="accent1"/>
+          </a:fillRef>
+          <a:effectRef idx="0">
+            <a:schemeClr val="accent1"/>
+          </a:effectRef>
+          <a:fontRef idx="minor">
+            <a:schemeClr val="lt1"/>
+          </a:fontRef>
+        </p:style>
+        <p:txBody>
+          <a:bodyPr rtlCol="0" anchor="ctr"/>
+          <a:lstStyle>
+            <a:extLst/>
+          </a:lstStyle>
+          <a:p>
+            <a:pPr algn="ctr" eaLnBrk="1" latinLnBrk="0" hangingPunct="1"/>
+            <a:endParaRPr kumimoji="0" lang="en-US"/>
           </a:p>
         </p:txBody>
       </p:sp>
@@ -2271,6 +3278,11 @@
 <file path=ppt/slideLayouts/slideLayout9.xml><?xml version="1.0" encoding="utf-8"?>
 <p:sldLayout xmlns:a="http://schemas.openxmlformats.org/drawingml/2006/main" xmlns:r="http://schemas.openxmlformats.org/officeDocument/2006/relationships" xmlns:p="http://schemas.openxmlformats.org/presentationml/2006/main" type="picTx" preserve="1">
   <p:cSld name="Picture with Caption">
+    <p:bg>
+      <p:bgRef idx="1001">
+        <a:schemeClr val="bg2"/>
+      </p:bgRef>
+    </p:bg>
     <p:spTree>
       <p:nvGrpSpPr>
         <p:cNvPr id="1" name=""/>
@@ -2297,23 +3309,26 @@
         </p:nvSpPr>
         <p:spPr>
           <a:xfrm>
-            <a:off x="1792288" y="4800600"/>
-            <a:ext cx="5486400" cy="566738"/>
+            <a:off x="164592" y="155448"/>
+            <a:ext cx="2525150" cy="978408"/>
           </a:xfrm>
         </p:spPr>
         <p:txBody>
-          <a:bodyPr anchor="b"/>
+          <a:bodyPr lIns="73152" bIns="0" anchor="b">
+            <a:sp3d prstMaterial="matte"/>
+          </a:bodyPr>
           <a:lstStyle>
             <a:lvl1pPr algn="l">
-              <a:defRPr sz="2000" b="1"/>
+              <a:defRPr sz="2000" b="0"/>
             </a:lvl1pPr>
+            <a:extLst/>
           </a:lstStyle>
           <a:p>
             <a:r>
-              <a:rPr lang="en-US" smtClean="0"/>
+              <a:rPr kumimoji="0" lang="en-US" smtClean="0"/>
               <a:t>Click to edit Master title style</a:t>
             </a:r>
-            <a:endParaRPr lang="en-US"/>
+            <a:endParaRPr kumimoji="0" lang="en-US"/>
           </a:p>
         </p:txBody>
       </p:sp>
@@ -2329,9 +3344,14 @@
         </p:nvSpPr>
         <p:spPr>
           <a:xfrm>
-            <a:off x="1792288" y="612775"/>
-            <a:ext cx="5486400" cy="4114800"/>
+            <a:off x="2903805" y="1484808"/>
+            <a:ext cx="6247397" cy="5373192"/>
           </a:xfrm>
+          <a:solidFill>
+            <a:schemeClr val="bg2">
+              <a:shade val="75000"/>
+            </a:schemeClr>
+          </a:solidFill>
         </p:spPr>
         <p:txBody>
           <a:bodyPr/>
@@ -2372,9 +3392,14 @@
               <a:buNone/>
               <a:defRPr sz="2000"/>
             </a:lvl9pPr>
+            <a:extLst/>
           </a:lstStyle>
           <a:p>
-            <a:endParaRPr lang="en-US"/>
+            <a:r>
+              <a:rPr kumimoji="0" lang="en-US" smtClean="0"/>
+              <a:t>Click icon to add picture</a:t>
+            </a:r>
+            <a:endParaRPr kumimoji="0" lang="en-US" dirty="0"/>
           </a:p>
         </p:txBody>
       </p:sp>
@@ -2390,8 +3415,8 @@
         </p:nvSpPr>
         <p:spPr>
           <a:xfrm>
-            <a:off x="1792288" y="5367338"/>
-            <a:ext cx="5486400" cy="804862"/>
+            <a:off x="164592" y="1728216"/>
+            <a:ext cx="2468880" cy="4572000"/>
           </a:xfrm>
         </p:spPr>
         <p:txBody>
@@ -2433,11 +3458,12 @@
               <a:buNone/>
               <a:defRPr sz="900"/>
             </a:lvl9pPr>
+            <a:extLst/>
           </a:lstStyle>
           <a:p>
-            <a:pPr lvl="0"/>
-            <a:r>
-              <a:rPr lang="en-US" smtClean="0"/>
+            <a:pPr lvl="0" eaLnBrk="1" latinLnBrk="0" hangingPunct="1"/>
+            <a:r>
+              <a:rPr kumimoji="0" lang="en-US" smtClean="0"/>
               <a:t>Click to edit Master text styles</a:t>
             </a:r>
           </a:p>
@@ -2453,14 +3479,20 @@
             <p:ph type="dt" sz="half" idx="10"/>
           </p:nvPr>
         </p:nvSpPr>
-        <p:spPr/>
+        <p:spPr>
+          <a:xfrm>
+            <a:off x="164592" y="1170432"/>
+            <a:ext cx="2523744" cy="201168"/>
+          </a:xfrm>
+        </p:spPr>
         <p:txBody>
           <a:bodyPr/>
           <a:lstStyle/>
           <a:p>
             <a:fld id="{03392DC7-3FDB-4EAE-A749-73BF4C0595FE}" type="datetimeFigureOut">
               <a:rPr lang="en-US" smtClean="0"/>
-              <a:t>6/20/2022</a:t>
+              <a:pPr/>
+              <a:t>6/21/2022</a:t>
             </a:fld>
             <a:endParaRPr lang="en-US"/>
           </a:p>
@@ -2468,6 +3500,100 @@
       </p:sp>
       <p:sp>
         <p:nvSpPr>
+          <p:cNvPr id="11" name="Rectangle 10"/>
+          <p:cNvSpPr/>
+          <p:nvPr/>
+        </p:nvSpPr>
+        <p:spPr>
+          <a:xfrm>
+            <a:off x="2855737" y="0"/>
+            <a:ext cx="45720" cy="6858000"/>
+          </a:xfrm>
+          <a:prstGeom prst="rect">
+            <a:avLst/>
+          </a:prstGeom>
+          <a:solidFill>
+            <a:srgbClr val="FFFFFF"/>
+          </a:solidFill>
+          <a:ln w="48000" cap="flat" cmpd="thickThin" algn="ctr">
+            <a:noFill/>
+            <a:prstDash val="solid"/>
+          </a:ln>
+        </p:spPr>
+        <p:style>
+          <a:lnRef idx="2">
+            <a:schemeClr val="accent1"/>
+          </a:lnRef>
+          <a:fillRef idx="1">
+            <a:schemeClr val="accent1"/>
+          </a:fillRef>
+          <a:effectRef idx="0">
+            <a:schemeClr val="accent1"/>
+          </a:effectRef>
+          <a:fontRef idx="minor">
+            <a:schemeClr val="lt1"/>
+          </a:fontRef>
+        </p:style>
+        <p:txBody>
+          <a:bodyPr rtlCol="0" anchor="ctr"/>
+          <a:lstStyle>
+            <a:extLst/>
+          </a:lstStyle>
+          <a:p>
+            <a:pPr algn="ctr" eaLnBrk="1" latinLnBrk="0" hangingPunct="1"/>
+            <a:endParaRPr kumimoji="0" lang="en-US"/>
+          </a:p>
+        </p:txBody>
+      </p:sp>
+      <p:sp>
+        <p:nvSpPr>
+          <p:cNvPr id="9" name="Rectangle 8"/>
+          <p:cNvSpPr/>
+          <p:nvPr/>
+        </p:nvSpPr>
+        <p:spPr bwMode="invGray">
+          <a:xfrm>
+            <a:off x="2855737" y="0"/>
+            <a:ext cx="45720" cy="6858000"/>
+          </a:xfrm>
+          <a:prstGeom prst="rect">
+            <a:avLst/>
+          </a:prstGeom>
+          <a:solidFill>
+            <a:srgbClr val="FFFFFF"/>
+          </a:solidFill>
+          <a:ln w="48000" cap="flat" cmpd="thickThin" algn="ctr">
+            <a:noFill/>
+            <a:prstDash val="solid"/>
+          </a:ln>
+        </p:spPr>
+        <p:style>
+          <a:lnRef idx="2">
+            <a:schemeClr val="accent1"/>
+          </a:lnRef>
+          <a:fillRef idx="1">
+            <a:schemeClr val="accent1"/>
+          </a:fillRef>
+          <a:effectRef idx="0">
+            <a:schemeClr val="accent1"/>
+          </a:effectRef>
+          <a:fontRef idx="minor">
+            <a:schemeClr val="lt1"/>
+          </a:fontRef>
+        </p:style>
+        <p:txBody>
+          <a:bodyPr rtlCol="0" anchor="ctr"/>
+          <a:lstStyle>
+            <a:extLst/>
+          </a:lstStyle>
+          <a:p>
+            <a:pPr algn="ctr" eaLnBrk="1" latinLnBrk="0" hangingPunct="1"/>
+            <a:endParaRPr kumimoji="0" lang="en-US"/>
+          </a:p>
+        </p:txBody>
+      </p:sp>
+      <p:sp>
+        <p:nvSpPr>
           <p:cNvPr id="6" name="Footer Placeholder 5"/>
           <p:cNvSpPr>
             <a:spLocks noGrp="1"/>
@@ -2476,32 +3602,53 @@
             <p:ph type="ftr" sz="quarter" idx="11"/>
           </p:nvPr>
         </p:nvSpPr>
-        <p:spPr/>
+        <p:spPr>
+          <a:xfrm>
+            <a:off x="3035808" y="1170432"/>
+            <a:ext cx="5193792" cy="201168"/>
+          </a:xfrm>
+        </p:spPr>
+        <p:txBody>
+          <a:bodyPr/>
+          <a:lstStyle>
+            <a:lvl1pPr>
+              <a:defRPr>
+                <a:solidFill>
+                  <a:schemeClr val="bg1">
+                    <a:shade val="50000"/>
+                  </a:schemeClr>
+                </a:solidFill>
+              </a:defRPr>
+            </a:lvl1pPr>
+          </a:lstStyle>
+          <a:p>
+            <a:endParaRPr lang="en-US"/>
+          </a:p>
+        </p:txBody>
+      </p:sp>
+      <p:sp>
+        <p:nvSpPr>
+          <p:cNvPr id="7" name="Slide Number Placeholder 6"/>
+          <p:cNvSpPr>
+            <a:spLocks noGrp="1"/>
+          </p:cNvSpPr>
+          <p:nvPr>
+            <p:ph type="sldNum" sz="quarter" idx="12"/>
+          </p:nvPr>
+        </p:nvSpPr>
+        <p:spPr>
+          <a:xfrm>
+            <a:off x="8339328" y="1170432"/>
+            <a:ext cx="733864" cy="201168"/>
+          </a:xfrm>
+        </p:spPr>
         <p:txBody>
           <a:bodyPr/>
           <a:lstStyle/>
           <a:p>
-            <a:endParaRPr lang="en-US"/>
-          </a:p>
-        </p:txBody>
-      </p:sp>
-      <p:sp>
-        <p:nvSpPr>
-          <p:cNvPr id="7" name="Slide Number Placeholder 6"/>
-          <p:cNvSpPr>
-            <a:spLocks noGrp="1"/>
-          </p:cNvSpPr>
-          <p:nvPr>
-            <p:ph type="sldNum" sz="quarter" idx="12"/>
-          </p:nvPr>
-        </p:nvSpPr>
-        <p:spPr/>
-        <p:txBody>
-          <a:bodyPr/>
-          <a:lstStyle/>
-          <a:p>
             <a:fld id="{F5668A52-4BE7-405C-9CC9-2C17E24794D3}" type="slidenum">
               <a:rPr lang="en-US" smtClean="0"/>
+              <a:pPr/>
               <a:t>‹#›</a:t>
             </a:fld>
             <a:endParaRPr lang="en-US"/>
@@ -2511,7 +3658,7 @@
     </p:spTree>
   </p:cSld>
   <p:clrMapOvr>
-    <a:masterClrMapping/>
+    <a:overrideClrMapping bg1="lt1" tx1="dk1" bg2="lt2" tx2="dk2" accent1="accent1" accent2="accent2" accent3="accent3" accent4="accent4" accent5="accent5" accent6="accent6" hlink="hlink" folHlink="folHlink"/>
   </p:clrMapOvr>
 </p:sldLayout>
 </file>
@@ -2540,6 +3687,107 @@
       </p:grpSpPr>
       <p:sp>
         <p:nvSpPr>
+          <p:cNvPr id="10" name="Rectangle 9"/>
+          <p:cNvSpPr/>
+          <p:nvPr/>
+        </p:nvSpPr>
+        <p:spPr bwMode="invGray">
+          <a:xfrm>
+            <a:off x="0" y="1435895"/>
+            <a:ext cx="9144000" cy="45720"/>
+          </a:xfrm>
+          <a:prstGeom prst="rect">
+            <a:avLst/>
+          </a:prstGeom>
+          <a:solidFill>
+            <a:srgbClr val="FFFFFF"/>
+          </a:solidFill>
+          <a:ln w="48000" cap="flat" cmpd="thickThin" algn="ctr">
+            <a:noFill/>
+            <a:prstDash val="solid"/>
+          </a:ln>
+          <a:effectLst>
+            <a:outerShdw blurRad="31750" dist="10160" dir="5400000" algn="tl" rotWithShape="0">
+              <a:srgbClr val="000000">
+                <a:alpha val="60000"/>
+              </a:srgbClr>
+            </a:outerShdw>
+          </a:effectLst>
+        </p:spPr>
+        <p:style>
+          <a:lnRef idx="2">
+            <a:schemeClr val="accent1"/>
+          </a:lnRef>
+          <a:fillRef idx="1">
+            <a:schemeClr val="accent1"/>
+          </a:fillRef>
+          <a:effectRef idx="0">
+            <a:schemeClr val="accent1"/>
+          </a:effectRef>
+          <a:fontRef idx="minor">
+            <a:schemeClr val="lt1"/>
+          </a:fontRef>
+        </p:style>
+        <p:txBody>
+          <a:bodyPr rtlCol="0" anchor="ctr"/>
+          <a:lstStyle>
+            <a:extLst/>
+          </a:lstStyle>
+          <a:p>
+            <a:pPr algn="ctr" eaLnBrk="1" latinLnBrk="0" hangingPunct="1"/>
+            <a:endParaRPr kumimoji="0" lang="en-US"/>
+          </a:p>
+        </p:txBody>
+      </p:sp>
+      <p:sp>
+        <p:nvSpPr>
+          <p:cNvPr id="7" name="Rectangle 6"/>
+          <p:cNvSpPr/>
+          <p:nvPr/>
+        </p:nvSpPr>
+        <p:spPr bwMode="ltGray">
+          <a:xfrm>
+            <a:off x="0" y="0"/>
+            <a:ext cx="9143999" cy="1433733"/>
+          </a:xfrm>
+          <a:prstGeom prst="rect">
+            <a:avLst/>
+          </a:prstGeom>
+          <a:solidFill>
+            <a:srgbClr val="000000"/>
+          </a:solidFill>
+          <a:ln w="48000" cap="flat" cmpd="thickThin" algn="ctr">
+            <a:noFill/>
+            <a:prstDash val="solid"/>
+          </a:ln>
+        </p:spPr>
+        <p:style>
+          <a:lnRef idx="2">
+            <a:schemeClr val="accent1"/>
+          </a:lnRef>
+          <a:fillRef idx="1">
+            <a:schemeClr val="accent1"/>
+          </a:fillRef>
+          <a:effectRef idx="0">
+            <a:schemeClr val="accent1"/>
+          </a:effectRef>
+          <a:fontRef idx="minor">
+            <a:schemeClr val="lt1"/>
+          </a:fontRef>
+        </p:style>
+        <p:txBody>
+          <a:bodyPr rtlCol="0" anchor="ctr"/>
+          <a:lstStyle>
+            <a:extLst/>
+          </a:lstStyle>
+          <a:p>
+            <a:pPr algn="ctr" eaLnBrk="1" latinLnBrk="0" hangingPunct="1"/>
+            <a:endParaRPr kumimoji="0" lang="en-US"/>
+          </a:p>
+        </p:txBody>
+      </p:sp>
+      <p:sp>
+        <p:nvSpPr>
           <p:cNvPr id="2" name="Title Placeholder 1"/>
           <p:cNvSpPr>
             <a:spLocks noGrp="1"/>
@@ -2550,24 +3798,35 @@
         </p:nvSpPr>
         <p:spPr>
           <a:xfrm>
-            <a:off x="457200" y="274638"/>
-            <a:ext cx="8229600" cy="1143000"/>
+            <a:off x="457200" y="152400"/>
+            <a:ext cx="8229600" cy="1251062"/>
           </a:xfrm>
           <a:prstGeom prst="rect">
             <a:avLst/>
           </a:prstGeom>
         </p:spPr>
         <p:txBody>
-          <a:bodyPr vert="horz" lIns="91440" tIns="45720" rIns="91440" bIns="45720" rtlCol="0" anchor="ctr">
+          <a:bodyPr vert="horz" lIns="91440" rIns="45720" rtlCol="0" anchor="ctr">
             <a:normAutofit/>
+            <a:scene3d>
+              <a:camera prst="orthographicFront"/>
+              <a:lightRig rig="threePt" dir="t">
+                <a:rot lat="0" lon="0" rev="4800000"/>
+              </a:lightRig>
+            </a:scene3d>
+            <a:sp3d prstMaterial="matte">
+              <a:bevelT w="50800" h="10160"/>
+            </a:sp3d>
           </a:bodyPr>
-          <a:lstStyle/>
-          <a:p>
-            <a:r>
-              <a:rPr lang="en-US" smtClean="0"/>
+          <a:lstStyle>
+            <a:extLst/>
+          </a:lstStyle>
+          <a:p>
+            <a:r>
+              <a:rPr kumimoji="0" lang="en-US" smtClean="0"/>
               <a:t>Click to edit Master title style</a:t>
             </a:r>
-            <a:endParaRPr lang="en-US"/>
+            <a:endParaRPr kumimoji="0" lang="en-US"/>
           </a:p>
         </p:txBody>
       </p:sp>
@@ -2583,53 +3842,55 @@
         </p:nvSpPr>
         <p:spPr>
           <a:xfrm>
-            <a:off x="457200" y="1600200"/>
-            <a:ext cx="8229600" cy="4525963"/>
+            <a:off x="457200" y="1775191"/>
+            <a:ext cx="8229600" cy="4625609"/>
           </a:xfrm>
           <a:prstGeom prst="rect">
             <a:avLst/>
           </a:prstGeom>
         </p:spPr>
         <p:txBody>
-          <a:bodyPr vert="horz" lIns="91440" tIns="45720" rIns="91440" bIns="45720" rtlCol="0">
+          <a:bodyPr vert="horz" lIns="54864" tIns="91440" rtlCol="0">
             <a:normAutofit/>
           </a:bodyPr>
-          <a:lstStyle/>
-          <a:p>
-            <a:pPr lvl="0"/>
-            <a:r>
-              <a:rPr lang="en-US" smtClean="0"/>
+          <a:lstStyle>
+            <a:extLst/>
+          </a:lstStyle>
+          <a:p>
+            <a:pPr lvl="0" eaLnBrk="1" latinLnBrk="0" hangingPunct="1"/>
+            <a:r>
+              <a:rPr kumimoji="0" lang="en-US" smtClean="0"/>
               <a:t>Click to edit Master text styles</a:t>
             </a:r>
           </a:p>
           <a:p>
-            <a:pPr lvl="1"/>
-            <a:r>
-              <a:rPr lang="en-US" smtClean="0"/>
+            <a:pPr lvl="1" eaLnBrk="1" latinLnBrk="0" hangingPunct="1"/>
+            <a:r>
+              <a:rPr kumimoji="0" lang="en-US" smtClean="0"/>
               <a:t>Second level</a:t>
             </a:r>
           </a:p>
           <a:p>
-            <a:pPr lvl="2"/>
-            <a:r>
-              <a:rPr lang="en-US" smtClean="0"/>
+            <a:pPr lvl="2" eaLnBrk="1" latinLnBrk="0" hangingPunct="1"/>
+            <a:r>
+              <a:rPr kumimoji="0" lang="en-US" smtClean="0"/>
               <a:t>Third level</a:t>
             </a:r>
           </a:p>
           <a:p>
-            <a:pPr lvl="3"/>
-            <a:r>
-              <a:rPr lang="en-US" smtClean="0"/>
+            <a:pPr lvl="3" eaLnBrk="1" latinLnBrk="0" hangingPunct="1"/>
+            <a:r>
+              <a:rPr kumimoji="0" lang="en-US" smtClean="0"/>
               <a:t>Fourth level</a:t>
             </a:r>
           </a:p>
           <a:p>
-            <a:pPr lvl="4"/>
-            <a:r>
-              <a:rPr lang="en-US" smtClean="0"/>
+            <a:pPr lvl="4" eaLnBrk="1" latinLnBrk="0" hangingPunct="1"/>
+            <a:r>
+              <a:rPr kumimoji="0" lang="en-US" smtClean="0"/>
               <a:t>Fifth level</a:t>
             </a:r>
-            <a:endParaRPr lang="en-US"/>
+            <a:endParaRPr kumimoji="0" lang="en-US"/>
           </a:p>
         </p:txBody>
       </p:sp>
@@ -2645,30 +3906,32 @@
         </p:nvSpPr>
         <p:spPr>
           <a:xfrm>
-            <a:off x="457200" y="6356350"/>
-            <a:ext cx="2133600" cy="365125"/>
+            <a:off x="457200" y="6476999"/>
+            <a:ext cx="2133600" cy="274320"/>
           </a:xfrm>
           <a:prstGeom prst="rect">
             <a:avLst/>
           </a:prstGeom>
         </p:spPr>
         <p:txBody>
-          <a:bodyPr vert="horz" lIns="91440" tIns="45720" rIns="91440" bIns="45720" rtlCol="0" anchor="ctr"/>
+          <a:bodyPr vert="horz" lIns="109728" rIns="45720" bIns="0" rtlCol="0" anchor="b"/>
           <a:lstStyle>
-            <a:lvl1pPr algn="l">
-              <a:defRPr sz="1200">
+            <a:lvl1pPr algn="l" eaLnBrk="1" latinLnBrk="0" hangingPunct="1">
+              <a:defRPr kumimoji="0" sz="1200">
                 <a:solidFill>
                   <a:schemeClr val="tx1">
-                    <a:tint val="75000"/>
+                    <a:tint val="95000"/>
                   </a:schemeClr>
                 </a:solidFill>
               </a:defRPr>
             </a:lvl1pPr>
+            <a:extLst/>
           </a:lstStyle>
           <a:p>
             <a:fld id="{03392DC7-3FDB-4EAE-A749-73BF4C0595FE}" type="datetimeFigureOut">
               <a:rPr lang="en-US" smtClean="0"/>
-              <a:t>6/20/2022</a:t>
+              <a:pPr/>
+              <a:t>6/21/2022</a:t>
             </a:fld>
             <a:endParaRPr lang="en-US"/>
           </a:p>
@@ -2686,25 +3949,26 @@
         </p:nvSpPr>
         <p:spPr>
           <a:xfrm>
-            <a:off x="3124200" y="6356350"/>
-            <a:ext cx="2895600" cy="365125"/>
+            <a:off x="2640596" y="6476999"/>
+            <a:ext cx="5507719" cy="274320"/>
           </a:xfrm>
           <a:prstGeom prst="rect">
             <a:avLst/>
           </a:prstGeom>
         </p:spPr>
         <p:txBody>
-          <a:bodyPr vert="horz" lIns="91440" tIns="45720" rIns="91440" bIns="45720" rtlCol="0" anchor="ctr"/>
+          <a:bodyPr vert="horz" lIns="45720" rIns="45720" bIns="0" rtlCol="0" anchor="b"/>
           <a:lstStyle>
-            <a:lvl1pPr algn="ctr">
-              <a:defRPr sz="1200">
+            <a:lvl1pPr algn="l" eaLnBrk="1" latinLnBrk="0" hangingPunct="1">
+              <a:defRPr kumimoji="0" sz="1200">
                 <a:solidFill>
                   <a:schemeClr val="tx1">
-                    <a:tint val="75000"/>
+                    <a:tint val="95000"/>
                   </a:schemeClr>
                 </a:solidFill>
               </a:defRPr>
             </a:lvl1pPr>
+            <a:extLst/>
           </a:lstStyle>
           <a:p>
             <a:endParaRPr lang="en-US"/>
@@ -2723,29 +3987,31 @@
         </p:nvSpPr>
         <p:spPr>
           <a:xfrm>
-            <a:off x="6553200" y="6356350"/>
-            <a:ext cx="2133600" cy="365125"/>
+            <a:off x="8204396" y="6476999"/>
+            <a:ext cx="733864" cy="274320"/>
           </a:xfrm>
           <a:prstGeom prst="rect">
             <a:avLst/>
           </a:prstGeom>
         </p:spPr>
         <p:txBody>
-          <a:bodyPr vert="horz" lIns="91440" tIns="45720" rIns="91440" bIns="45720" rtlCol="0" anchor="ctr"/>
+          <a:bodyPr vert="horz" bIns="0" rtlCol="0" anchor="b"/>
           <a:lstStyle>
-            <a:lvl1pPr algn="r">
-              <a:defRPr sz="1200">
+            <a:lvl1pPr algn="r" eaLnBrk="1" latinLnBrk="0" hangingPunct="1">
+              <a:defRPr kumimoji="0" sz="1200">
                 <a:solidFill>
                   <a:schemeClr val="tx1">
-                    <a:tint val="75000"/>
+                    <a:tint val="95000"/>
                   </a:schemeClr>
                 </a:solidFill>
               </a:defRPr>
             </a:lvl1pPr>
+            <a:extLst/>
           </a:lstStyle>
           <a:p>
             <a:fld id="{F5668A52-4BE7-405C-9CC9-2C17E24794D3}" type="slidenum">
               <a:rPr lang="en-US" smtClean="0"/>
+              <a:pPr/>
               <a:t>‹#›</a:t>
             </a:fld>
             <a:endParaRPr lang="en-US"/>
@@ -2756,43 +4022,51 @@
   </p:cSld>
   <p:clrMap bg1="lt1" tx1="dk1" bg2="lt2" tx2="dk2" accent1="accent1" accent2="accent2" accent3="accent3" accent4="accent4" accent5="accent5" accent6="accent6" hlink="hlink" folHlink="folHlink"/>
   <p:sldLayoutIdLst>
-    <p:sldLayoutId id="2147483649" r:id="rId1"/>
-    <p:sldLayoutId id="2147483650" r:id="rId2"/>
-    <p:sldLayoutId id="2147483651" r:id="rId3"/>
-    <p:sldLayoutId id="2147483652" r:id="rId4"/>
-    <p:sldLayoutId id="2147483653" r:id="rId5"/>
-    <p:sldLayoutId id="2147483654" r:id="rId6"/>
-    <p:sldLayoutId id="2147483655" r:id="rId7"/>
-    <p:sldLayoutId id="2147483656" r:id="rId8"/>
-    <p:sldLayoutId id="2147483657" r:id="rId9"/>
-    <p:sldLayoutId id="2147483658" r:id="rId10"/>
-    <p:sldLayoutId id="2147483659" r:id="rId11"/>
+    <p:sldLayoutId id="2147483793" r:id="rId1"/>
+    <p:sldLayoutId id="2147483794" r:id="rId2"/>
+    <p:sldLayoutId id="2147483795" r:id="rId3"/>
+    <p:sldLayoutId id="2147483796" r:id="rId4"/>
+    <p:sldLayoutId id="2147483797" r:id="rId5"/>
+    <p:sldLayoutId id="2147483798" r:id="rId6"/>
+    <p:sldLayoutId id="2147483799" r:id="rId7"/>
+    <p:sldLayoutId id="2147483800" r:id="rId8"/>
+    <p:sldLayoutId id="2147483801" r:id="rId9"/>
+    <p:sldLayoutId id="2147483802" r:id="rId10"/>
+    <p:sldLayoutId id="2147483803" r:id="rId11"/>
   </p:sldLayoutIdLst>
   <p:txStyles>
     <p:titleStyle>
-      <a:lvl1pPr algn="ctr" defTabSz="914400" rtl="0" eaLnBrk="1" latinLnBrk="0" hangingPunct="1">
+      <a:lvl1pPr algn="l" rtl="0" eaLnBrk="1" latinLnBrk="0" hangingPunct="1">
         <a:spcBef>
           <a:spcPct val="0"/>
         </a:spcBef>
         <a:buNone/>
-        <a:defRPr sz="4400" kern="1200">
+        <a:defRPr kumimoji="0" sz="4500" b="1" kern="1200">
           <a:solidFill>
-            <a:schemeClr val="tx1"/>
+            <a:schemeClr val="accent1">
+              <a:satMod val="150000"/>
+            </a:schemeClr>
           </a:solidFill>
+          <a:effectLst/>
           <a:latin typeface="+mj-lt"/>
           <a:ea typeface="+mj-ea"/>
           <a:cs typeface="+mj-cs"/>
         </a:defRPr>
       </a:lvl1pPr>
+      <a:extLst/>
     </p:titleStyle>
     <p:bodyStyle>
-      <a:lvl1pPr marL="342900" indent="-342900" algn="l" defTabSz="914400" rtl="0" eaLnBrk="1" latinLnBrk="0" hangingPunct="1">
+      <a:lvl1pPr marL="438912" indent="-320040" algn="l" rtl="0" eaLnBrk="1" latinLnBrk="0" hangingPunct="1">
         <a:spcBef>
-          <a:spcPct val="20000"/>
+          <a:spcPts val="0"/>
         </a:spcBef>
-        <a:buFont typeface="Arial" pitchFamily="34" charset="0"/>
-        <a:buChar char="•"/>
-        <a:defRPr sz="3200" kern="1200">
+        <a:buClr>
+          <a:schemeClr val="accent1"/>
+        </a:buClr>
+        <a:buSzPct val="80000"/>
+        <a:buFont typeface="Wingdings 2"/>
+        <a:buChar char=""/>
+        <a:defRPr kumimoji="0" sz="3200" kern="1200">
           <a:solidFill>
             <a:schemeClr val="tx1"/>
           </a:solidFill>
@@ -2801,13 +4075,17 @@
           <a:cs typeface="+mn-cs"/>
         </a:defRPr>
       </a:lvl1pPr>
-      <a:lvl2pPr marL="742950" indent="-285750" algn="l" defTabSz="914400" rtl="0" eaLnBrk="1" latinLnBrk="0" hangingPunct="1">
+      <a:lvl2pPr marL="731520" indent="-274320" algn="l" rtl="0" eaLnBrk="1" latinLnBrk="0" hangingPunct="1">
         <a:spcBef>
           <a:spcPct val="20000"/>
         </a:spcBef>
-        <a:buFont typeface="Arial" pitchFamily="34" charset="0"/>
-        <a:buChar char="–"/>
-        <a:defRPr sz="2800" kern="1200">
+        <a:buClr>
+          <a:schemeClr val="accent2"/>
+        </a:buClr>
+        <a:buSzPct val="90000"/>
+        <a:buFont typeface="Wingdings"/>
+        <a:buChar char=""/>
+        <a:defRPr kumimoji="0" sz="2800" kern="1200">
           <a:solidFill>
             <a:schemeClr val="tx1"/>
           </a:solidFill>
@@ -2816,13 +4094,16 @@
           <a:cs typeface="+mn-cs"/>
         </a:defRPr>
       </a:lvl2pPr>
-      <a:lvl3pPr marL="1143000" indent="-228600" algn="l" defTabSz="914400" rtl="0" eaLnBrk="1" latinLnBrk="0" hangingPunct="1">
+      <a:lvl3pPr marL="996696" indent="-228600" algn="l" rtl="0" eaLnBrk="1" latinLnBrk="0" hangingPunct="1">
         <a:spcBef>
           <a:spcPct val="20000"/>
         </a:spcBef>
-        <a:buFont typeface="Arial" pitchFamily="34" charset="0"/>
-        <a:buChar char="•"/>
-        <a:defRPr sz="2400" kern="1200">
+        <a:buClr>
+          <a:schemeClr val="accent3"/>
+        </a:buClr>
+        <a:buFont typeface="Arial"/>
+        <a:buChar char="▪"/>
+        <a:defRPr kumimoji="0" sz="2400" kern="1200">
           <a:solidFill>
             <a:schemeClr val="tx1"/>
           </a:solidFill>
@@ -2831,13 +4112,16 @@
           <a:cs typeface="+mn-cs"/>
         </a:defRPr>
       </a:lvl3pPr>
-      <a:lvl4pPr marL="1600200" indent="-228600" algn="l" defTabSz="914400" rtl="0" eaLnBrk="1" latinLnBrk="0" hangingPunct="1">
+      <a:lvl4pPr marL="1216152" indent="-182880" algn="l" rtl="0" eaLnBrk="1" latinLnBrk="0" hangingPunct="1">
         <a:spcBef>
           <a:spcPct val="20000"/>
         </a:spcBef>
-        <a:buFont typeface="Arial" pitchFamily="34" charset="0"/>
-        <a:buChar char="–"/>
-        <a:defRPr sz="2000" kern="1200">
+        <a:buClr>
+          <a:schemeClr val="accent4"/>
+        </a:buClr>
+        <a:buFont typeface="Arial"/>
+        <a:buChar char="▪"/>
+        <a:defRPr kumimoji="0" sz="2000" kern="1200">
           <a:solidFill>
             <a:schemeClr val="tx1"/>
           </a:solidFill>
@@ -2846,13 +4130,16 @@
           <a:cs typeface="+mn-cs"/>
         </a:defRPr>
       </a:lvl4pPr>
-      <a:lvl5pPr marL="2057400" indent="-228600" algn="l" defTabSz="914400" rtl="0" eaLnBrk="1" latinLnBrk="0" hangingPunct="1">
+      <a:lvl5pPr marL="1426464" indent="-182880" algn="l" rtl="0" eaLnBrk="1" latinLnBrk="0" hangingPunct="1">
         <a:spcBef>
           <a:spcPct val="20000"/>
         </a:spcBef>
-        <a:buFont typeface="Arial" pitchFamily="34" charset="0"/>
-        <a:buChar char="»"/>
-        <a:defRPr sz="2000" kern="1200">
+        <a:buClr>
+          <a:schemeClr val="accent5"/>
+        </a:buClr>
+        <a:buFont typeface="Wingdings 3"/>
+        <a:buChar char=""/>
+        <a:defRPr kumimoji="0" lang="en-US" sz="2000" kern="1200" smtClean="0">
           <a:solidFill>
             <a:schemeClr val="tx1"/>
           </a:solidFill>
@@ -2861,13 +4148,17 @@
           <a:cs typeface="+mn-cs"/>
         </a:defRPr>
       </a:lvl5pPr>
-      <a:lvl6pPr marL="2514600" indent="-228600" algn="l" defTabSz="914400" rtl="0" eaLnBrk="1" latinLnBrk="0" hangingPunct="1">
+      <a:lvl6pPr marL="1627632" indent="-182880" algn="l" rtl="0" eaLnBrk="1" latinLnBrk="0" hangingPunct="1">
         <a:spcBef>
           <a:spcPct val="20000"/>
         </a:spcBef>
-        <a:buFont typeface="Arial" pitchFamily="34" charset="0"/>
-        <a:buChar char="•"/>
-        <a:defRPr sz="2000" kern="1200">
+        <a:buClr>
+          <a:schemeClr val="accent6"/>
+        </a:buClr>
+        <a:buSzPct val="100000"/>
+        <a:buFont typeface="Wingdings 2"/>
+        <a:buChar char=""/>
+        <a:defRPr kumimoji="0" sz="2000" kern="1200">
           <a:solidFill>
             <a:schemeClr val="tx1"/>
           </a:solidFill>
@@ -2876,13 +4167,17 @@
           <a:cs typeface="+mn-cs"/>
         </a:defRPr>
       </a:lvl6pPr>
-      <a:lvl7pPr marL="2971800" indent="-228600" algn="l" defTabSz="914400" rtl="0" eaLnBrk="1" latinLnBrk="0" hangingPunct="1">
+      <a:lvl7pPr marL="1828800" indent="-182880" algn="l" rtl="0" eaLnBrk="1" latinLnBrk="0" hangingPunct="1">
         <a:spcBef>
           <a:spcPct val="20000"/>
         </a:spcBef>
-        <a:buFont typeface="Arial" pitchFamily="34" charset="0"/>
-        <a:buChar char="•"/>
-        <a:defRPr sz="2000" kern="1200">
+        <a:buClr>
+          <a:schemeClr val="accent1"/>
+        </a:buClr>
+        <a:buSzPct val="100000"/>
+        <a:buFont typeface="Wingdings 2"/>
+        <a:buChar char=""/>
+        <a:defRPr kumimoji="0" sz="1800" kern="1200">
           <a:solidFill>
             <a:schemeClr val="tx1"/>
           </a:solidFill>
@@ -2891,13 +4186,16 @@
           <a:cs typeface="+mn-cs"/>
         </a:defRPr>
       </a:lvl7pPr>
-      <a:lvl8pPr marL="3429000" indent="-228600" algn="l" defTabSz="914400" rtl="0" eaLnBrk="1" latinLnBrk="0" hangingPunct="1">
+      <a:lvl8pPr marL="2029968" indent="-182880" algn="l" rtl="0" eaLnBrk="1" latinLnBrk="0" hangingPunct="1">
         <a:spcBef>
           <a:spcPct val="20000"/>
         </a:spcBef>
-        <a:buFont typeface="Arial" pitchFamily="34" charset="0"/>
-        <a:buChar char="•"/>
-        <a:defRPr sz="2000" kern="1200">
+        <a:buClr>
+          <a:schemeClr val="accent2"/>
+        </a:buClr>
+        <a:buFont typeface="Wingdings 2" pitchFamily="18" charset="2"/>
+        <a:buChar char=""/>
+        <a:defRPr kumimoji="0" sz="1800" kern="1200">
           <a:solidFill>
             <a:schemeClr val="tx1"/>
           </a:solidFill>
@@ -2906,13 +4204,16 @@
           <a:cs typeface="+mn-cs"/>
         </a:defRPr>
       </a:lvl8pPr>
-      <a:lvl9pPr marL="3886200" indent="-228600" algn="l" defTabSz="914400" rtl="0" eaLnBrk="1" latinLnBrk="0" hangingPunct="1">
+      <a:lvl9pPr marL="2231136" indent="-182880" algn="l" rtl="0" eaLnBrk="1" latinLnBrk="0" hangingPunct="1">
         <a:spcBef>
           <a:spcPct val="20000"/>
         </a:spcBef>
-        <a:buFont typeface="Arial" pitchFamily="34" charset="0"/>
-        <a:buChar char="•"/>
-        <a:defRPr sz="2000" kern="1200">
+        <a:buClr>
+          <a:schemeClr val="accent3"/>
+        </a:buClr>
+        <a:buFont typeface="Wingdings 2" pitchFamily="18" charset="2"/>
+        <a:buChar char=""/>
+        <a:defRPr kumimoji="0" sz="1800" kern="1200" baseline="0">
           <a:solidFill>
             <a:schemeClr val="tx1"/>
           </a:solidFill>
@@ -2921,13 +4222,11 @@
           <a:cs typeface="+mn-cs"/>
         </a:defRPr>
       </a:lvl9pPr>
+      <a:extLst/>
     </p:bodyStyle>
     <p:otherStyle>
-      <a:defPPr>
-        <a:defRPr lang="en-US"/>
-      </a:defPPr>
-      <a:lvl1pPr marL="0" algn="l" defTabSz="914400" rtl="0" eaLnBrk="1" latinLnBrk="0" hangingPunct="1">
-        <a:defRPr sz="1800" kern="1200">
+      <a:lvl1pPr marL="0" algn="l" rtl="0" eaLnBrk="1" latinLnBrk="0" hangingPunct="1">
+        <a:defRPr kumimoji="0" kern="1200">
           <a:solidFill>
             <a:schemeClr val="tx1"/>
           </a:solidFill>
@@ -2936,8 +4235,8 @@
           <a:cs typeface="+mn-cs"/>
         </a:defRPr>
       </a:lvl1pPr>
-      <a:lvl2pPr marL="457200" algn="l" defTabSz="914400" rtl="0" eaLnBrk="1" latinLnBrk="0" hangingPunct="1">
-        <a:defRPr sz="1800" kern="1200">
+      <a:lvl2pPr marL="457200" algn="l" rtl="0" eaLnBrk="1" latinLnBrk="0" hangingPunct="1">
+        <a:defRPr kumimoji="0" kern="1200">
           <a:solidFill>
             <a:schemeClr val="tx1"/>
           </a:solidFill>
@@ -2946,8 +4245,8 @@
           <a:cs typeface="+mn-cs"/>
         </a:defRPr>
       </a:lvl2pPr>
-      <a:lvl3pPr marL="914400" algn="l" defTabSz="914400" rtl="0" eaLnBrk="1" latinLnBrk="0" hangingPunct="1">
-        <a:defRPr sz="1800" kern="1200">
+      <a:lvl3pPr marL="914400" algn="l" rtl="0" eaLnBrk="1" latinLnBrk="0" hangingPunct="1">
+        <a:defRPr kumimoji="0" kern="1200">
           <a:solidFill>
             <a:schemeClr val="tx1"/>
           </a:solidFill>
@@ -2956,8 +4255,8 @@
           <a:cs typeface="+mn-cs"/>
         </a:defRPr>
       </a:lvl3pPr>
-      <a:lvl4pPr marL="1371600" algn="l" defTabSz="914400" rtl="0" eaLnBrk="1" latinLnBrk="0" hangingPunct="1">
-        <a:defRPr sz="1800" kern="1200">
+      <a:lvl4pPr marL="1371600" algn="l" rtl="0" eaLnBrk="1" latinLnBrk="0" hangingPunct="1">
+        <a:defRPr kumimoji="0" kern="1200">
           <a:solidFill>
             <a:schemeClr val="tx1"/>
           </a:solidFill>
@@ -2966,8 +4265,8 @@
           <a:cs typeface="+mn-cs"/>
         </a:defRPr>
       </a:lvl4pPr>
-      <a:lvl5pPr marL="1828800" algn="l" defTabSz="914400" rtl="0" eaLnBrk="1" latinLnBrk="0" hangingPunct="1">
-        <a:defRPr sz="1800" kern="1200">
+      <a:lvl5pPr marL="1828800" algn="l" rtl="0" eaLnBrk="1" latinLnBrk="0" hangingPunct="1">
+        <a:defRPr kumimoji="0" kern="1200">
           <a:solidFill>
             <a:schemeClr val="tx1"/>
           </a:solidFill>
@@ -2976,8 +4275,8 @@
           <a:cs typeface="+mn-cs"/>
         </a:defRPr>
       </a:lvl5pPr>
-      <a:lvl6pPr marL="2286000" algn="l" defTabSz="914400" rtl="0" eaLnBrk="1" latinLnBrk="0" hangingPunct="1">
-        <a:defRPr sz="1800" kern="1200">
+      <a:lvl6pPr marL="2286000" algn="l" rtl="0" eaLnBrk="1" latinLnBrk="0" hangingPunct="1">
+        <a:defRPr kumimoji="0" kern="1200">
           <a:solidFill>
             <a:schemeClr val="tx1"/>
           </a:solidFill>
@@ -2986,8 +4285,8 @@
           <a:cs typeface="+mn-cs"/>
         </a:defRPr>
       </a:lvl6pPr>
-      <a:lvl7pPr marL="2743200" algn="l" defTabSz="914400" rtl="0" eaLnBrk="1" latinLnBrk="0" hangingPunct="1">
-        <a:defRPr sz="1800" kern="1200">
+      <a:lvl7pPr marL="2743200" algn="l" rtl="0" eaLnBrk="1" latinLnBrk="0" hangingPunct="1">
+        <a:defRPr kumimoji="0" kern="1200">
           <a:solidFill>
             <a:schemeClr val="tx1"/>
           </a:solidFill>
@@ -2996,8 +4295,8 @@
           <a:cs typeface="+mn-cs"/>
         </a:defRPr>
       </a:lvl7pPr>
-      <a:lvl8pPr marL="3200400" algn="l" defTabSz="914400" rtl="0" eaLnBrk="1" latinLnBrk="0" hangingPunct="1">
-        <a:defRPr sz="1800" kern="1200">
+      <a:lvl8pPr marL="3200400" algn="l" rtl="0" eaLnBrk="1" latinLnBrk="0" hangingPunct="1">
+        <a:defRPr kumimoji="0" kern="1200">
           <a:solidFill>
             <a:schemeClr val="tx1"/>
           </a:solidFill>
@@ -3006,8 +4305,8 @@
           <a:cs typeface="+mn-cs"/>
         </a:defRPr>
       </a:lvl8pPr>
-      <a:lvl9pPr marL="3657600" algn="l" defTabSz="914400" rtl="0" eaLnBrk="1" latinLnBrk="0" hangingPunct="1">
-        <a:defRPr sz="1800" kern="1200">
+      <a:lvl9pPr marL="3657600" algn="l" rtl="0" eaLnBrk="1" latinLnBrk="0" hangingPunct="1">
+        <a:defRPr kumimoji="0" kern="1200">
           <a:solidFill>
             <a:schemeClr val="tx1"/>
           </a:solidFill>
@@ -3016,6 +4315,7 @@
           <a:cs typeface="+mn-cs"/>
         </a:defRPr>
       </a:lvl9pPr>
+      <a:extLst/>
     </p:otherStyle>
   </p:txStyles>
 </p:sldMaster>
@@ -3051,18 +4351,20 @@
         <p:spPr>
           <a:xfrm>
             <a:off x="685800" y="914400"/>
-            <a:ext cx="7772400" cy="1447799"/>
+            <a:ext cx="7772400" cy="3810000"/>
           </a:xfrm>
         </p:spPr>
         <p:txBody>
-          <a:bodyPr/>
+          <a:bodyPr>
+            <a:normAutofit/>
+          </a:bodyPr>
           <a:lstStyle/>
           <a:p>
             <a:r>
-              <a:rPr lang="en-US" dirty="0" smtClean="0"/>
+              <a:rPr lang="en-US" sz="6600" dirty="0" smtClean="0"/>
               <a:t>BUDDHISM</a:t>
             </a:r>
-            <a:endParaRPr lang="en-US" dirty="0"/>
+            <a:endParaRPr lang="en-US" sz="6600" dirty="0"/>
           </a:p>
         </p:txBody>
       </p:sp>
@@ -3071,6 +4373,13 @@
   <p:clrMapOvr>
     <a:masterClrMapping/>
   </p:clrMapOvr>
+  <p:timing>
+    <p:tnLst>
+      <p:par>
+        <p:cTn id="1" dur="indefinite" restart="never" nodeType="tmRoot"/>
+      </p:par>
+    </p:tnLst>
+  </p:timing>
 </p:sld>
 </file>
 
@@ -3167,6 +4476,13 @@
   <p:clrMapOvr>
     <a:masterClrMapping/>
   </p:clrMapOvr>
+  <p:timing>
+    <p:tnLst>
+      <p:par>
+        <p:cTn id="1" dur="indefinite" restart="never" nodeType="tmRoot"/>
+      </p:par>
+    </p:tnLst>
+  </p:timing>
 </p:sld>
 </file>
 
@@ -3272,6 +4588,13 @@
   <p:clrMapOvr>
     <a:masterClrMapping/>
   </p:clrMapOvr>
+  <p:timing>
+    <p:tnLst>
+      <p:par>
+        <p:cTn id="1" dur="indefinite" restart="never" nodeType="tmRoot"/>
+      </p:par>
+    </p:tnLst>
+  </p:timing>
 </p:sld>
 </file>
 
@@ -3370,11 +4693,13 @@
           <a:p>
             <a:r>
               <a:rPr lang="en-US" sz="2400" dirty="0" smtClean="0"/>
-              <a:t>The fourth precept prohibits intoxication through alcohol</a:t>
-            </a:r>
-            <a:r>
-              <a:rPr lang="en-US" sz="2400" smtClean="0"/>
-              <a:t>, drugs, </a:t>
+              <a:t>The fourth precept prohibits intoxication through alcohol, drugs, or other means. </a:t>
+            </a:r>
+          </a:p>
+          <a:p>
+            <a:r>
+              <a:rPr lang="en-US" sz="2400" dirty="0" smtClean="0"/>
+              <a:t>The fifth precept involves falsehood spoken or committed to by action, as well as malicious speech, harsh speech and gossip.</a:t>
             </a:r>
             <a:endParaRPr lang="en-US" sz="2400" dirty="0"/>
           </a:p>
@@ -3385,10 +4710,609 @@
   <p:clrMapOvr>
     <a:masterClrMapping/>
   </p:clrMapOvr>
+  <p:timing>
+    <p:tnLst>
+      <p:par>
+        <p:cTn id="1" dur="indefinite" restart="never" nodeType="tmRoot"/>
+      </p:par>
+    </p:tnLst>
+  </p:timing>
+</p:sld>
+</file>
+
+<file path=ppt/slides/slide5.xml><?xml version="1.0" encoding="utf-8"?>
+<p:sld xmlns:a="http://schemas.openxmlformats.org/drawingml/2006/main" xmlns:r="http://schemas.openxmlformats.org/officeDocument/2006/relationships" xmlns:p="http://schemas.openxmlformats.org/presentationml/2006/main">
+  <p:cSld>
+    <p:spTree>
+      <p:nvGrpSpPr>
+        <p:cNvPr id="1" name=""/>
+        <p:cNvGrpSpPr/>
+        <p:nvPr/>
+      </p:nvGrpSpPr>
+      <p:grpSpPr>
+        <a:xfrm>
+          <a:off x="0" y="0"/>
+          <a:ext cx="0" cy="0"/>
+          <a:chOff x="0" y="0"/>
+          <a:chExt cx="0" cy="0"/>
+        </a:xfrm>
+      </p:grpSpPr>
+      <p:sp>
+        <p:nvSpPr>
+          <p:cNvPr id="2" name="Title 1"/>
+          <p:cNvSpPr>
+            <a:spLocks noGrp="1"/>
+          </p:cNvSpPr>
+          <p:nvPr>
+            <p:ph type="title"/>
+          </p:nvPr>
+        </p:nvSpPr>
+        <p:spPr/>
+        <p:txBody>
+          <a:bodyPr/>
+          <a:lstStyle/>
+          <a:p>
+            <a:r>
+              <a:rPr lang="en-US" dirty="0" smtClean="0"/>
+              <a:t>The Spread of Buddhism</a:t>
+            </a:r>
+            <a:endParaRPr lang="en-US" dirty="0"/>
+          </a:p>
+        </p:txBody>
+      </p:sp>
+      <p:sp>
+        <p:nvSpPr>
+          <p:cNvPr id="3" name="Content Placeholder 2"/>
+          <p:cNvSpPr>
+            <a:spLocks noGrp="1"/>
+          </p:cNvSpPr>
+          <p:nvPr>
+            <p:ph idx="1"/>
+          </p:nvPr>
+        </p:nvSpPr>
+        <p:spPr>
+          <a:xfrm>
+            <a:off x="457200" y="1371600"/>
+            <a:ext cx="8229600" cy="5105400"/>
+          </a:xfrm>
+        </p:spPr>
+        <p:txBody>
+          <a:bodyPr>
+            <a:normAutofit/>
+          </a:bodyPr>
+          <a:lstStyle/>
+          <a:p>
+            <a:r>
+              <a:rPr lang="en-US" sz="2400" dirty="0" smtClean="0"/>
+              <a:t>In the 3d cent. BC the Indian emperor Asoka greatly strengthened Buddhism by his support and sent Buddhist missionaries as fat afield as Syria. </a:t>
+            </a:r>
+          </a:p>
+          <a:p>
+            <a:r>
+              <a:rPr lang="en-US" sz="2400" dirty="0" smtClean="0"/>
+              <a:t>In meantime, however, its beliefs had spread widely. Sri Lanka converted to Buddhism in the 3d cent. BC, and Buddhism has remained its national religion.</a:t>
+            </a:r>
+          </a:p>
+          <a:p>
+            <a:r>
+              <a:rPr lang="en-US" sz="2400" dirty="0" smtClean="0"/>
+              <a:t>After taking up residence in Sri Lanka, the Indian Buddhist scholar Buddhaghosa (5</a:t>
+            </a:r>
+            <a:r>
+              <a:rPr lang="en-US" sz="2400" baseline="30000" dirty="0" smtClean="0"/>
+              <a:t>th</a:t>
+            </a:r>
+            <a:r>
+              <a:rPr lang="en-US" sz="2400" dirty="0" smtClean="0"/>
+              <a:t> cent AD) produced some Theravada Buddhism’s most important scholastic writings.</a:t>
+            </a:r>
+          </a:p>
+          <a:p>
+            <a:r>
+              <a:rPr lang="en-US" sz="2400" dirty="0" smtClean="0"/>
+              <a:t>In the 7</a:t>
+            </a:r>
+            <a:r>
+              <a:rPr lang="en-US" sz="2400" baseline="30000" dirty="0" smtClean="0"/>
+              <a:t>th</a:t>
+            </a:r>
+            <a:r>
+              <a:rPr lang="en-US" sz="2400" dirty="0" smtClean="0"/>
+              <a:t> cent. Buddhism entered Tibet, Where it has flourished, drawing its philosophical influences mainly from Madhyamika, and its practices from the Tantra.</a:t>
+            </a:r>
+            <a:endParaRPr lang="en-US" sz="2400" dirty="0"/>
+          </a:p>
+        </p:txBody>
+      </p:sp>
+    </p:spTree>
+  </p:cSld>
+  <p:clrMapOvr>
+    <a:masterClrMapping/>
+  </p:clrMapOvr>
+  <p:timing>
+    <p:tnLst>
+      <p:par>
+        <p:cTn id="1" dur="indefinite" restart="never" nodeType="tmRoot"/>
+      </p:par>
+    </p:tnLst>
+  </p:timing>
+</p:sld>
+</file>
+
+<file path=ppt/slides/slide6.xml><?xml version="1.0" encoding="utf-8"?>
+<p:sld xmlns:a="http://schemas.openxmlformats.org/drawingml/2006/main" xmlns:r="http://schemas.openxmlformats.org/officeDocument/2006/relationships" xmlns:p="http://schemas.openxmlformats.org/presentationml/2006/main">
+  <p:cSld>
+    <p:spTree>
+      <p:nvGrpSpPr>
+        <p:cNvPr id="1" name=""/>
+        <p:cNvGrpSpPr/>
+        <p:nvPr/>
+      </p:nvGrpSpPr>
+      <p:grpSpPr>
+        <a:xfrm>
+          <a:off x="0" y="0"/>
+          <a:ext cx="0" cy="0"/>
+          <a:chOff x="0" y="0"/>
+          <a:chExt cx="0" cy="0"/>
+        </a:xfrm>
+      </p:grpSpPr>
+      <p:sp>
+        <p:nvSpPr>
+          <p:cNvPr id="2" name="Title 1"/>
+          <p:cNvSpPr>
+            <a:spLocks noGrp="1"/>
+          </p:cNvSpPr>
+          <p:nvPr>
+            <p:ph type="title"/>
+          </p:nvPr>
+        </p:nvSpPr>
+        <p:spPr/>
+        <p:txBody>
+          <a:bodyPr/>
+          <a:lstStyle/>
+          <a:p>
+            <a:r>
+              <a:rPr lang="en-US" dirty="0" smtClean="0"/>
+              <a:t>Conclusion</a:t>
+            </a:r>
+            <a:endParaRPr lang="en-US" dirty="0"/>
+          </a:p>
+        </p:txBody>
+      </p:sp>
+      <p:sp>
+        <p:nvSpPr>
+          <p:cNvPr id="3" name="Content Placeholder 2"/>
+          <p:cNvSpPr>
+            <a:spLocks noGrp="1"/>
+          </p:cNvSpPr>
+          <p:nvPr>
+            <p:ph idx="1"/>
+          </p:nvPr>
+        </p:nvSpPr>
+        <p:spPr>
+          <a:xfrm>
+            <a:off x="457200" y="1295400"/>
+            <a:ext cx="8229600" cy="5105400"/>
+          </a:xfrm>
+        </p:spPr>
+        <p:txBody>
+          <a:bodyPr>
+            <a:normAutofit/>
+          </a:bodyPr>
+          <a:lstStyle/>
+          <a:p>
+            <a:r>
+              <a:rPr lang="en-US" dirty="0" smtClean="0"/>
+              <a:t>Six paths of Enlightenment is a practical guide to Buddhist Cultivators and we only need to look at ourselves to see where we are in the process</a:t>
+            </a:r>
+          </a:p>
+          <a:p>
+            <a:r>
+              <a:rPr lang="en-US" dirty="0" smtClean="0"/>
+              <a:t>Like any art, it requires constant practice and the more we practice, the better we will become</a:t>
+            </a:r>
+          </a:p>
+          <a:p>
+            <a:r>
+              <a:rPr lang="en-US" dirty="0" smtClean="0"/>
+              <a:t>The end result is the greatest achievement of enlightenment so it’ll truly be worthy our efforts</a:t>
+            </a:r>
+          </a:p>
+          <a:p>
+            <a:endParaRPr lang="en-US" dirty="0"/>
+          </a:p>
+        </p:txBody>
+      </p:sp>
+    </p:spTree>
+  </p:cSld>
+  <p:clrMapOvr>
+    <a:masterClrMapping/>
+  </p:clrMapOvr>
+  <p:timing>
+    <p:tnLst>
+      <p:par>
+        <p:cTn id="1" dur="indefinite" restart="never" nodeType="tmRoot"/>
+      </p:par>
+    </p:tnLst>
+  </p:timing>
+</p:sld>
+</file>
+
+<file path=ppt/slides/slide7.xml><?xml version="1.0" encoding="utf-8"?>
+<p:sld xmlns:a="http://schemas.openxmlformats.org/drawingml/2006/main" xmlns:r="http://schemas.openxmlformats.org/officeDocument/2006/relationships" xmlns:p="http://schemas.openxmlformats.org/presentationml/2006/main">
+  <p:cSld>
+    <p:spTree>
+      <p:nvGrpSpPr>
+        <p:cNvPr id="1" name=""/>
+        <p:cNvGrpSpPr/>
+        <p:nvPr/>
+      </p:nvGrpSpPr>
+      <p:grpSpPr>
+        <a:xfrm>
+          <a:off x="0" y="0"/>
+          <a:ext cx="0" cy="0"/>
+          <a:chOff x="0" y="0"/>
+          <a:chExt cx="0" cy="0"/>
+        </a:xfrm>
+      </p:grpSpPr>
+      <p:sp>
+        <p:nvSpPr>
+          <p:cNvPr id="2" name="Title 1"/>
+          <p:cNvSpPr>
+            <a:spLocks noGrp="1"/>
+          </p:cNvSpPr>
+          <p:nvPr>
+            <p:ph type="ctrTitle"/>
+          </p:nvPr>
+        </p:nvSpPr>
+        <p:spPr>
+          <a:xfrm>
+            <a:off x="381000" y="1371600"/>
+            <a:ext cx="8382000" cy="2133600"/>
+          </a:xfrm>
+        </p:spPr>
+        <p:txBody>
+          <a:bodyPr>
+            <a:normAutofit/>
+          </a:bodyPr>
+          <a:lstStyle/>
+          <a:p>
+            <a:pPr algn="ctr"/>
+            <a:r>
+              <a:rPr lang="en-US" sz="8000" dirty="0" smtClean="0">
+                <a:effectLst>
+                  <a:outerShdw blurRad="38100" dist="38100" dir="2700000" algn="tl">
+                    <a:srgbClr val="000000">
+                      <a:alpha val="43137"/>
+                    </a:srgbClr>
+                  </a:outerShdw>
+                </a:effectLst>
+              </a:rPr>
+              <a:t>T</a:t>
+            </a:r>
+            <a:r>
+              <a:rPr lang="en-US" sz="8000" dirty="0" smtClean="0">
+                <a:effectLst>
+                  <a:outerShdw blurRad="38100" dist="38100" dir="2700000" algn="tl">
+                    <a:srgbClr val="000000">
+                      <a:alpha val="43137"/>
+                    </a:srgbClr>
+                  </a:outerShdw>
+                </a:effectLst>
+              </a:rPr>
+              <a:t>hank You</a:t>
+            </a:r>
+            <a:endParaRPr lang="en-US" sz="8000" dirty="0">
+              <a:effectLst>
+                <a:outerShdw blurRad="38100" dist="38100" dir="2700000" algn="tl">
+                  <a:srgbClr val="000000">
+                    <a:alpha val="43137"/>
+                  </a:srgbClr>
+                </a:outerShdw>
+              </a:effectLst>
+            </a:endParaRPr>
+          </a:p>
+        </p:txBody>
+      </p:sp>
+    </p:spTree>
+  </p:cSld>
+  <p:clrMapOvr>
+    <a:masterClrMapping/>
+  </p:clrMapOvr>
+  <p:timing>
+    <p:tnLst>
+      <p:par>
+        <p:cTn id="1" dur="indefinite" restart="never" nodeType="tmRoot"/>
+      </p:par>
+    </p:tnLst>
+  </p:timing>
 </p:sld>
 </file>
 
 <file path=ppt/theme/theme1.xml><?xml version="1.0" encoding="utf-8"?>
+<a:theme xmlns:a="http://schemas.openxmlformats.org/drawingml/2006/main" name="Module">
+  <a:themeElements>
+    <a:clrScheme name="Module">
+      <a:dk1>
+        <a:sysClr val="windowText" lastClr="000000"/>
+      </a:dk1>
+      <a:lt1>
+        <a:sysClr val="window" lastClr="FFFFFF"/>
+      </a:lt1>
+      <a:dk2>
+        <a:srgbClr val="5A6378"/>
+      </a:dk2>
+      <a:lt2>
+        <a:srgbClr val="D4D4D6"/>
+      </a:lt2>
+      <a:accent1>
+        <a:srgbClr val="F0AD00"/>
+      </a:accent1>
+      <a:accent2>
+        <a:srgbClr val="60B5CC"/>
+      </a:accent2>
+      <a:accent3>
+        <a:srgbClr val="E66C7D"/>
+      </a:accent3>
+      <a:accent4>
+        <a:srgbClr val="6BB76D"/>
+      </a:accent4>
+      <a:accent5>
+        <a:srgbClr val="E88651"/>
+      </a:accent5>
+      <a:accent6>
+        <a:srgbClr val="C64847"/>
+      </a:accent6>
+      <a:hlink>
+        <a:srgbClr val="168BBA"/>
+      </a:hlink>
+      <a:folHlink>
+        <a:srgbClr val="680000"/>
+      </a:folHlink>
+    </a:clrScheme>
+    <a:fontScheme name="Module">
+      <a:majorFont>
+        <a:latin typeface="Corbel"/>
+        <a:ea typeface=""/>
+        <a:cs typeface=""/>
+        <a:font script="Jpan" typeface="HGｺﾞｼｯｸM"/>
+        <a:font script="Hang" typeface="HY엽서L"/>
+        <a:font script="Hans" typeface="华文楷体"/>
+        <a:font script="Hant" typeface="新細明體"/>
+        <a:font script="Arab" typeface="Tahoma"/>
+        <a:font script="Hebr" typeface="Miriam"/>
+        <a:font script="Thai" typeface="DilleniaUPC"/>
+        <a:font script="Ethi" typeface="Nyala"/>
+        <a:font script="Beng" typeface="Vrinda"/>
+        <a:font script="Gujr" typeface="Shruti"/>
+        <a:font script="Khmr" typeface="DaunPenh"/>
+        <a:font script="Knda" typeface="Tunga"/>
+        <a:font script="Guru" typeface="Raavi"/>
+        <a:font script="Cans" typeface="Euphemia"/>
+        <a:font script="Cher" typeface="Plantagenet Cherokee"/>
+        <a:font script="Yiii" typeface="Microsoft Yi Baiti"/>
+        <a:font script="Tibt" typeface="Microsoft Himalaya"/>
+        <a:font script="Thaa" typeface="MV Boli"/>
+        <a:font script="Deva" typeface="Mangal"/>
+        <a:font script="Telu" typeface="Gautami"/>
+        <a:font script="Taml" typeface="Latha"/>
+        <a:font script="Syrc" typeface="Estrangelo Edessa"/>
+        <a:font script="Orya" typeface="Kalinga"/>
+        <a:font script="Mlym" typeface="Kartika"/>
+        <a:font script="Laoo" typeface="DokChampa"/>
+        <a:font script="Sinh" typeface="Iskoola Pota"/>
+        <a:font script="Mong" typeface="Mongolian Baiti"/>
+        <a:font script="Viet" typeface="Arial"/>
+        <a:font script="Uigh" typeface="Microsoft Uighur"/>
+      </a:majorFont>
+      <a:minorFont>
+        <a:latin typeface="Corbel"/>
+        <a:ea typeface=""/>
+        <a:cs typeface=""/>
+        <a:font script="Jpan" typeface="HGｺﾞｼｯｸM"/>
+        <a:font script="Hang" typeface="HY엽서L"/>
+        <a:font script="Hans" typeface="华文楷体"/>
+        <a:font script="Hant" typeface="新細明體"/>
+        <a:font script="Arab" typeface="Tahoma"/>
+        <a:font script="Hebr" typeface="Miriam"/>
+        <a:font script="Thai" typeface="DilleniaUPC"/>
+        <a:font script="Ethi" typeface="Nyala"/>
+        <a:font script="Beng" typeface="Vrinda"/>
+        <a:font script="Gujr" typeface="Shruti"/>
+        <a:font script="Khmr" typeface="DaunPenh"/>
+        <a:font script="Knda" typeface="Tunga"/>
+        <a:font script="Guru" typeface="Raavi"/>
+        <a:font script="Cans" typeface="Euphemia"/>
+        <a:font script="Cher" typeface="Plantagenet Cherokee"/>
+        <a:font script="Yiii" typeface="Microsoft Yi Baiti"/>
+        <a:font script="Tibt" typeface="Microsoft Himalaya"/>
+        <a:font script="Thaa" typeface="MV Boli"/>
+        <a:font script="Deva" typeface="Mangal"/>
+        <a:font script="Telu" typeface="Gautami"/>
+        <a:font script="Taml" typeface="Latha"/>
+        <a:font script="Syrc" typeface="Estrangelo Edessa"/>
+        <a:font script="Orya" typeface="Kalinga"/>
+        <a:font script="Mlym" typeface="Kartika"/>
+        <a:font script="Laoo" typeface="DokChampa"/>
+        <a:font script="Sinh" typeface="Iskoola Pota"/>
+        <a:font script="Mong" typeface="Mongolian Baiti"/>
+        <a:font script="Viet" typeface="Arial"/>
+        <a:font script="Uigh" typeface="Microsoft Uighur"/>
+      </a:minorFont>
+    </a:fontScheme>
+    <a:fmtScheme name="Module">
+      <a:fillStyleLst>
+        <a:solidFill>
+          <a:schemeClr val="phClr"/>
+        </a:solidFill>
+        <a:gradFill rotWithShape="1">
+          <a:gsLst>
+            <a:gs pos="0">
+              <a:schemeClr val="phClr">
+                <a:tint val="50000"/>
+                <a:satMod val="300000"/>
+              </a:schemeClr>
+            </a:gs>
+            <a:gs pos="35000">
+              <a:schemeClr val="phClr">
+                <a:tint val="37000"/>
+                <a:satMod val="300000"/>
+              </a:schemeClr>
+            </a:gs>
+            <a:gs pos="100000">
+              <a:schemeClr val="phClr">
+                <a:tint val="15000"/>
+                <a:satMod val="350000"/>
+              </a:schemeClr>
+            </a:gs>
+          </a:gsLst>
+          <a:lin ang="16200000" scaled="1"/>
+        </a:gradFill>
+        <a:gradFill rotWithShape="1">
+          <a:gsLst>
+            <a:gs pos="0">
+              <a:schemeClr val="phClr">
+                <a:shade val="47500"/>
+                <a:satMod val="137000"/>
+              </a:schemeClr>
+            </a:gs>
+            <a:gs pos="55000">
+              <a:schemeClr val="phClr">
+                <a:shade val="69000"/>
+                <a:satMod val="137000"/>
+              </a:schemeClr>
+            </a:gs>
+            <a:gs pos="100000">
+              <a:schemeClr val="phClr">
+                <a:shade val="98000"/>
+                <a:satMod val="137000"/>
+              </a:schemeClr>
+            </a:gs>
+          </a:gsLst>
+          <a:lin ang="16200000" scaled="0"/>
+        </a:gradFill>
+      </a:fillStyleLst>
+      <a:lnStyleLst>
+        <a:ln w="6350" cap="rnd" cmpd="sng" algn="ctr">
+          <a:solidFill>
+            <a:schemeClr val="phClr">
+              <a:shade val="95000"/>
+              <a:satMod val="105000"/>
+            </a:schemeClr>
+          </a:solidFill>
+          <a:prstDash val="solid"/>
+        </a:ln>
+        <a:ln w="48000" cap="flat" cmpd="thickThin" algn="ctr">
+          <a:solidFill>
+            <a:schemeClr val="phClr"/>
+          </a:solidFill>
+          <a:prstDash val="solid"/>
+        </a:ln>
+        <a:ln w="48500" cap="flat" cmpd="thickThin" algn="ctr">
+          <a:solidFill>
+            <a:schemeClr val="phClr"/>
+          </a:solidFill>
+          <a:prstDash val="solid"/>
+        </a:ln>
+      </a:lnStyleLst>
+      <a:effectStyleLst>
+        <a:effectStyle>
+          <a:effectLst>
+            <a:outerShdw blurRad="45000" dist="25000" dir="5400000" rotWithShape="0">
+              <a:srgbClr val="000000">
+                <a:alpha val="38000"/>
+              </a:srgbClr>
+            </a:outerShdw>
+          </a:effectLst>
+        </a:effectStyle>
+        <a:effectStyle>
+          <a:effectLst>
+            <a:outerShdw blurRad="39000" dist="25400" dir="5400000" rotWithShape="0">
+              <a:srgbClr val="000000">
+                <a:alpha val="38000"/>
+              </a:srgbClr>
+            </a:outerShdw>
+          </a:effectLst>
+        </a:effectStyle>
+        <a:effectStyle>
+          <a:effectLst>
+            <a:outerShdw blurRad="39000" dist="25400" dir="5400000" rotWithShape="0">
+              <a:srgbClr val="000000">
+                <a:alpha val="38000"/>
+              </a:srgbClr>
+            </a:outerShdw>
+          </a:effectLst>
+          <a:scene3d>
+            <a:camera prst="orthographicFront" fov="0">
+              <a:rot lat="0" lon="0" rev="0"/>
+            </a:camera>
+            <a:lightRig rig="threePt" dir="t">
+              <a:rot lat="0" lon="0" rev="1800000"/>
+            </a:lightRig>
+          </a:scene3d>
+          <a:sp3d prstMaterial="matte">
+            <a:bevelT h="20000"/>
+          </a:sp3d>
+        </a:effectStyle>
+      </a:effectStyleLst>
+      <a:bgFillStyleLst>
+        <a:solidFill>
+          <a:schemeClr val="phClr"/>
+        </a:solidFill>
+        <a:gradFill rotWithShape="1">
+          <a:gsLst>
+            <a:gs pos="0">
+              <a:schemeClr val="phClr">
+                <a:tint val="48000"/>
+                <a:satMod val="300000"/>
+              </a:schemeClr>
+            </a:gs>
+            <a:gs pos="12000">
+              <a:schemeClr val="phClr">
+                <a:tint val="48000"/>
+                <a:satMod val="300000"/>
+              </a:schemeClr>
+            </a:gs>
+            <a:gs pos="20000">
+              <a:schemeClr val="phClr">
+                <a:tint val="49000"/>
+                <a:satMod val="300000"/>
+              </a:schemeClr>
+            </a:gs>
+            <a:gs pos="100000">
+              <a:schemeClr val="phClr">
+                <a:shade val="30000"/>
+              </a:schemeClr>
+            </a:gs>
+          </a:gsLst>
+          <a:path path="circle">
+            <a:fillToRect l="10000" t="-25000" r="10000" b="125000"/>
+          </a:path>
+        </a:gradFill>
+        <a:blipFill>
+          <a:blip xmlns:r="http://schemas.openxmlformats.org/officeDocument/2006/relationships" r:embed="rId1">
+            <a:duotone>
+              <a:schemeClr val="phClr">
+                <a:shade val="75000"/>
+                <a:satMod val="105000"/>
+              </a:schemeClr>
+              <a:schemeClr val="phClr">
+                <a:tint val="95000"/>
+                <a:satMod val="105000"/>
+              </a:schemeClr>
+            </a:duotone>
+          </a:blip>
+          <a:tile tx="0" ty="0" sx="38000" sy="38000" flip="none" algn="tl"/>
+        </a:blipFill>
+      </a:bgFillStyleLst>
+    </a:fmtScheme>
+  </a:themeElements>
+  <a:objectDefaults/>
+  <a:extraClrSchemeLst/>
+</a:theme>
+</file>
+
+<file path=ppt/theme/theme2.xml><?xml version="1.0" encoding="utf-8"?>
 <a:theme xmlns:a="http://schemas.openxmlformats.org/drawingml/2006/main" name="Office Theme">
   <a:themeElements>
     <a:clrScheme name="Office">

--- a/BUDDHISM.pptx
+++ b/BUDDHISM.pptx
@@ -198,7 +198,8 @@
           <a:p>
             <a:fld id="{6CDB7744-52ED-44AE-9D74-5D54E17AD95D}" type="datetimeFigureOut">
               <a:rPr lang="en-US" smtClean="0"/>
-              <a:t>6/21/2022</a:t>
+              <a:pPr/>
+              <a:t>6/24/2022</a:t>
             </a:fld>
             <a:endParaRPr lang="en-US"/>
           </a:p>
@@ -359,6 +360,7 @@
           <a:p>
             <a:fld id="{9F3D6F4C-3392-4275-9525-72153906EC40}" type="slidenum">
               <a:rPr lang="en-US" smtClean="0"/>
+              <a:pPr/>
               <a:t>‹#›</a:t>
             </a:fld>
             <a:endParaRPr lang="en-US"/>
@@ -530,6 +532,7 @@
           <a:p>
             <a:fld id="{9F3D6F4C-3392-4275-9525-72153906EC40}" type="slidenum">
               <a:rPr lang="en-US" smtClean="0"/>
+              <a:pPr/>
               <a:t>2</a:t>
             </a:fld>
             <a:endParaRPr lang="en-US"/>
@@ -611,6 +614,7 @@
           <a:p>
             <a:fld id="{9F3D6F4C-3392-4275-9525-72153906EC40}" type="slidenum">
               <a:rPr lang="en-US" smtClean="0"/>
+              <a:pPr/>
               <a:t>6</a:t>
             </a:fld>
             <a:endParaRPr lang="en-US"/>
@@ -874,7 +878,7 @@
             <a:fld id="{03392DC7-3FDB-4EAE-A749-73BF4C0595FE}" type="datetimeFigureOut">
               <a:rPr lang="en-US" smtClean="0"/>
               <a:pPr/>
-              <a:t>6/21/2022</a:t>
+              <a:t>6/24/2022</a:t>
             </a:fld>
             <a:endParaRPr lang="en-US"/>
           </a:p>
@@ -1099,7 +1103,7 @@
             <a:fld id="{03392DC7-3FDB-4EAE-A749-73BF4C0595FE}" type="datetimeFigureOut">
               <a:rPr lang="en-US" smtClean="0"/>
               <a:pPr/>
-              <a:t>6/21/2022</a:t>
+              <a:t>6/24/2022</a:t>
             </a:fld>
             <a:endParaRPr lang="en-US"/>
           </a:p>
@@ -1381,7 +1385,7 @@
             <a:fld id="{03392DC7-3FDB-4EAE-A749-73BF4C0595FE}" type="datetimeFigureOut">
               <a:rPr lang="en-US" smtClean="0"/>
               <a:pPr/>
-              <a:t>6/21/2022</a:t>
+              <a:t>6/24/2022</a:t>
             </a:fld>
             <a:endParaRPr lang="en-US"/>
           </a:p>
@@ -1562,7 +1566,7 @@
             <a:fld id="{03392DC7-3FDB-4EAE-A749-73BF4C0595FE}" type="datetimeFigureOut">
               <a:rPr lang="en-US" smtClean="0"/>
               <a:pPr/>
-              <a:t>6/21/2022</a:t>
+              <a:t>6/24/2022</a:t>
             </a:fld>
             <a:endParaRPr lang="en-US"/>
           </a:p>
@@ -1922,7 +1926,7 @@
             <a:fld id="{03392DC7-3FDB-4EAE-A749-73BF4C0595FE}" type="datetimeFigureOut">
               <a:rPr lang="en-US" smtClean="0"/>
               <a:pPr/>
-              <a:t>6/21/2022</a:t>
+              <a:t>6/24/2022</a:t>
             </a:fld>
             <a:endParaRPr lang="en-US"/>
           </a:p>
@@ -2211,7 +2215,7 @@
             <a:fld id="{03392DC7-3FDB-4EAE-A749-73BF4C0595FE}" type="datetimeFigureOut">
               <a:rPr lang="en-US" smtClean="0"/>
               <a:pPr/>
-              <a:t>6/21/2022</a:t>
+              <a:t>6/24/2022</a:t>
             </a:fld>
             <a:endParaRPr lang="en-US"/>
           </a:p>
@@ -2635,7 +2639,7 @@
             <a:fld id="{03392DC7-3FDB-4EAE-A749-73BF4C0595FE}" type="datetimeFigureOut">
               <a:rPr lang="en-US" smtClean="0"/>
               <a:pPr/>
-              <a:t>6/21/2022</a:t>
+              <a:t>6/24/2022</a:t>
             </a:fld>
             <a:endParaRPr lang="en-US"/>
           </a:p>
@@ -2752,7 +2756,7 @@
             <a:fld id="{03392DC7-3FDB-4EAE-A749-73BF4C0595FE}" type="datetimeFigureOut">
               <a:rPr lang="en-US" smtClean="0"/>
               <a:pPr/>
-              <a:t>6/21/2022</a:t>
+              <a:t>6/24/2022</a:t>
             </a:fld>
             <a:endParaRPr lang="en-US"/>
           </a:p>
@@ -2844,7 +2848,7 @@
             <a:fld id="{03392DC7-3FDB-4EAE-A749-73BF4C0595FE}" type="datetimeFigureOut">
               <a:rPr lang="en-US" smtClean="0"/>
               <a:pPr/>
-              <a:t>6/21/2022</a:t>
+              <a:t>6/24/2022</a:t>
             </a:fld>
             <a:endParaRPr lang="en-US"/>
           </a:p>
@@ -3124,7 +3128,7 @@
             <a:fld id="{03392DC7-3FDB-4EAE-A749-73BF4C0595FE}" type="datetimeFigureOut">
               <a:rPr lang="en-US" smtClean="0"/>
               <a:pPr/>
-              <a:t>6/21/2022</a:t>
+              <a:t>6/24/2022</a:t>
             </a:fld>
             <a:endParaRPr lang="en-US"/>
           </a:p>
@@ -3492,7 +3496,7 @@
             <a:fld id="{03392DC7-3FDB-4EAE-A749-73BF4C0595FE}" type="datetimeFigureOut">
               <a:rPr lang="en-US" smtClean="0"/>
               <a:pPr/>
-              <a:t>6/21/2022</a:t>
+              <a:t>6/24/2022</a:t>
             </a:fld>
             <a:endParaRPr lang="en-US"/>
           </a:p>
@@ -3931,7 +3935,7 @@
             <a:fld id="{03392DC7-3FDB-4EAE-A749-73BF4C0595FE}" type="datetimeFigureOut">
               <a:rPr lang="en-US" smtClean="0"/>
               <a:pPr/>
-              <a:t>6/21/2022</a:t>
+              <a:t>6/24/2022</a:t>
             </a:fld>
             <a:endParaRPr lang="en-US"/>
           </a:p>
@@ -4350,7 +4354,7 @@
         </p:nvSpPr>
         <p:spPr>
           <a:xfrm>
-            <a:off x="685800" y="914400"/>
+            <a:off x="838200" y="838200"/>
             <a:ext cx="7772400" cy="3810000"/>
           </a:xfrm>
         </p:spPr>
@@ -4373,12 +4377,395 @@
   <p:clrMapOvr>
     <a:masterClrMapping/>
   </p:clrMapOvr>
+  <p:transition advClick="0" advTm="5000"/>
   <p:timing>
     <p:tnLst>
       <p:par>
-        <p:cTn id="1" dur="indefinite" restart="never" nodeType="tmRoot"/>
+        <p:cTn id="1" dur="indefinite" restart="never" nodeType="tmRoot">
+          <p:childTnLst>
+            <p:seq concurrent="1" nextAc="seek">
+              <p:cTn id="2" dur="indefinite" nodeType="mainSeq">
+                <p:childTnLst>
+                  <p:par>
+                    <p:cTn id="3" fill="hold">
+                      <p:stCondLst>
+                        <p:cond delay="indefinite"/>
+                      </p:stCondLst>
+                      <p:childTnLst>
+                        <p:par>
+                          <p:cTn id="4" fill="hold">
+                            <p:stCondLst>
+                              <p:cond delay="0"/>
+                            </p:stCondLst>
+                            <p:childTnLst>
+                              <p:par>
+                                <p:cTn id="5" presetID="26" presetClass="entr" presetSubtype="0" fill="hold" grpId="3" nodeType="clickEffect">
+                                  <p:stCondLst>
+                                    <p:cond delay="1000"/>
+                                  </p:stCondLst>
+                                  <p:iterate type="lt">
+                                    <p:tmPct val="0"/>
+                                  </p:iterate>
+                                  <p:childTnLst>
+                                    <p:set>
+                                      <p:cBhvr>
+                                        <p:cTn id="6" dur="1" fill="hold">
+                                          <p:stCondLst>
+                                            <p:cond delay="0"/>
+                                          </p:stCondLst>
+                                        </p:cTn>
+                                        <p:tgtEl>
+                                          <p:spTgt spid="2"/>
+                                        </p:tgtEl>
+                                        <p:attrNameLst>
+                                          <p:attrName>style.visibility</p:attrName>
+                                        </p:attrNameLst>
+                                      </p:cBhvr>
+                                      <p:to>
+                                        <p:strVal val="visible"/>
+                                      </p:to>
+                                    </p:set>
+                                    <p:animEffect transition="in" filter="wipe(down)">
+                                      <p:cBhvr>
+                                        <p:cTn id="7" dur="870">
+                                          <p:stCondLst>
+                                            <p:cond delay="0"/>
+                                          </p:stCondLst>
+                                        </p:cTn>
+                                        <p:tgtEl>
+                                          <p:spTgt spid="2"/>
+                                        </p:tgtEl>
+                                      </p:cBhvr>
+                                    </p:animEffect>
+                                    <p:anim calcmode="lin" valueType="num">
+                                      <p:cBhvr>
+                                        <p:cTn id="8" dur="2733" tmFilter="0,0; 0.14,0.36; 0.43,0.73; 0.71,0.91; 1.0,1.0">
+                                          <p:stCondLst>
+                                            <p:cond delay="0"/>
+                                          </p:stCondLst>
+                                        </p:cTn>
+                                        <p:tgtEl>
+                                          <p:spTgt spid="2"/>
+                                        </p:tgtEl>
+                                        <p:attrNameLst>
+                                          <p:attrName>ppt_x</p:attrName>
+                                        </p:attrNameLst>
+                                      </p:cBhvr>
+                                      <p:tavLst>
+                                        <p:tav tm="0">
+                                          <p:val>
+                                            <p:strVal val="#ppt_x-0.25"/>
+                                          </p:val>
+                                        </p:tav>
+                                        <p:tav tm="100000">
+                                          <p:val>
+                                            <p:strVal val="#ppt_x"/>
+                                          </p:val>
+                                        </p:tav>
+                                      </p:tavLst>
+                                    </p:anim>
+                                    <p:anim calcmode="lin" valueType="num">
+                                      <p:cBhvr>
+                                        <p:cTn id="9" dur="996" tmFilter="0.0,0.0; 0.25,0.07; 0.50,0.2; 0.75,0.467; 1.0,1.0">
+                                          <p:stCondLst>
+                                            <p:cond delay="0"/>
+                                          </p:stCondLst>
+                                        </p:cTn>
+                                        <p:tgtEl>
+                                          <p:spTgt spid="2"/>
+                                        </p:tgtEl>
+                                        <p:attrNameLst>
+                                          <p:attrName>ppt_y</p:attrName>
+                                        </p:attrNameLst>
+                                      </p:cBhvr>
+                                      <p:tavLst>
+                                        <p:tav tm="0" fmla="#ppt_y-sin(pi*$)/3">
+                                          <p:val>
+                                            <p:fltVal val="0.5"/>
+                                          </p:val>
+                                        </p:tav>
+                                        <p:tav tm="100000">
+                                          <p:val>
+                                            <p:fltVal val="1"/>
+                                          </p:val>
+                                        </p:tav>
+                                      </p:tavLst>
+                                    </p:anim>
+                                    <p:anim calcmode="lin" valueType="num">
+                                      <p:cBhvr>
+                                        <p:cTn id="10" dur="996" tmFilter="0, 0; 0.125,0.2665; 0.25,0.4; 0.375,0.465; 0.5,0.5;  0.625,0.535; 0.75,0.6; 0.875,0.7335; 1,1">
+                                          <p:stCondLst>
+                                            <p:cond delay="996"/>
+                                          </p:stCondLst>
+                                        </p:cTn>
+                                        <p:tgtEl>
+                                          <p:spTgt spid="2"/>
+                                        </p:tgtEl>
+                                        <p:attrNameLst>
+                                          <p:attrName>ppt_y</p:attrName>
+                                        </p:attrNameLst>
+                                      </p:cBhvr>
+                                      <p:tavLst>
+                                        <p:tav tm="0" fmla="#ppt_y-sin(pi*$)/9">
+                                          <p:val>
+                                            <p:fltVal val="0"/>
+                                          </p:val>
+                                        </p:tav>
+                                        <p:tav tm="100000">
+                                          <p:val>
+                                            <p:fltVal val="1"/>
+                                          </p:val>
+                                        </p:tav>
+                                      </p:tavLst>
+                                    </p:anim>
+                                    <p:anim calcmode="lin" valueType="num">
+                                      <p:cBhvr>
+                                        <p:cTn id="11" dur="498" tmFilter="0, 0; 0.125,0.2665; 0.25,0.4; 0.375,0.465; 0.5,0.5;  0.625,0.535; 0.75,0.6; 0.875,0.7335; 1,1">
+                                          <p:stCondLst>
+                                            <p:cond delay="1986"/>
+                                          </p:stCondLst>
+                                        </p:cTn>
+                                        <p:tgtEl>
+                                          <p:spTgt spid="2"/>
+                                        </p:tgtEl>
+                                        <p:attrNameLst>
+                                          <p:attrName>ppt_y</p:attrName>
+                                        </p:attrNameLst>
+                                      </p:cBhvr>
+                                      <p:tavLst>
+                                        <p:tav tm="0" fmla="#ppt_y-sin(pi*$)/27">
+                                          <p:val>
+                                            <p:fltVal val="0"/>
+                                          </p:val>
+                                        </p:tav>
+                                        <p:tav tm="100000">
+                                          <p:val>
+                                            <p:fltVal val="1"/>
+                                          </p:val>
+                                        </p:tav>
+                                      </p:tavLst>
+                                    </p:anim>
+                                    <p:anim calcmode="lin" valueType="num">
+                                      <p:cBhvr>
+                                        <p:cTn id="12" dur="246" tmFilter="0, 0; 0.125,0.2665; 0.25,0.4; 0.375,0.465; 0.5,0.5;  0.625,0.535; 0.75,0.6; 0.875,0.7335; 1,1">
+                                          <p:stCondLst>
+                                            <p:cond delay="2484"/>
+                                          </p:stCondLst>
+                                        </p:cTn>
+                                        <p:tgtEl>
+                                          <p:spTgt spid="2"/>
+                                        </p:tgtEl>
+                                        <p:attrNameLst>
+                                          <p:attrName>ppt_y</p:attrName>
+                                        </p:attrNameLst>
+                                      </p:cBhvr>
+                                      <p:tavLst>
+                                        <p:tav tm="0" fmla="#ppt_y-sin(pi*$)/81">
+                                          <p:val>
+                                            <p:fltVal val="0"/>
+                                          </p:val>
+                                        </p:tav>
+                                        <p:tav tm="100000">
+                                          <p:val>
+                                            <p:fltVal val="1"/>
+                                          </p:val>
+                                        </p:tav>
+                                      </p:tavLst>
+                                    </p:anim>
+                                    <p:animScale>
+                                      <p:cBhvr>
+                                        <p:cTn id="13" dur="39">
+                                          <p:stCondLst>
+                                            <p:cond delay="975"/>
+                                          </p:stCondLst>
+                                        </p:cTn>
+                                        <p:tgtEl>
+                                          <p:spTgt spid="2"/>
+                                        </p:tgtEl>
+                                      </p:cBhvr>
+                                      <p:to x="100000" y="60000"/>
+                                    </p:animScale>
+                                    <p:animScale>
+                                      <p:cBhvr>
+                                        <p:cTn id="14" dur="249" decel="50000">
+                                          <p:stCondLst>
+                                            <p:cond delay="1014"/>
+                                          </p:stCondLst>
+                                        </p:cTn>
+                                        <p:tgtEl>
+                                          <p:spTgt spid="2"/>
+                                        </p:tgtEl>
+                                      </p:cBhvr>
+                                      <p:to x="100000" y="100000"/>
+                                    </p:animScale>
+                                    <p:animScale>
+                                      <p:cBhvr>
+                                        <p:cTn id="15" dur="39">
+                                          <p:stCondLst>
+                                            <p:cond delay="1968"/>
+                                          </p:stCondLst>
+                                        </p:cTn>
+                                        <p:tgtEl>
+                                          <p:spTgt spid="2"/>
+                                        </p:tgtEl>
+                                      </p:cBhvr>
+                                      <p:to x="100000" y="80000"/>
+                                    </p:animScale>
+                                    <p:animScale>
+                                      <p:cBhvr>
+                                        <p:cTn id="16" dur="249" decel="50000">
+                                          <p:stCondLst>
+                                            <p:cond delay="2007"/>
+                                          </p:stCondLst>
+                                        </p:cTn>
+                                        <p:tgtEl>
+                                          <p:spTgt spid="2"/>
+                                        </p:tgtEl>
+                                      </p:cBhvr>
+                                      <p:to x="100000" y="100000"/>
+                                    </p:animScale>
+                                    <p:animScale>
+                                      <p:cBhvr>
+                                        <p:cTn id="17" dur="39">
+                                          <p:stCondLst>
+                                            <p:cond delay="2463"/>
+                                          </p:stCondLst>
+                                        </p:cTn>
+                                        <p:tgtEl>
+                                          <p:spTgt spid="2"/>
+                                        </p:tgtEl>
+                                      </p:cBhvr>
+                                      <p:to x="100000" y="90000"/>
+                                    </p:animScale>
+                                    <p:animScale>
+                                      <p:cBhvr>
+                                        <p:cTn id="18" dur="249" decel="50000">
+                                          <p:stCondLst>
+                                            <p:cond delay="2502"/>
+                                          </p:stCondLst>
+                                        </p:cTn>
+                                        <p:tgtEl>
+                                          <p:spTgt spid="2"/>
+                                        </p:tgtEl>
+                                      </p:cBhvr>
+                                      <p:to x="100000" y="100000"/>
+                                    </p:animScale>
+                                    <p:animScale>
+                                      <p:cBhvr>
+                                        <p:cTn id="19" dur="39">
+                                          <p:stCondLst>
+                                            <p:cond delay="2712"/>
+                                          </p:stCondLst>
+                                        </p:cTn>
+                                        <p:tgtEl>
+                                          <p:spTgt spid="2"/>
+                                        </p:tgtEl>
+                                      </p:cBhvr>
+                                      <p:to x="100000" y="95000"/>
+                                    </p:animScale>
+                                    <p:animScale>
+                                      <p:cBhvr>
+                                        <p:cTn id="20" dur="249" decel="50000">
+                                          <p:stCondLst>
+                                            <p:cond delay="2751"/>
+                                          </p:stCondLst>
+                                        </p:cTn>
+                                        <p:tgtEl>
+                                          <p:spTgt spid="2"/>
+                                        </p:tgtEl>
+                                      </p:cBhvr>
+                                      <p:to x="100000" y="100000"/>
+                                    </p:animScale>
+                                  </p:childTnLst>
+                                </p:cTn>
+                              </p:par>
+                            </p:childTnLst>
+                          </p:cTn>
+                        </p:par>
+                      </p:childTnLst>
+                    </p:cTn>
+                  </p:par>
+                  <p:par>
+                    <p:cTn id="21" fill="hold">
+                      <p:stCondLst>
+                        <p:cond delay="indefinite"/>
+                      </p:stCondLst>
+                      <p:childTnLst>
+                        <p:par>
+                          <p:cTn id="22" fill="hold">
+                            <p:stCondLst>
+                              <p:cond delay="0"/>
+                            </p:stCondLst>
+                            <p:childTnLst>
+                              <p:par>
+                                <p:cTn id="23" presetID="20" presetClass="exit" presetSubtype="0" fill="hold" grpId="5" nodeType="clickEffect">
+                                  <p:stCondLst>
+                                    <p:cond delay="0"/>
+                                  </p:stCondLst>
+                                  <p:iterate type="lt">
+                                    <p:tmPct val="0"/>
+                                  </p:iterate>
+                                  <p:childTnLst>
+                                    <p:animEffect transition="out" filter="wedge">
+                                      <p:cBhvr>
+                                        <p:cTn id="24" dur="3000"/>
+                                        <p:tgtEl>
+                                          <p:spTgt spid="2"/>
+                                        </p:tgtEl>
+                                      </p:cBhvr>
+                                    </p:animEffect>
+                                    <p:set>
+                                      <p:cBhvr>
+                                        <p:cTn id="25" dur="1" fill="hold">
+                                          <p:stCondLst>
+                                            <p:cond delay="2999"/>
+                                          </p:stCondLst>
+                                        </p:cTn>
+                                        <p:tgtEl>
+                                          <p:spTgt spid="2"/>
+                                        </p:tgtEl>
+                                        <p:attrNameLst>
+                                          <p:attrName>style.visibility</p:attrName>
+                                        </p:attrNameLst>
+                                      </p:cBhvr>
+                                      <p:to>
+                                        <p:strVal val="hidden"/>
+                                      </p:to>
+                                    </p:set>
+                                  </p:childTnLst>
+                                </p:cTn>
+                              </p:par>
+                            </p:childTnLst>
+                          </p:cTn>
+                        </p:par>
+                      </p:childTnLst>
+                    </p:cTn>
+                  </p:par>
+                </p:childTnLst>
+              </p:cTn>
+              <p:prevCondLst>
+                <p:cond evt="onPrev" delay="0">
+                  <p:tgtEl>
+                    <p:sldTgt/>
+                  </p:tgtEl>
+                </p:cond>
+              </p:prevCondLst>
+              <p:nextCondLst>
+                <p:cond evt="onNext" delay="0">
+                  <p:tgtEl>
+                    <p:sldTgt/>
+                  </p:tgtEl>
+                </p:cond>
+              </p:nextCondLst>
+            </p:seq>
+          </p:childTnLst>
+        </p:cTn>
       </p:par>
     </p:tnLst>
+    <p:bldLst>
+      <p:bldP spid="2" grpId="3"/>
+      <p:bldP spid="2" grpId="5"/>
+    </p:bldLst>
   </p:timing>
 </p:sld>
 </file>
@@ -4410,7 +4797,12 @@
             <p:ph type="title"/>
           </p:nvPr>
         </p:nvSpPr>
-        <p:spPr/>
+        <p:spPr>
+          <a:xfrm>
+            <a:off x="381000" y="152400"/>
+            <a:ext cx="8229600" cy="1252728"/>
+          </a:xfrm>
+        </p:spPr>
         <p:txBody>
           <a:bodyPr/>
           <a:lstStyle/>
@@ -4476,12 +4868,339 @@
   <p:clrMapOvr>
     <a:masterClrMapping/>
   </p:clrMapOvr>
+  <p:transition advClick="0" advTm="2000">
+    <p:wipe dir="u"/>
+  </p:transition>
   <p:timing>
     <p:tnLst>
       <p:par>
-        <p:cTn id="1" dur="indefinite" restart="never" nodeType="tmRoot"/>
+        <p:cTn id="1" dur="indefinite" restart="never" nodeType="tmRoot">
+          <p:childTnLst>
+            <p:seq concurrent="1" nextAc="seek">
+              <p:cTn id="2" dur="indefinite" nodeType="mainSeq">
+                <p:childTnLst>
+                  <p:par>
+                    <p:cTn id="3" fill="hold">
+                      <p:stCondLst>
+                        <p:cond delay="indefinite"/>
+                      </p:stCondLst>
+                      <p:childTnLst>
+                        <p:par>
+                          <p:cTn id="4" fill="hold">
+                            <p:stCondLst>
+                              <p:cond delay="0"/>
+                            </p:stCondLst>
+                            <p:childTnLst>
+                              <p:par>
+                                <p:cTn id="5" presetID="8" presetClass="entr" presetSubtype="16" fill="hold" grpId="1" nodeType="clickEffect">
+                                  <p:stCondLst>
+                                    <p:cond delay="0"/>
+                                  </p:stCondLst>
+                                  <p:childTnLst>
+                                    <p:set>
+                                      <p:cBhvr>
+                                        <p:cTn id="6" dur="1" fill="hold">
+                                          <p:stCondLst>
+                                            <p:cond delay="0"/>
+                                          </p:stCondLst>
+                                        </p:cTn>
+                                        <p:tgtEl>
+                                          <p:spTgt spid="2"/>
+                                        </p:tgtEl>
+                                        <p:attrNameLst>
+                                          <p:attrName>style.visibility</p:attrName>
+                                        </p:attrNameLst>
+                                      </p:cBhvr>
+                                      <p:to>
+                                        <p:strVal val="visible"/>
+                                      </p:to>
+                                    </p:set>
+                                    <p:animEffect transition="in" filter="diamond(in)">
+                                      <p:cBhvr>
+                                        <p:cTn id="7" dur="2000"/>
+                                        <p:tgtEl>
+                                          <p:spTgt spid="2"/>
+                                        </p:tgtEl>
+                                      </p:cBhvr>
+                                    </p:animEffect>
+                                  </p:childTnLst>
+                                </p:cTn>
+                              </p:par>
+                            </p:childTnLst>
+                          </p:cTn>
+                        </p:par>
+                      </p:childTnLst>
+                    </p:cTn>
+                  </p:par>
+                  <p:par>
+                    <p:cTn id="8" fill="hold">
+                      <p:stCondLst>
+                        <p:cond delay="indefinite"/>
+                      </p:stCondLst>
+                      <p:childTnLst>
+                        <p:par>
+                          <p:cTn id="9" fill="hold">
+                            <p:stCondLst>
+                              <p:cond delay="0"/>
+                            </p:stCondLst>
+                            <p:childTnLst>
+                              <p:par>
+                                <p:cTn id="10" presetID="12" presetClass="entr" presetSubtype="4" fill="hold" grpId="0" nodeType="clickEffect">
+                                  <p:stCondLst>
+                                    <p:cond delay="0"/>
+                                  </p:stCondLst>
+                                  <p:childTnLst>
+                                    <p:set>
+                                      <p:cBhvr>
+                                        <p:cTn id="11" dur="1" fill="hold">
+                                          <p:stCondLst>
+                                            <p:cond delay="0"/>
+                                          </p:stCondLst>
+                                        </p:cTn>
+                                        <p:tgtEl>
+                                          <p:spTgt spid="3">
+                                            <p:txEl>
+                                              <p:pRg st="0" end="0"/>
+                                            </p:txEl>
+                                          </p:spTgt>
+                                        </p:tgtEl>
+                                        <p:attrNameLst>
+                                          <p:attrName>style.visibility</p:attrName>
+                                        </p:attrNameLst>
+                                      </p:cBhvr>
+                                      <p:to>
+                                        <p:strVal val="visible"/>
+                                      </p:to>
+                                    </p:set>
+                                    <p:animEffect transition="in" filter="slide(fromBottom)">
+                                      <p:cBhvr>
+                                        <p:cTn id="12" dur="500"/>
+                                        <p:tgtEl>
+                                          <p:spTgt spid="3">
+                                            <p:txEl>
+                                              <p:pRg st="0" end="0"/>
+                                            </p:txEl>
+                                          </p:spTgt>
+                                        </p:tgtEl>
+                                      </p:cBhvr>
+                                    </p:animEffect>
+                                  </p:childTnLst>
+                                </p:cTn>
+                              </p:par>
+                            </p:childTnLst>
+                          </p:cTn>
+                        </p:par>
+                      </p:childTnLst>
+                    </p:cTn>
+                  </p:par>
+                  <p:par>
+                    <p:cTn id="13" fill="hold">
+                      <p:stCondLst>
+                        <p:cond delay="indefinite"/>
+                      </p:stCondLst>
+                      <p:childTnLst>
+                        <p:par>
+                          <p:cTn id="14" fill="hold">
+                            <p:stCondLst>
+                              <p:cond delay="0"/>
+                            </p:stCondLst>
+                            <p:childTnLst>
+                              <p:par>
+                                <p:cTn id="15" presetID="12" presetClass="entr" presetSubtype="4" fill="hold" grpId="0" nodeType="clickEffect">
+                                  <p:stCondLst>
+                                    <p:cond delay="0"/>
+                                  </p:stCondLst>
+                                  <p:childTnLst>
+                                    <p:set>
+                                      <p:cBhvr>
+                                        <p:cTn id="16" dur="1" fill="hold">
+                                          <p:stCondLst>
+                                            <p:cond delay="0"/>
+                                          </p:stCondLst>
+                                        </p:cTn>
+                                        <p:tgtEl>
+                                          <p:spTgt spid="3">
+                                            <p:txEl>
+                                              <p:pRg st="1" end="1"/>
+                                            </p:txEl>
+                                          </p:spTgt>
+                                        </p:tgtEl>
+                                        <p:attrNameLst>
+                                          <p:attrName>style.visibility</p:attrName>
+                                        </p:attrNameLst>
+                                      </p:cBhvr>
+                                      <p:to>
+                                        <p:strVal val="visible"/>
+                                      </p:to>
+                                    </p:set>
+                                    <p:animEffect transition="in" filter="slide(fromBottom)">
+                                      <p:cBhvr>
+                                        <p:cTn id="17" dur="500"/>
+                                        <p:tgtEl>
+                                          <p:spTgt spid="3">
+                                            <p:txEl>
+                                              <p:pRg st="1" end="1"/>
+                                            </p:txEl>
+                                          </p:spTgt>
+                                        </p:tgtEl>
+                                      </p:cBhvr>
+                                    </p:animEffect>
+                                  </p:childTnLst>
+                                </p:cTn>
+                              </p:par>
+                            </p:childTnLst>
+                          </p:cTn>
+                        </p:par>
+                      </p:childTnLst>
+                    </p:cTn>
+                  </p:par>
+                  <p:par>
+                    <p:cTn id="18" fill="hold">
+                      <p:stCondLst>
+                        <p:cond delay="indefinite"/>
+                      </p:stCondLst>
+                      <p:childTnLst>
+                        <p:par>
+                          <p:cTn id="19" fill="hold">
+                            <p:stCondLst>
+                              <p:cond delay="0"/>
+                            </p:stCondLst>
+                            <p:childTnLst>
+                              <p:par>
+                                <p:cTn id="20" presetID="12" presetClass="entr" presetSubtype="4" fill="hold" grpId="0" nodeType="clickEffect">
+                                  <p:stCondLst>
+                                    <p:cond delay="0"/>
+                                  </p:stCondLst>
+                                  <p:childTnLst>
+                                    <p:set>
+                                      <p:cBhvr>
+                                        <p:cTn id="21" dur="1" fill="hold">
+                                          <p:stCondLst>
+                                            <p:cond delay="0"/>
+                                          </p:stCondLst>
+                                        </p:cTn>
+                                        <p:tgtEl>
+                                          <p:spTgt spid="3">
+                                            <p:txEl>
+                                              <p:pRg st="2" end="2"/>
+                                            </p:txEl>
+                                          </p:spTgt>
+                                        </p:tgtEl>
+                                        <p:attrNameLst>
+                                          <p:attrName>style.visibility</p:attrName>
+                                        </p:attrNameLst>
+                                      </p:cBhvr>
+                                      <p:to>
+                                        <p:strVal val="visible"/>
+                                      </p:to>
+                                    </p:set>
+                                    <p:animEffect transition="in" filter="slide(fromBottom)">
+                                      <p:cBhvr>
+                                        <p:cTn id="22" dur="500"/>
+                                        <p:tgtEl>
+                                          <p:spTgt spid="3">
+                                            <p:txEl>
+                                              <p:pRg st="2" end="2"/>
+                                            </p:txEl>
+                                          </p:spTgt>
+                                        </p:tgtEl>
+                                      </p:cBhvr>
+                                    </p:animEffect>
+                                  </p:childTnLst>
+                                </p:cTn>
+                              </p:par>
+                            </p:childTnLst>
+                          </p:cTn>
+                        </p:par>
+                      </p:childTnLst>
+                    </p:cTn>
+                  </p:par>
+                  <p:par>
+                    <p:cTn id="23" fill="hold">
+                      <p:stCondLst>
+                        <p:cond delay="indefinite"/>
+                      </p:stCondLst>
+                      <p:childTnLst>
+                        <p:par>
+                          <p:cTn id="24" fill="hold">
+                            <p:stCondLst>
+                              <p:cond delay="0"/>
+                            </p:stCondLst>
+                            <p:childTnLst>
+                              <p:par>
+                                <p:cTn id="25" presetID="12" presetClass="entr" presetSubtype="4" fill="hold" grpId="0" nodeType="clickEffect">
+                                  <p:stCondLst>
+                                    <p:cond delay="0"/>
+                                  </p:stCondLst>
+                                  <p:childTnLst>
+                                    <p:set>
+                                      <p:cBhvr>
+                                        <p:cTn id="26" dur="1" fill="hold">
+                                          <p:stCondLst>
+                                            <p:cond delay="0"/>
+                                          </p:stCondLst>
+                                        </p:cTn>
+                                        <p:tgtEl>
+                                          <p:spTgt spid="3">
+                                            <p:txEl>
+                                              <p:pRg st="3" end="3"/>
+                                            </p:txEl>
+                                          </p:spTgt>
+                                        </p:tgtEl>
+                                        <p:attrNameLst>
+                                          <p:attrName>style.visibility</p:attrName>
+                                        </p:attrNameLst>
+                                      </p:cBhvr>
+                                      <p:to>
+                                        <p:strVal val="visible"/>
+                                      </p:to>
+                                    </p:set>
+                                    <p:animEffect transition="in" filter="slide(fromBottom)">
+                                      <p:cBhvr>
+                                        <p:cTn id="27" dur="500"/>
+                                        <p:tgtEl>
+                                          <p:spTgt spid="3">
+                                            <p:txEl>
+                                              <p:pRg st="3" end="3"/>
+                                            </p:txEl>
+                                          </p:spTgt>
+                                        </p:tgtEl>
+                                      </p:cBhvr>
+                                    </p:animEffect>
+                                  </p:childTnLst>
+                                </p:cTn>
+                              </p:par>
+                            </p:childTnLst>
+                          </p:cTn>
+                        </p:par>
+                      </p:childTnLst>
+                    </p:cTn>
+                  </p:par>
+                </p:childTnLst>
+              </p:cTn>
+              <p:prevCondLst>
+                <p:cond evt="onPrev" delay="0">
+                  <p:tgtEl>
+                    <p:sldTgt/>
+                  </p:tgtEl>
+                </p:cond>
+              </p:prevCondLst>
+              <p:nextCondLst>
+                <p:cond evt="onNext" delay="0">
+                  <p:tgtEl>
+                    <p:sldTgt/>
+                  </p:tgtEl>
+                </p:cond>
+              </p:nextCondLst>
+            </p:seq>
+          </p:childTnLst>
+        </p:cTn>
       </p:par>
     </p:tnLst>
+    <p:bldLst>
+      <p:bldP spid="2" grpId="1"/>
+      <p:bldP spid="3" grpId="0" build="p"/>
+    </p:bldLst>
   </p:timing>
 </p:sld>
 </file>
@@ -4543,13 +5262,13 @@
         </p:nvSpPr>
         <p:spPr>
           <a:xfrm>
-            <a:off x="457200" y="990600"/>
-            <a:ext cx="8229600" cy="5486400"/>
+            <a:off x="457200" y="1447800"/>
+            <a:ext cx="8229600" cy="5029200"/>
           </a:xfrm>
         </p:spPr>
         <p:txBody>
           <a:bodyPr>
-            <a:normAutofit/>
+            <a:normAutofit lnSpcReduction="10000"/>
           </a:bodyPr>
           <a:lstStyle/>
           <a:p>
@@ -4588,12 +5307,521 @@
   <p:clrMapOvr>
     <a:masterClrMapping/>
   </p:clrMapOvr>
+  <p:transition advClick="0" advTm="2000">
+    <p:wipe dir="u"/>
+  </p:transition>
   <p:timing>
     <p:tnLst>
       <p:par>
-        <p:cTn id="1" dur="indefinite" restart="never" nodeType="tmRoot"/>
+        <p:cTn id="1" dur="indefinite" restart="never" nodeType="tmRoot">
+          <p:childTnLst>
+            <p:seq concurrent="1" nextAc="seek">
+              <p:cTn id="2" dur="indefinite" nodeType="mainSeq">
+                <p:childTnLst>
+                  <p:par>
+                    <p:cTn id="3" fill="hold">
+                      <p:stCondLst>
+                        <p:cond delay="indefinite"/>
+                      </p:stCondLst>
+                      <p:childTnLst>
+                        <p:par>
+                          <p:cTn id="4" fill="hold">
+                            <p:stCondLst>
+                              <p:cond delay="0"/>
+                            </p:stCondLst>
+                            <p:childTnLst>
+                              <p:par>
+                                <p:cTn id="5" presetID="14" presetClass="entr" presetSubtype="10" fill="hold" grpId="0" nodeType="clickEffect">
+                                  <p:stCondLst>
+                                    <p:cond delay="0"/>
+                                  </p:stCondLst>
+                                  <p:childTnLst>
+                                    <p:set>
+                                      <p:cBhvr>
+                                        <p:cTn id="6" dur="1" fill="hold">
+                                          <p:stCondLst>
+                                            <p:cond delay="0"/>
+                                          </p:stCondLst>
+                                        </p:cTn>
+                                        <p:tgtEl>
+                                          <p:spTgt spid="2"/>
+                                        </p:tgtEl>
+                                        <p:attrNameLst>
+                                          <p:attrName>style.visibility</p:attrName>
+                                        </p:attrNameLst>
+                                      </p:cBhvr>
+                                      <p:to>
+                                        <p:strVal val="visible"/>
+                                      </p:to>
+                                    </p:set>
+                                    <p:animEffect transition="in" filter="randombar(horizontal)">
+                                      <p:cBhvr>
+                                        <p:cTn id="7" dur="500"/>
+                                        <p:tgtEl>
+                                          <p:spTgt spid="2"/>
+                                        </p:tgtEl>
+                                      </p:cBhvr>
+                                    </p:animEffect>
+                                  </p:childTnLst>
+                                </p:cTn>
+                              </p:par>
+                            </p:childTnLst>
+                          </p:cTn>
+                        </p:par>
+                      </p:childTnLst>
+                    </p:cTn>
+                  </p:par>
+                  <p:par>
+                    <p:cTn id="8" fill="hold">
+                      <p:stCondLst>
+                        <p:cond delay="indefinite"/>
+                      </p:stCondLst>
+                      <p:childTnLst>
+                        <p:par>
+                          <p:cTn id="9" fill="hold">
+                            <p:stCondLst>
+                              <p:cond delay="0"/>
+                            </p:stCondLst>
+                            <p:childTnLst>
+                              <p:par>
+                                <p:cTn id="10" presetID="49" presetClass="entr" presetSubtype="0" decel="100000" fill="hold" grpId="0" nodeType="clickEffect">
+                                  <p:stCondLst>
+                                    <p:cond delay="0"/>
+                                  </p:stCondLst>
+                                  <p:childTnLst>
+                                    <p:set>
+                                      <p:cBhvr>
+                                        <p:cTn id="11" dur="1" fill="hold">
+                                          <p:stCondLst>
+                                            <p:cond delay="0"/>
+                                          </p:stCondLst>
+                                        </p:cTn>
+                                        <p:tgtEl>
+                                          <p:spTgt spid="3">
+                                            <p:txEl>
+                                              <p:pRg st="0" end="0"/>
+                                            </p:txEl>
+                                          </p:spTgt>
+                                        </p:tgtEl>
+                                        <p:attrNameLst>
+                                          <p:attrName>style.visibility</p:attrName>
+                                        </p:attrNameLst>
+                                      </p:cBhvr>
+                                      <p:to>
+                                        <p:strVal val="visible"/>
+                                      </p:to>
+                                    </p:set>
+                                    <p:anim calcmode="lin" valueType="num">
+                                      <p:cBhvr>
+                                        <p:cTn id="12" dur="500" fill="hold"/>
+                                        <p:tgtEl>
+                                          <p:spTgt spid="3">
+                                            <p:txEl>
+                                              <p:pRg st="0" end="0"/>
+                                            </p:txEl>
+                                          </p:spTgt>
+                                        </p:tgtEl>
+                                        <p:attrNameLst>
+                                          <p:attrName>ppt_w</p:attrName>
+                                        </p:attrNameLst>
+                                      </p:cBhvr>
+                                      <p:tavLst>
+                                        <p:tav tm="0">
+                                          <p:val>
+                                            <p:fltVal val="0"/>
+                                          </p:val>
+                                        </p:tav>
+                                        <p:tav tm="100000">
+                                          <p:val>
+                                            <p:strVal val="#ppt_w"/>
+                                          </p:val>
+                                        </p:tav>
+                                      </p:tavLst>
+                                    </p:anim>
+                                    <p:anim calcmode="lin" valueType="num">
+                                      <p:cBhvr>
+                                        <p:cTn id="13" dur="500" fill="hold"/>
+                                        <p:tgtEl>
+                                          <p:spTgt spid="3">
+                                            <p:txEl>
+                                              <p:pRg st="0" end="0"/>
+                                            </p:txEl>
+                                          </p:spTgt>
+                                        </p:tgtEl>
+                                        <p:attrNameLst>
+                                          <p:attrName>ppt_h</p:attrName>
+                                        </p:attrNameLst>
+                                      </p:cBhvr>
+                                      <p:tavLst>
+                                        <p:tav tm="0">
+                                          <p:val>
+                                            <p:fltVal val="0"/>
+                                          </p:val>
+                                        </p:tav>
+                                        <p:tav tm="100000">
+                                          <p:val>
+                                            <p:strVal val="#ppt_h"/>
+                                          </p:val>
+                                        </p:tav>
+                                      </p:tavLst>
+                                    </p:anim>
+                                    <p:anim calcmode="lin" valueType="num">
+                                      <p:cBhvr>
+                                        <p:cTn id="14" dur="500" fill="hold"/>
+                                        <p:tgtEl>
+                                          <p:spTgt spid="3">
+                                            <p:txEl>
+                                              <p:pRg st="0" end="0"/>
+                                            </p:txEl>
+                                          </p:spTgt>
+                                        </p:tgtEl>
+                                        <p:attrNameLst>
+                                          <p:attrName>style.rotation</p:attrName>
+                                        </p:attrNameLst>
+                                      </p:cBhvr>
+                                      <p:tavLst>
+                                        <p:tav tm="0">
+                                          <p:val>
+                                            <p:fltVal val="360"/>
+                                          </p:val>
+                                        </p:tav>
+                                        <p:tav tm="100000">
+                                          <p:val>
+                                            <p:fltVal val="0"/>
+                                          </p:val>
+                                        </p:tav>
+                                      </p:tavLst>
+                                    </p:anim>
+                                    <p:animEffect transition="in" filter="fade">
+                                      <p:cBhvr>
+                                        <p:cTn id="15" dur="500"/>
+                                        <p:tgtEl>
+                                          <p:spTgt spid="3">
+                                            <p:txEl>
+                                              <p:pRg st="0" end="0"/>
+                                            </p:txEl>
+                                          </p:spTgt>
+                                        </p:tgtEl>
+                                      </p:cBhvr>
+                                    </p:animEffect>
+                                  </p:childTnLst>
+                                </p:cTn>
+                              </p:par>
+                            </p:childTnLst>
+                          </p:cTn>
+                        </p:par>
+                      </p:childTnLst>
+                    </p:cTn>
+                  </p:par>
+                  <p:par>
+                    <p:cTn id="16" fill="hold">
+                      <p:stCondLst>
+                        <p:cond delay="indefinite"/>
+                      </p:stCondLst>
+                      <p:childTnLst>
+                        <p:par>
+                          <p:cTn id="17" fill="hold">
+                            <p:stCondLst>
+                              <p:cond delay="0"/>
+                            </p:stCondLst>
+                            <p:childTnLst>
+                              <p:par>
+                                <p:cTn id="18" presetID="49" presetClass="entr" presetSubtype="0" decel="100000" fill="hold" grpId="0" nodeType="clickEffect">
+                                  <p:stCondLst>
+                                    <p:cond delay="0"/>
+                                  </p:stCondLst>
+                                  <p:childTnLst>
+                                    <p:set>
+                                      <p:cBhvr>
+                                        <p:cTn id="19" dur="1" fill="hold">
+                                          <p:stCondLst>
+                                            <p:cond delay="0"/>
+                                          </p:stCondLst>
+                                        </p:cTn>
+                                        <p:tgtEl>
+                                          <p:spTgt spid="3">
+                                            <p:txEl>
+                                              <p:pRg st="1" end="1"/>
+                                            </p:txEl>
+                                          </p:spTgt>
+                                        </p:tgtEl>
+                                        <p:attrNameLst>
+                                          <p:attrName>style.visibility</p:attrName>
+                                        </p:attrNameLst>
+                                      </p:cBhvr>
+                                      <p:to>
+                                        <p:strVal val="visible"/>
+                                      </p:to>
+                                    </p:set>
+                                    <p:anim calcmode="lin" valueType="num">
+                                      <p:cBhvr>
+                                        <p:cTn id="20" dur="500" fill="hold"/>
+                                        <p:tgtEl>
+                                          <p:spTgt spid="3">
+                                            <p:txEl>
+                                              <p:pRg st="1" end="1"/>
+                                            </p:txEl>
+                                          </p:spTgt>
+                                        </p:tgtEl>
+                                        <p:attrNameLst>
+                                          <p:attrName>ppt_w</p:attrName>
+                                        </p:attrNameLst>
+                                      </p:cBhvr>
+                                      <p:tavLst>
+                                        <p:tav tm="0">
+                                          <p:val>
+                                            <p:fltVal val="0"/>
+                                          </p:val>
+                                        </p:tav>
+                                        <p:tav tm="100000">
+                                          <p:val>
+                                            <p:strVal val="#ppt_w"/>
+                                          </p:val>
+                                        </p:tav>
+                                      </p:tavLst>
+                                    </p:anim>
+                                    <p:anim calcmode="lin" valueType="num">
+                                      <p:cBhvr>
+                                        <p:cTn id="21" dur="500" fill="hold"/>
+                                        <p:tgtEl>
+                                          <p:spTgt spid="3">
+                                            <p:txEl>
+                                              <p:pRg st="1" end="1"/>
+                                            </p:txEl>
+                                          </p:spTgt>
+                                        </p:tgtEl>
+                                        <p:attrNameLst>
+                                          <p:attrName>ppt_h</p:attrName>
+                                        </p:attrNameLst>
+                                      </p:cBhvr>
+                                      <p:tavLst>
+                                        <p:tav tm="0">
+                                          <p:val>
+                                            <p:fltVal val="0"/>
+                                          </p:val>
+                                        </p:tav>
+                                        <p:tav tm="100000">
+                                          <p:val>
+                                            <p:strVal val="#ppt_h"/>
+                                          </p:val>
+                                        </p:tav>
+                                      </p:tavLst>
+                                    </p:anim>
+                                    <p:anim calcmode="lin" valueType="num">
+                                      <p:cBhvr>
+                                        <p:cTn id="22" dur="500" fill="hold"/>
+                                        <p:tgtEl>
+                                          <p:spTgt spid="3">
+                                            <p:txEl>
+                                              <p:pRg st="1" end="1"/>
+                                            </p:txEl>
+                                          </p:spTgt>
+                                        </p:tgtEl>
+                                        <p:attrNameLst>
+                                          <p:attrName>style.rotation</p:attrName>
+                                        </p:attrNameLst>
+                                      </p:cBhvr>
+                                      <p:tavLst>
+                                        <p:tav tm="0">
+                                          <p:val>
+                                            <p:fltVal val="360"/>
+                                          </p:val>
+                                        </p:tav>
+                                        <p:tav tm="100000">
+                                          <p:val>
+                                            <p:fltVal val="0"/>
+                                          </p:val>
+                                        </p:tav>
+                                      </p:tavLst>
+                                    </p:anim>
+                                    <p:animEffect transition="in" filter="fade">
+                                      <p:cBhvr>
+                                        <p:cTn id="23" dur="500"/>
+                                        <p:tgtEl>
+                                          <p:spTgt spid="3">
+                                            <p:txEl>
+                                              <p:pRg st="1" end="1"/>
+                                            </p:txEl>
+                                          </p:spTgt>
+                                        </p:tgtEl>
+                                      </p:cBhvr>
+                                    </p:animEffect>
+                                  </p:childTnLst>
+                                </p:cTn>
+                              </p:par>
+                            </p:childTnLst>
+                          </p:cTn>
+                        </p:par>
+                      </p:childTnLst>
+                    </p:cTn>
+                  </p:par>
+                  <p:par>
+                    <p:cTn id="24" fill="hold">
+                      <p:stCondLst>
+                        <p:cond delay="indefinite"/>
+                      </p:stCondLst>
+                      <p:childTnLst>
+                        <p:par>
+                          <p:cTn id="25" fill="hold">
+                            <p:stCondLst>
+                              <p:cond delay="0"/>
+                            </p:stCondLst>
+                            <p:childTnLst>
+                              <p:par>
+                                <p:cTn id="26" presetID="49" presetClass="entr" presetSubtype="0" decel="100000" fill="hold" grpId="0" nodeType="clickEffect">
+                                  <p:stCondLst>
+                                    <p:cond delay="0"/>
+                                  </p:stCondLst>
+                                  <p:childTnLst>
+                                    <p:set>
+                                      <p:cBhvr>
+                                        <p:cTn id="27" dur="1" fill="hold">
+                                          <p:stCondLst>
+                                            <p:cond delay="0"/>
+                                          </p:stCondLst>
+                                        </p:cTn>
+                                        <p:tgtEl>
+                                          <p:spTgt spid="3">
+                                            <p:txEl>
+                                              <p:pRg st="2" end="2"/>
+                                            </p:txEl>
+                                          </p:spTgt>
+                                        </p:tgtEl>
+                                        <p:attrNameLst>
+                                          <p:attrName>style.visibility</p:attrName>
+                                        </p:attrNameLst>
+                                      </p:cBhvr>
+                                      <p:to>
+                                        <p:strVal val="visible"/>
+                                      </p:to>
+                                    </p:set>
+                                    <p:anim calcmode="lin" valueType="num">
+                                      <p:cBhvr>
+                                        <p:cTn id="28" dur="500" fill="hold"/>
+                                        <p:tgtEl>
+                                          <p:spTgt spid="3">
+                                            <p:txEl>
+                                              <p:pRg st="2" end="2"/>
+                                            </p:txEl>
+                                          </p:spTgt>
+                                        </p:tgtEl>
+                                        <p:attrNameLst>
+                                          <p:attrName>ppt_w</p:attrName>
+                                        </p:attrNameLst>
+                                      </p:cBhvr>
+                                      <p:tavLst>
+                                        <p:tav tm="0">
+                                          <p:val>
+                                            <p:fltVal val="0"/>
+                                          </p:val>
+                                        </p:tav>
+                                        <p:tav tm="100000">
+                                          <p:val>
+                                            <p:strVal val="#ppt_w"/>
+                                          </p:val>
+                                        </p:tav>
+                                      </p:tavLst>
+                                    </p:anim>
+                                    <p:anim calcmode="lin" valueType="num">
+                                      <p:cBhvr>
+                                        <p:cTn id="29" dur="500" fill="hold"/>
+                                        <p:tgtEl>
+                                          <p:spTgt spid="3">
+                                            <p:txEl>
+                                              <p:pRg st="2" end="2"/>
+                                            </p:txEl>
+                                          </p:spTgt>
+                                        </p:tgtEl>
+                                        <p:attrNameLst>
+                                          <p:attrName>ppt_h</p:attrName>
+                                        </p:attrNameLst>
+                                      </p:cBhvr>
+                                      <p:tavLst>
+                                        <p:tav tm="0">
+                                          <p:val>
+                                            <p:fltVal val="0"/>
+                                          </p:val>
+                                        </p:tav>
+                                        <p:tav tm="100000">
+                                          <p:val>
+                                            <p:strVal val="#ppt_h"/>
+                                          </p:val>
+                                        </p:tav>
+                                      </p:tavLst>
+                                    </p:anim>
+                                    <p:anim calcmode="lin" valueType="num">
+                                      <p:cBhvr>
+                                        <p:cTn id="30" dur="500" fill="hold"/>
+                                        <p:tgtEl>
+                                          <p:spTgt spid="3">
+                                            <p:txEl>
+                                              <p:pRg st="2" end="2"/>
+                                            </p:txEl>
+                                          </p:spTgt>
+                                        </p:tgtEl>
+                                        <p:attrNameLst>
+                                          <p:attrName>style.rotation</p:attrName>
+                                        </p:attrNameLst>
+                                      </p:cBhvr>
+                                      <p:tavLst>
+                                        <p:tav tm="0">
+                                          <p:val>
+                                            <p:fltVal val="360"/>
+                                          </p:val>
+                                        </p:tav>
+                                        <p:tav tm="100000">
+                                          <p:val>
+                                            <p:fltVal val="0"/>
+                                          </p:val>
+                                        </p:tav>
+                                      </p:tavLst>
+                                    </p:anim>
+                                    <p:animEffect transition="in" filter="fade">
+                                      <p:cBhvr>
+                                        <p:cTn id="31" dur="500"/>
+                                        <p:tgtEl>
+                                          <p:spTgt spid="3">
+                                            <p:txEl>
+                                              <p:pRg st="2" end="2"/>
+                                            </p:txEl>
+                                          </p:spTgt>
+                                        </p:tgtEl>
+                                      </p:cBhvr>
+                                    </p:animEffect>
+                                  </p:childTnLst>
+                                </p:cTn>
+                              </p:par>
+                            </p:childTnLst>
+                          </p:cTn>
+                        </p:par>
+                      </p:childTnLst>
+                    </p:cTn>
+                  </p:par>
+                </p:childTnLst>
+              </p:cTn>
+              <p:prevCondLst>
+                <p:cond evt="onPrev" delay="0">
+                  <p:tgtEl>
+                    <p:sldTgt/>
+                  </p:tgtEl>
+                </p:cond>
+              </p:prevCondLst>
+              <p:nextCondLst>
+                <p:cond evt="onNext" delay="0">
+                  <p:tgtEl>
+                    <p:sldTgt/>
+                  </p:tgtEl>
+                </p:cond>
+              </p:nextCondLst>
+            </p:seq>
+          </p:childTnLst>
+        </p:cTn>
       </p:par>
     </p:tnLst>
+    <p:bldLst>
+      <p:bldP spid="2" grpId="0"/>
+      <p:bldP spid="3" grpId="0" build="p"/>
+    </p:bldLst>
   </p:timing>
 </p:sld>
 </file>
@@ -4655,8 +5883,8 @@
         </p:nvSpPr>
         <p:spPr>
           <a:xfrm>
-            <a:off x="457200" y="1295400"/>
-            <a:ext cx="8229600" cy="5181600"/>
+            <a:off x="457200" y="1447800"/>
+            <a:ext cx="8229600" cy="5029200"/>
           </a:xfrm>
         </p:spPr>
         <p:txBody>
@@ -4710,12 +5938,880 @@
   <p:clrMapOvr>
     <a:masterClrMapping/>
   </p:clrMapOvr>
+  <p:transition advClick="0" advTm="2000">
+    <p:wipe dir="u"/>
+  </p:transition>
   <p:timing>
     <p:tnLst>
       <p:par>
-        <p:cTn id="1" dur="indefinite" restart="never" nodeType="tmRoot"/>
+        <p:cTn id="1" dur="indefinite" restart="never" nodeType="tmRoot">
+          <p:childTnLst>
+            <p:seq concurrent="1" nextAc="seek">
+              <p:cTn id="2" dur="indefinite" nodeType="mainSeq">
+                <p:childTnLst>
+                  <p:par>
+                    <p:cTn id="3" fill="hold">
+                      <p:stCondLst>
+                        <p:cond delay="indefinite"/>
+                      </p:stCondLst>
+                      <p:childTnLst>
+                        <p:par>
+                          <p:cTn id="4" fill="hold">
+                            <p:stCondLst>
+                              <p:cond delay="0"/>
+                            </p:stCondLst>
+                            <p:childTnLst>
+                              <p:par>
+                                <p:cTn id="5" presetID="20" presetClass="entr" presetSubtype="0" fill="hold" grpId="0" nodeType="clickEffect">
+                                  <p:stCondLst>
+                                    <p:cond delay="0"/>
+                                  </p:stCondLst>
+                                  <p:childTnLst>
+                                    <p:set>
+                                      <p:cBhvr>
+                                        <p:cTn id="6" dur="1" fill="hold">
+                                          <p:stCondLst>
+                                            <p:cond delay="0"/>
+                                          </p:stCondLst>
+                                        </p:cTn>
+                                        <p:tgtEl>
+                                          <p:spTgt spid="2"/>
+                                        </p:tgtEl>
+                                        <p:attrNameLst>
+                                          <p:attrName>style.visibility</p:attrName>
+                                        </p:attrNameLst>
+                                      </p:cBhvr>
+                                      <p:to>
+                                        <p:strVal val="visible"/>
+                                      </p:to>
+                                    </p:set>
+                                    <p:animEffect transition="in" filter="wedge">
+                                      <p:cBhvr>
+                                        <p:cTn id="7" dur="2000"/>
+                                        <p:tgtEl>
+                                          <p:spTgt spid="2"/>
+                                        </p:tgtEl>
+                                      </p:cBhvr>
+                                    </p:animEffect>
+                                  </p:childTnLst>
+                                </p:cTn>
+                              </p:par>
+                            </p:childTnLst>
+                          </p:cTn>
+                        </p:par>
+                      </p:childTnLst>
+                    </p:cTn>
+                  </p:par>
+                  <p:par>
+                    <p:cTn id="8" fill="hold">
+                      <p:stCondLst>
+                        <p:cond delay="indefinite"/>
+                      </p:stCondLst>
+                      <p:childTnLst>
+                        <p:par>
+                          <p:cTn id="9" fill="hold">
+                            <p:stCondLst>
+                              <p:cond delay="0"/>
+                            </p:stCondLst>
+                            <p:childTnLst>
+                              <p:par>
+                                <p:cTn id="10" presetID="48" presetClass="entr" presetSubtype="0" accel="50000" fill="hold" grpId="0" nodeType="clickEffect">
+                                  <p:stCondLst>
+                                    <p:cond delay="0"/>
+                                  </p:stCondLst>
+                                  <p:childTnLst>
+                                    <p:set>
+                                      <p:cBhvr>
+                                        <p:cTn id="11" dur="1" fill="hold">
+                                          <p:stCondLst>
+                                            <p:cond delay="0"/>
+                                          </p:stCondLst>
+                                        </p:cTn>
+                                        <p:tgtEl>
+                                          <p:spTgt spid="3">
+                                            <p:txEl>
+                                              <p:pRg st="0" end="0"/>
+                                            </p:txEl>
+                                          </p:spTgt>
+                                        </p:tgtEl>
+                                        <p:attrNameLst>
+                                          <p:attrName>style.visibility</p:attrName>
+                                        </p:attrNameLst>
+                                      </p:cBhvr>
+                                      <p:to>
+                                        <p:strVal val="visible"/>
+                                      </p:to>
+                                    </p:set>
+                                    <p:anim calcmode="lin" valueType="num">
+                                      <p:cBhvr>
+                                        <p:cTn id="12" dur="1000" fill="hold"/>
+                                        <p:tgtEl>
+                                          <p:spTgt spid="3">
+                                            <p:txEl>
+                                              <p:pRg st="0" end="0"/>
+                                            </p:txEl>
+                                          </p:spTgt>
+                                        </p:tgtEl>
+                                        <p:attrNameLst>
+                                          <p:attrName>style.rotation</p:attrName>
+                                        </p:attrNameLst>
+                                      </p:cBhvr>
+                                      <p:tavLst>
+                                        <p:tav tm="0">
+                                          <p:val>
+                                            <p:fltVal val="90"/>
+                                          </p:val>
+                                        </p:tav>
+                                        <p:tav tm="80000">
+                                          <p:val>
+                                            <p:fltVal val="90"/>
+                                          </p:val>
+                                        </p:tav>
+                                        <p:tav tm="80000">
+                                          <p:val>
+                                            <p:fltVal val="90"/>
+                                          </p:val>
+                                        </p:tav>
+                                        <p:tav tm="100000">
+                                          <p:val>
+                                            <p:fltVal val="0"/>
+                                          </p:val>
+                                        </p:tav>
+                                      </p:tavLst>
+                                    </p:anim>
+                                    <p:anim calcmode="lin" valueType="num">
+                                      <p:cBhvr>
+                                        <p:cTn id="13" dur="1000" fill="hold"/>
+                                        <p:tgtEl>
+                                          <p:spTgt spid="3">
+                                            <p:txEl>
+                                              <p:pRg st="0" end="0"/>
+                                            </p:txEl>
+                                          </p:spTgt>
+                                        </p:tgtEl>
+                                        <p:attrNameLst>
+                                          <p:attrName>ppt_x</p:attrName>
+                                        </p:attrNameLst>
+                                      </p:cBhvr>
+                                      <p:tavLst>
+                                        <p:tav tm="0">
+                                          <p:val>
+                                            <p:fltVal val="-1"/>
+                                          </p:val>
+                                        </p:tav>
+                                        <p:tav tm="50000">
+                                          <p:val>
+                                            <p:fltVal val="0.95"/>
+                                          </p:val>
+                                        </p:tav>
+                                        <p:tav tm="100000">
+                                          <p:val>
+                                            <p:strVal val="#ppt_x"/>
+                                          </p:val>
+                                        </p:tav>
+                                      </p:tavLst>
+                                    </p:anim>
+                                    <p:anim calcmode="lin" valueType="num">
+                                      <p:cBhvr>
+                                        <p:cTn id="14" dur="1000" fill="hold"/>
+                                        <p:tgtEl>
+                                          <p:spTgt spid="3">
+                                            <p:txEl>
+                                              <p:pRg st="0" end="0"/>
+                                            </p:txEl>
+                                          </p:spTgt>
+                                        </p:tgtEl>
+                                        <p:attrNameLst>
+                                          <p:attrName>ppt_y</p:attrName>
+                                        </p:attrNameLst>
+                                      </p:cBhvr>
+                                      <p:tavLst>
+                                        <p:tav tm="0">
+                                          <p:val>
+                                            <p:strVal val="#ppt_y"/>
+                                          </p:val>
+                                        </p:tav>
+                                        <p:tav tm="100000">
+                                          <p:val>
+                                            <p:strVal val="#ppt_y"/>
+                                          </p:val>
+                                        </p:tav>
+                                      </p:tavLst>
+                                    </p:anim>
+                                    <p:animEffect transition="in" filter="fade">
+                                      <p:cBhvr>
+                                        <p:cTn id="15" dur="1000"/>
+                                        <p:tgtEl>
+                                          <p:spTgt spid="3">
+                                            <p:txEl>
+                                              <p:pRg st="0" end="0"/>
+                                            </p:txEl>
+                                          </p:spTgt>
+                                        </p:tgtEl>
+                                      </p:cBhvr>
+                                    </p:animEffect>
+                                  </p:childTnLst>
+                                </p:cTn>
+                              </p:par>
+                            </p:childTnLst>
+                          </p:cTn>
+                        </p:par>
+                      </p:childTnLst>
+                    </p:cTn>
+                  </p:par>
+                  <p:par>
+                    <p:cTn id="16" fill="hold">
+                      <p:stCondLst>
+                        <p:cond delay="indefinite"/>
+                      </p:stCondLst>
+                      <p:childTnLst>
+                        <p:par>
+                          <p:cTn id="17" fill="hold">
+                            <p:stCondLst>
+                              <p:cond delay="0"/>
+                            </p:stCondLst>
+                            <p:childTnLst>
+                              <p:par>
+                                <p:cTn id="18" presetID="48" presetClass="entr" presetSubtype="0" accel="50000" fill="hold" grpId="0" nodeType="clickEffect">
+                                  <p:stCondLst>
+                                    <p:cond delay="0"/>
+                                  </p:stCondLst>
+                                  <p:childTnLst>
+                                    <p:set>
+                                      <p:cBhvr>
+                                        <p:cTn id="19" dur="1" fill="hold">
+                                          <p:stCondLst>
+                                            <p:cond delay="0"/>
+                                          </p:stCondLst>
+                                        </p:cTn>
+                                        <p:tgtEl>
+                                          <p:spTgt spid="3">
+                                            <p:txEl>
+                                              <p:pRg st="1" end="1"/>
+                                            </p:txEl>
+                                          </p:spTgt>
+                                        </p:tgtEl>
+                                        <p:attrNameLst>
+                                          <p:attrName>style.visibility</p:attrName>
+                                        </p:attrNameLst>
+                                      </p:cBhvr>
+                                      <p:to>
+                                        <p:strVal val="visible"/>
+                                      </p:to>
+                                    </p:set>
+                                    <p:anim calcmode="lin" valueType="num">
+                                      <p:cBhvr>
+                                        <p:cTn id="20" dur="1000" fill="hold"/>
+                                        <p:tgtEl>
+                                          <p:spTgt spid="3">
+                                            <p:txEl>
+                                              <p:pRg st="1" end="1"/>
+                                            </p:txEl>
+                                          </p:spTgt>
+                                        </p:tgtEl>
+                                        <p:attrNameLst>
+                                          <p:attrName>style.rotation</p:attrName>
+                                        </p:attrNameLst>
+                                      </p:cBhvr>
+                                      <p:tavLst>
+                                        <p:tav tm="0">
+                                          <p:val>
+                                            <p:fltVal val="90"/>
+                                          </p:val>
+                                        </p:tav>
+                                        <p:tav tm="80000">
+                                          <p:val>
+                                            <p:fltVal val="90"/>
+                                          </p:val>
+                                        </p:tav>
+                                        <p:tav tm="80000">
+                                          <p:val>
+                                            <p:fltVal val="90"/>
+                                          </p:val>
+                                        </p:tav>
+                                        <p:tav tm="100000">
+                                          <p:val>
+                                            <p:fltVal val="0"/>
+                                          </p:val>
+                                        </p:tav>
+                                      </p:tavLst>
+                                    </p:anim>
+                                    <p:anim calcmode="lin" valueType="num">
+                                      <p:cBhvr>
+                                        <p:cTn id="21" dur="1000" fill="hold"/>
+                                        <p:tgtEl>
+                                          <p:spTgt spid="3">
+                                            <p:txEl>
+                                              <p:pRg st="1" end="1"/>
+                                            </p:txEl>
+                                          </p:spTgt>
+                                        </p:tgtEl>
+                                        <p:attrNameLst>
+                                          <p:attrName>ppt_x</p:attrName>
+                                        </p:attrNameLst>
+                                      </p:cBhvr>
+                                      <p:tavLst>
+                                        <p:tav tm="0">
+                                          <p:val>
+                                            <p:fltVal val="-1"/>
+                                          </p:val>
+                                        </p:tav>
+                                        <p:tav tm="50000">
+                                          <p:val>
+                                            <p:fltVal val="0.95"/>
+                                          </p:val>
+                                        </p:tav>
+                                        <p:tav tm="100000">
+                                          <p:val>
+                                            <p:strVal val="#ppt_x"/>
+                                          </p:val>
+                                        </p:tav>
+                                      </p:tavLst>
+                                    </p:anim>
+                                    <p:anim calcmode="lin" valueType="num">
+                                      <p:cBhvr>
+                                        <p:cTn id="22" dur="1000" fill="hold"/>
+                                        <p:tgtEl>
+                                          <p:spTgt spid="3">
+                                            <p:txEl>
+                                              <p:pRg st="1" end="1"/>
+                                            </p:txEl>
+                                          </p:spTgt>
+                                        </p:tgtEl>
+                                        <p:attrNameLst>
+                                          <p:attrName>ppt_y</p:attrName>
+                                        </p:attrNameLst>
+                                      </p:cBhvr>
+                                      <p:tavLst>
+                                        <p:tav tm="0">
+                                          <p:val>
+                                            <p:strVal val="#ppt_y"/>
+                                          </p:val>
+                                        </p:tav>
+                                        <p:tav tm="100000">
+                                          <p:val>
+                                            <p:strVal val="#ppt_y"/>
+                                          </p:val>
+                                        </p:tav>
+                                      </p:tavLst>
+                                    </p:anim>
+                                    <p:animEffect transition="in" filter="fade">
+                                      <p:cBhvr>
+                                        <p:cTn id="23" dur="1000"/>
+                                        <p:tgtEl>
+                                          <p:spTgt spid="3">
+                                            <p:txEl>
+                                              <p:pRg st="1" end="1"/>
+                                            </p:txEl>
+                                          </p:spTgt>
+                                        </p:tgtEl>
+                                      </p:cBhvr>
+                                    </p:animEffect>
+                                  </p:childTnLst>
+                                </p:cTn>
+                              </p:par>
+                            </p:childTnLst>
+                          </p:cTn>
+                        </p:par>
+                      </p:childTnLst>
+                    </p:cTn>
+                  </p:par>
+                  <p:par>
+                    <p:cTn id="24" fill="hold">
+                      <p:stCondLst>
+                        <p:cond delay="indefinite"/>
+                      </p:stCondLst>
+                      <p:childTnLst>
+                        <p:par>
+                          <p:cTn id="25" fill="hold">
+                            <p:stCondLst>
+                              <p:cond delay="0"/>
+                            </p:stCondLst>
+                            <p:childTnLst>
+                              <p:par>
+                                <p:cTn id="26" presetID="48" presetClass="entr" presetSubtype="0" accel="50000" fill="hold" grpId="0" nodeType="clickEffect">
+                                  <p:stCondLst>
+                                    <p:cond delay="0"/>
+                                  </p:stCondLst>
+                                  <p:childTnLst>
+                                    <p:set>
+                                      <p:cBhvr>
+                                        <p:cTn id="27" dur="1" fill="hold">
+                                          <p:stCondLst>
+                                            <p:cond delay="0"/>
+                                          </p:stCondLst>
+                                        </p:cTn>
+                                        <p:tgtEl>
+                                          <p:spTgt spid="3">
+                                            <p:txEl>
+                                              <p:pRg st="2" end="2"/>
+                                            </p:txEl>
+                                          </p:spTgt>
+                                        </p:tgtEl>
+                                        <p:attrNameLst>
+                                          <p:attrName>style.visibility</p:attrName>
+                                        </p:attrNameLst>
+                                      </p:cBhvr>
+                                      <p:to>
+                                        <p:strVal val="visible"/>
+                                      </p:to>
+                                    </p:set>
+                                    <p:anim calcmode="lin" valueType="num">
+                                      <p:cBhvr>
+                                        <p:cTn id="28" dur="1000" fill="hold"/>
+                                        <p:tgtEl>
+                                          <p:spTgt spid="3">
+                                            <p:txEl>
+                                              <p:pRg st="2" end="2"/>
+                                            </p:txEl>
+                                          </p:spTgt>
+                                        </p:tgtEl>
+                                        <p:attrNameLst>
+                                          <p:attrName>style.rotation</p:attrName>
+                                        </p:attrNameLst>
+                                      </p:cBhvr>
+                                      <p:tavLst>
+                                        <p:tav tm="0">
+                                          <p:val>
+                                            <p:fltVal val="90"/>
+                                          </p:val>
+                                        </p:tav>
+                                        <p:tav tm="80000">
+                                          <p:val>
+                                            <p:fltVal val="90"/>
+                                          </p:val>
+                                        </p:tav>
+                                        <p:tav tm="80000">
+                                          <p:val>
+                                            <p:fltVal val="90"/>
+                                          </p:val>
+                                        </p:tav>
+                                        <p:tav tm="100000">
+                                          <p:val>
+                                            <p:fltVal val="0"/>
+                                          </p:val>
+                                        </p:tav>
+                                      </p:tavLst>
+                                    </p:anim>
+                                    <p:anim calcmode="lin" valueType="num">
+                                      <p:cBhvr>
+                                        <p:cTn id="29" dur="1000" fill="hold"/>
+                                        <p:tgtEl>
+                                          <p:spTgt spid="3">
+                                            <p:txEl>
+                                              <p:pRg st="2" end="2"/>
+                                            </p:txEl>
+                                          </p:spTgt>
+                                        </p:tgtEl>
+                                        <p:attrNameLst>
+                                          <p:attrName>ppt_x</p:attrName>
+                                        </p:attrNameLst>
+                                      </p:cBhvr>
+                                      <p:tavLst>
+                                        <p:tav tm="0">
+                                          <p:val>
+                                            <p:fltVal val="-1"/>
+                                          </p:val>
+                                        </p:tav>
+                                        <p:tav tm="50000">
+                                          <p:val>
+                                            <p:fltVal val="0.95"/>
+                                          </p:val>
+                                        </p:tav>
+                                        <p:tav tm="100000">
+                                          <p:val>
+                                            <p:strVal val="#ppt_x"/>
+                                          </p:val>
+                                        </p:tav>
+                                      </p:tavLst>
+                                    </p:anim>
+                                    <p:anim calcmode="lin" valueType="num">
+                                      <p:cBhvr>
+                                        <p:cTn id="30" dur="1000" fill="hold"/>
+                                        <p:tgtEl>
+                                          <p:spTgt spid="3">
+                                            <p:txEl>
+                                              <p:pRg st="2" end="2"/>
+                                            </p:txEl>
+                                          </p:spTgt>
+                                        </p:tgtEl>
+                                        <p:attrNameLst>
+                                          <p:attrName>ppt_y</p:attrName>
+                                        </p:attrNameLst>
+                                      </p:cBhvr>
+                                      <p:tavLst>
+                                        <p:tav tm="0">
+                                          <p:val>
+                                            <p:strVal val="#ppt_y"/>
+                                          </p:val>
+                                        </p:tav>
+                                        <p:tav tm="100000">
+                                          <p:val>
+                                            <p:strVal val="#ppt_y"/>
+                                          </p:val>
+                                        </p:tav>
+                                      </p:tavLst>
+                                    </p:anim>
+                                    <p:animEffect transition="in" filter="fade">
+                                      <p:cBhvr>
+                                        <p:cTn id="31" dur="1000"/>
+                                        <p:tgtEl>
+                                          <p:spTgt spid="3">
+                                            <p:txEl>
+                                              <p:pRg st="2" end="2"/>
+                                            </p:txEl>
+                                          </p:spTgt>
+                                        </p:tgtEl>
+                                      </p:cBhvr>
+                                    </p:animEffect>
+                                  </p:childTnLst>
+                                </p:cTn>
+                              </p:par>
+                            </p:childTnLst>
+                          </p:cTn>
+                        </p:par>
+                      </p:childTnLst>
+                    </p:cTn>
+                  </p:par>
+                  <p:par>
+                    <p:cTn id="32" fill="hold">
+                      <p:stCondLst>
+                        <p:cond delay="indefinite"/>
+                      </p:stCondLst>
+                      <p:childTnLst>
+                        <p:par>
+                          <p:cTn id="33" fill="hold">
+                            <p:stCondLst>
+                              <p:cond delay="0"/>
+                            </p:stCondLst>
+                            <p:childTnLst>
+                              <p:par>
+                                <p:cTn id="34" presetID="48" presetClass="entr" presetSubtype="0" accel="50000" fill="hold" grpId="0" nodeType="clickEffect">
+                                  <p:stCondLst>
+                                    <p:cond delay="0"/>
+                                  </p:stCondLst>
+                                  <p:childTnLst>
+                                    <p:set>
+                                      <p:cBhvr>
+                                        <p:cTn id="35" dur="1" fill="hold">
+                                          <p:stCondLst>
+                                            <p:cond delay="0"/>
+                                          </p:stCondLst>
+                                        </p:cTn>
+                                        <p:tgtEl>
+                                          <p:spTgt spid="3">
+                                            <p:txEl>
+                                              <p:pRg st="3" end="3"/>
+                                            </p:txEl>
+                                          </p:spTgt>
+                                        </p:tgtEl>
+                                        <p:attrNameLst>
+                                          <p:attrName>style.visibility</p:attrName>
+                                        </p:attrNameLst>
+                                      </p:cBhvr>
+                                      <p:to>
+                                        <p:strVal val="visible"/>
+                                      </p:to>
+                                    </p:set>
+                                    <p:anim calcmode="lin" valueType="num">
+                                      <p:cBhvr>
+                                        <p:cTn id="36" dur="1000" fill="hold"/>
+                                        <p:tgtEl>
+                                          <p:spTgt spid="3">
+                                            <p:txEl>
+                                              <p:pRg st="3" end="3"/>
+                                            </p:txEl>
+                                          </p:spTgt>
+                                        </p:tgtEl>
+                                        <p:attrNameLst>
+                                          <p:attrName>style.rotation</p:attrName>
+                                        </p:attrNameLst>
+                                      </p:cBhvr>
+                                      <p:tavLst>
+                                        <p:tav tm="0">
+                                          <p:val>
+                                            <p:fltVal val="90"/>
+                                          </p:val>
+                                        </p:tav>
+                                        <p:tav tm="80000">
+                                          <p:val>
+                                            <p:fltVal val="90"/>
+                                          </p:val>
+                                        </p:tav>
+                                        <p:tav tm="80000">
+                                          <p:val>
+                                            <p:fltVal val="90"/>
+                                          </p:val>
+                                        </p:tav>
+                                        <p:tav tm="100000">
+                                          <p:val>
+                                            <p:fltVal val="0"/>
+                                          </p:val>
+                                        </p:tav>
+                                      </p:tavLst>
+                                    </p:anim>
+                                    <p:anim calcmode="lin" valueType="num">
+                                      <p:cBhvr>
+                                        <p:cTn id="37" dur="1000" fill="hold"/>
+                                        <p:tgtEl>
+                                          <p:spTgt spid="3">
+                                            <p:txEl>
+                                              <p:pRg st="3" end="3"/>
+                                            </p:txEl>
+                                          </p:spTgt>
+                                        </p:tgtEl>
+                                        <p:attrNameLst>
+                                          <p:attrName>ppt_x</p:attrName>
+                                        </p:attrNameLst>
+                                      </p:cBhvr>
+                                      <p:tavLst>
+                                        <p:tav tm="0">
+                                          <p:val>
+                                            <p:fltVal val="-1"/>
+                                          </p:val>
+                                        </p:tav>
+                                        <p:tav tm="50000">
+                                          <p:val>
+                                            <p:fltVal val="0.95"/>
+                                          </p:val>
+                                        </p:tav>
+                                        <p:tav tm="100000">
+                                          <p:val>
+                                            <p:strVal val="#ppt_x"/>
+                                          </p:val>
+                                        </p:tav>
+                                      </p:tavLst>
+                                    </p:anim>
+                                    <p:anim calcmode="lin" valueType="num">
+                                      <p:cBhvr>
+                                        <p:cTn id="38" dur="1000" fill="hold"/>
+                                        <p:tgtEl>
+                                          <p:spTgt spid="3">
+                                            <p:txEl>
+                                              <p:pRg st="3" end="3"/>
+                                            </p:txEl>
+                                          </p:spTgt>
+                                        </p:tgtEl>
+                                        <p:attrNameLst>
+                                          <p:attrName>ppt_y</p:attrName>
+                                        </p:attrNameLst>
+                                      </p:cBhvr>
+                                      <p:tavLst>
+                                        <p:tav tm="0">
+                                          <p:val>
+                                            <p:strVal val="#ppt_y"/>
+                                          </p:val>
+                                        </p:tav>
+                                        <p:tav tm="100000">
+                                          <p:val>
+                                            <p:strVal val="#ppt_y"/>
+                                          </p:val>
+                                        </p:tav>
+                                      </p:tavLst>
+                                    </p:anim>
+                                    <p:animEffect transition="in" filter="fade">
+                                      <p:cBhvr>
+                                        <p:cTn id="39" dur="1000"/>
+                                        <p:tgtEl>
+                                          <p:spTgt spid="3">
+                                            <p:txEl>
+                                              <p:pRg st="3" end="3"/>
+                                            </p:txEl>
+                                          </p:spTgt>
+                                        </p:tgtEl>
+                                      </p:cBhvr>
+                                    </p:animEffect>
+                                  </p:childTnLst>
+                                </p:cTn>
+                              </p:par>
+                            </p:childTnLst>
+                          </p:cTn>
+                        </p:par>
+                      </p:childTnLst>
+                    </p:cTn>
+                  </p:par>
+                  <p:par>
+                    <p:cTn id="40" fill="hold">
+                      <p:stCondLst>
+                        <p:cond delay="indefinite"/>
+                      </p:stCondLst>
+                      <p:childTnLst>
+                        <p:par>
+                          <p:cTn id="41" fill="hold">
+                            <p:stCondLst>
+                              <p:cond delay="0"/>
+                            </p:stCondLst>
+                            <p:childTnLst>
+                              <p:par>
+                                <p:cTn id="42" presetID="48" presetClass="entr" presetSubtype="0" accel="50000" fill="hold" grpId="0" nodeType="clickEffect">
+                                  <p:stCondLst>
+                                    <p:cond delay="0"/>
+                                  </p:stCondLst>
+                                  <p:childTnLst>
+                                    <p:set>
+                                      <p:cBhvr>
+                                        <p:cTn id="43" dur="1" fill="hold">
+                                          <p:stCondLst>
+                                            <p:cond delay="0"/>
+                                          </p:stCondLst>
+                                        </p:cTn>
+                                        <p:tgtEl>
+                                          <p:spTgt spid="3">
+                                            <p:txEl>
+                                              <p:pRg st="4" end="4"/>
+                                            </p:txEl>
+                                          </p:spTgt>
+                                        </p:tgtEl>
+                                        <p:attrNameLst>
+                                          <p:attrName>style.visibility</p:attrName>
+                                        </p:attrNameLst>
+                                      </p:cBhvr>
+                                      <p:to>
+                                        <p:strVal val="visible"/>
+                                      </p:to>
+                                    </p:set>
+                                    <p:anim calcmode="lin" valueType="num">
+                                      <p:cBhvr>
+                                        <p:cTn id="44" dur="1000" fill="hold"/>
+                                        <p:tgtEl>
+                                          <p:spTgt spid="3">
+                                            <p:txEl>
+                                              <p:pRg st="4" end="4"/>
+                                            </p:txEl>
+                                          </p:spTgt>
+                                        </p:tgtEl>
+                                        <p:attrNameLst>
+                                          <p:attrName>style.rotation</p:attrName>
+                                        </p:attrNameLst>
+                                      </p:cBhvr>
+                                      <p:tavLst>
+                                        <p:tav tm="0">
+                                          <p:val>
+                                            <p:fltVal val="90"/>
+                                          </p:val>
+                                        </p:tav>
+                                        <p:tav tm="80000">
+                                          <p:val>
+                                            <p:fltVal val="90"/>
+                                          </p:val>
+                                        </p:tav>
+                                        <p:tav tm="80000">
+                                          <p:val>
+                                            <p:fltVal val="90"/>
+                                          </p:val>
+                                        </p:tav>
+                                        <p:tav tm="100000">
+                                          <p:val>
+                                            <p:fltVal val="0"/>
+                                          </p:val>
+                                        </p:tav>
+                                      </p:tavLst>
+                                    </p:anim>
+                                    <p:anim calcmode="lin" valueType="num">
+                                      <p:cBhvr>
+                                        <p:cTn id="45" dur="1000" fill="hold"/>
+                                        <p:tgtEl>
+                                          <p:spTgt spid="3">
+                                            <p:txEl>
+                                              <p:pRg st="4" end="4"/>
+                                            </p:txEl>
+                                          </p:spTgt>
+                                        </p:tgtEl>
+                                        <p:attrNameLst>
+                                          <p:attrName>ppt_x</p:attrName>
+                                        </p:attrNameLst>
+                                      </p:cBhvr>
+                                      <p:tavLst>
+                                        <p:tav tm="0">
+                                          <p:val>
+                                            <p:fltVal val="-1"/>
+                                          </p:val>
+                                        </p:tav>
+                                        <p:tav tm="50000">
+                                          <p:val>
+                                            <p:fltVal val="0.95"/>
+                                          </p:val>
+                                        </p:tav>
+                                        <p:tav tm="100000">
+                                          <p:val>
+                                            <p:strVal val="#ppt_x"/>
+                                          </p:val>
+                                        </p:tav>
+                                      </p:tavLst>
+                                    </p:anim>
+                                    <p:anim calcmode="lin" valueType="num">
+                                      <p:cBhvr>
+                                        <p:cTn id="46" dur="1000" fill="hold"/>
+                                        <p:tgtEl>
+                                          <p:spTgt spid="3">
+                                            <p:txEl>
+                                              <p:pRg st="4" end="4"/>
+                                            </p:txEl>
+                                          </p:spTgt>
+                                        </p:tgtEl>
+                                        <p:attrNameLst>
+                                          <p:attrName>ppt_y</p:attrName>
+                                        </p:attrNameLst>
+                                      </p:cBhvr>
+                                      <p:tavLst>
+                                        <p:tav tm="0">
+                                          <p:val>
+                                            <p:strVal val="#ppt_y"/>
+                                          </p:val>
+                                        </p:tav>
+                                        <p:tav tm="100000">
+                                          <p:val>
+                                            <p:strVal val="#ppt_y"/>
+                                          </p:val>
+                                        </p:tav>
+                                      </p:tavLst>
+                                    </p:anim>
+                                    <p:animEffect transition="in" filter="fade">
+                                      <p:cBhvr>
+                                        <p:cTn id="47" dur="1000"/>
+                                        <p:tgtEl>
+                                          <p:spTgt spid="3">
+                                            <p:txEl>
+                                              <p:pRg st="4" end="4"/>
+                                            </p:txEl>
+                                          </p:spTgt>
+                                        </p:tgtEl>
+                                      </p:cBhvr>
+                                    </p:animEffect>
+                                  </p:childTnLst>
+                                </p:cTn>
+                              </p:par>
+                            </p:childTnLst>
+                          </p:cTn>
+                        </p:par>
+                      </p:childTnLst>
+                    </p:cTn>
+                  </p:par>
+                </p:childTnLst>
+              </p:cTn>
+              <p:prevCondLst>
+                <p:cond evt="onPrev" delay="0">
+                  <p:tgtEl>
+                    <p:sldTgt/>
+                  </p:tgtEl>
+                </p:cond>
+              </p:prevCondLst>
+              <p:nextCondLst>
+                <p:cond evt="onNext" delay="0">
+                  <p:tgtEl>
+                    <p:sldTgt/>
+                  </p:tgtEl>
+                </p:cond>
+              </p:nextCondLst>
+            </p:seq>
+          </p:childTnLst>
+        </p:cTn>
       </p:par>
     </p:tnLst>
+    <p:bldLst>
+      <p:bldP spid="2" grpId="0"/>
+      <p:bldP spid="3" grpId="0" build="p"/>
+    </p:bldLst>
   </p:timing>
 </p:sld>
 </file>
@@ -4829,12 +6925,529 @@
   <p:clrMapOvr>
     <a:masterClrMapping/>
   </p:clrMapOvr>
+  <p:transition advClick="0" advTm="2000">
+    <p:wipe dir="u"/>
+  </p:transition>
   <p:timing>
     <p:tnLst>
       <p:par>
-        <p:cTn id="1" dur="indefinite" restart="never" nodeType="tmRoot"/>
+        <p:cTn id="1" dur="indefinite" restart="never" nodeType="tmRoot">
+          <p:childTnLst>
+            <p:seq concurrent="1" nextAc="seek">
+              <p:cTn id="2" dur="indefinite" nodeType="mainSeq">
+                <p:childTnLst>
+                  <p:par>
+                    <p:cTn id="3" fill="hold">
+                      <p:stCondLst>
+                        <p:cond delay="indefinite"/>
+                      </p:stCondLst>
+                      <p:childTnLst>
+                        <p:par>
+                          <p:cTn id="4" fill="hold">
+                            <p:stCondLst>
+                              <p:cond delay="0"/>
+                            </p:stCondLst>
+                            <p:childTnLst>
+                              <p:par>
+                                <p:cTn id="5" presetID="17" presetClass="entr" presetSubtype="10" fill="hold" grpId="0" nodeType="clickEffect">
+                                  <p:stCondLst>
+                                    <p:cond delay="0"/>
+                                  </p:stCondLst>
+                                  <p:childTnLst>
+                                    <p:set>
+                                      <p:cBhvr>
+                                        <p:cTn id="6" dur="1" fill="hold">
+                                          <p:stCondLst>
+                                            <p:cond delay="0"/>
+                                          </p:stCondLst>
+                                        </p:cTn>
+                                        <p:tgtEl>
+                                          <p:spTgt spid="2"/>
+                                        </p:tgtEl>
+                                        <p:attrNameLst>
+                                          <p:attrName>style.visibility</p:attrName>
+                                        </p:attrNameLst>
+                                      </p:cBhvr>
+                                      <p:to>
+                                        <p:strVal val="visible"/>
+                                      </p:to>
+                                    </p:set>
+                                    <p:anim calcmode="lin" valueType="num">
+                                      <p:cBhvr>
+                                        <p:cTn id="7" dur="500" fill="hold"/>
+                                        <p:tgtEl>
+                                          <p:spTgt spid="2"/>
+                                        </p:tgtEl>
+                                        <p:attrNameLst>
+                                          <p:attrName>ppt_w</p:attrName>
+                                        </p:attrNameLst>
+                                      </p:cBhvr>
+                                      <p:tavLst>
+                                        <p:tav tm="0">
+                                          <p:val>
+                                            <p:fltVal val="0"/>
+                                          </p:val>
+                                        </p:tav>
+                                        <p:tav tm="100000">
+                                          <p:val>
+                                            <p:strVal val="#ppt_w"/>
+                                          </p:val>
+                                        </p:tav>
+                                      </p:tavLst>
+                                    </p:anim>
+                                    <p:anim calcmode="lin" valueType="num">
+                                      <p:cBhvr>
+                                        <p:cTn id="8" dur="500" fill="hold"/>
+                                        <p:tgtEl>
+                                          <p:spTgt spid="2"/>
+                                        </p:tgtEl>
+                                        <p:attrNameLst>
+                                          <p:attrName>ppt_h</p:attrName>
+                                        </p:attrNameLst>
+                                      </p:cBhvr>
+                                      <p:tavLst>
+                                        <p:tav tm="0">
+                                          <p:val>
+                                            <p:strVal val="#ppt_h"/>
+                                          </p:val>
+                                        </p:tav>
+                                        <p:tav tm="100000">
+                                          <p:val>
+                                            <p:strVal val="#ppt_h"/>
+                                          </p:val>
+                                        </p:tav>
+                                      </p:tavLst>
+                                    </p:anim>
+                                  </p:childTnLst>
+                                </p:cTn>
+                              </p:par>
+                            </p:childTnLst>
+                          </p:cTn>
+                        </p:par>
+                      </p:childTnLst>
+                    </p:cTn>
+                  </p:par>
+                  <p:par>
+                    <p:cTn id="9" fill="hold">
+                      <p:stCondLst>
+                        <p:cond delay="indefinite"/>
+                      </p:stCondLst>
+                      <p:childTnLst>
+                        <p:par>
+                          <p:cTn id="10" fill="hold">
+                            <p:stCondLst>
+                              <p:cond delay="0"/>
+                            </p:stCondLst>
+                            <p:childTnLst>
+                              <p:par>
+                                <p:cTn id="11" presetID="52" presetClass="entr" presetSubtype="0" fill="hold" grpId="0" nodeType="clickEffect">
+                                  <p:stCondLst>
+                                    <p:cond delay="0"/>
+                                  </p:stCondLst>
+                                  <p:childTnLst>
+                                    <p:set>
+                                      <p:cBhvr>
+                                        <p:cTn id="12" dur="1" fill="hold">
+                                          <p:stCondLst>
+                                            <p:cond delay="0"/>
+                                          </p:stCondLst>
+                                        </p:cTn>
+                                        <p:tgtEl>
+                                          <p:spTgt spid="3">
+                                            <p:txEl>
+                                              <p:pRg st="0" end="0"/>
+                                            </p:txEl>
+                                          </p:spTgt>
+                                        </p:tgtEl>
+                                        <p:attrNameLst>
+                                          <p:attrName>style.visibility</p:attrName>
+                                        </p:attrNameLst>
+                                      </p:cBhvr>
+                                      <p:to>
+                                        <p:strVal val="visible"/>
+                                      </p:to>
+                                    </p:set>
+                                    <p:animScale>
+                                      <p:cBhvr>
+                                        <p:cTn id="13" dur="1000" decel="50000" fill="hold">
+                                          <p:stCondLst>
+                                            <p:cond delay="0"/>
+                                          </p:stCondLst>
+                                        </p:cTn>
+                                        <p:tgtEl>
+                                          <p:spTgt spid="3">
+                                            <p:txEl>
+                                              <p:pRg st="0" end="0"/>
+                                            </p:txEl>
+                                          </p:spTgt>
+                                        </p:tgtEl>
+                                      </p:cBhvr>
+                                      <p:from x="250000" y="250000"/>
+                                      <p:to x="100000" y="100000"/>
+                                    </p:animScale>
+                                    <p:animMotion origin="layout" path="M -0.46736 0.92887  C -0.37517 0.88508  -0.02552 0.75279  0.0908 0.66613  C  0.20747 0.57948  0.21649 0.50394  0.23177 0.40825  C 0.24705 0.31256  0.22118 0.15964   0.18264 0.09152  C 0.1441 0.02341  0.03802 0.0  0.0 0.0  " pathEditMode="relative" ptsTypes="">
+                                      <p:cBhvr>
+                                        <p:cTn id="14" dur="1000" decel="50000" fill="hold">
+                                          <p:stCondLst>
+                                            <p:cond delay="0"/>
+                                          </p:stCondLst>
+                                        </p:cTn>
+                                        <p:tgtEl>
+                                          <p:spTgt spid="3">
+                                            <p:txEl>
+                                              <p:pRg st="0" end="0"/>
+                                            </p:txEl>
+                                          </p:spTgt>
+                                        </p:tgtEl>
+                                        <p:attrNameLst>
+                                          <p:attrName>ppt_x</p:attrName>
+                                          <p:attrName>ppt_y</p:attrName>
+                                        </p:attrNameLst>
+                                      </p:cBhvr>
+                                    </p:animMotion>
+                                    <p:animEffect transition="in" filter="fade">
+                                      <p:cBhvr>
+                                        <p:cTn id="15" dur="1000"/>
+                                        <p:tgtEl>
+                                          <p:spTgt spid="3">
+                                            <p:txEl>
+                                              <p:pRg st="0" end="0"/>
+                                            </p:txEl>
+                                          </p:spTgt>
+                                        </p:tgtEl>
+                                      </p:cBhvr>
+                                    </p:animEffect>
+                                  </p:childTnLst>
+                                </p:cTn>
+                              </p:par>
+                            </p:childTnLst>
+                          </p:cTn>
+                        </p:par>
+                      </p:childTnLst>
+                    </p:cTn>
+                  </p:par>
+                  <p:par>
+                    <p:cTn id="16" fill="hold">
+                      <p:stCondLst>
+                        <p:cond delay="indefinite"/>
+                      </p:stCondLst>
+                      <p:childTnLst>
+                        <p:par>
+                          <p:cTn id="17" fill="hold">
+                            <p:stCondLst>
+                              <p:cond delay="0"/>
+                            </p:stCondLst>
+                            <p:childTnLst>
+                              <p:par>
+                                <p:cTn id="18" presetID="52" presetClass="entr" presetSubtype="0" fill="hold" grpId="0" nodeType="clickEffect">
+                                  <p:stCondLst>
+                                    <p:cond delay="0"/>
+                                  </p:stCondLst>
+                                  <p:childTnLst>
+                                    <p:set>
+                                      <p:cBhvr>
+                                        <p:cTn id="19" dur="1" fill="hold">
+                                          <p:stCondLst>
+                                            <p:cond delay="0"/>
+                                          </p:stCondLst>
+                                        </p:cTn>
+                                        <p:tgtEl>
+                                          <p:spTgt spid="3">
+                                            <p:txEl>
+                                              <p:pRg st="1" end="1"/>
+                                            </p:txEl>
+                                          </p:spTgt>
+                                        </p:tgtEl>
+                                        <p:attrNameLst>
+                                          <p:attrName>style.visibility</p:attrName>
+                                        </p:attrNameLst>
+                                      </p:cBhvr>
+                                      <p:to>
+                                        <p:strVal val="visible"/>
+                                      </p:to>
+                                    </p:set>
+                                    <p:animScale>
+                                      <p:cBhvr>
+                                        <p:cTn id="20" dur="1000" decel="50000" fill="hold">
+                                          <p:stCondLst>
+                                            <p:cond delay="0"/>
+                                          </p:stCondLst>
+                                        </p:cTn>
+                                        <p:tgtEl>
+                                          <p:spTgt spid="3">
+                                            <p:txEl>
+                                              <p:pRg st="1" end="1"/>
+                                            </p:txEl>
+                                          </p:spTgt>
+                                        </p:tgtEl>
+                                      </p:cBhvr>
+                                      <p:from x="250000" y="250000"/>
+                                      <p:to x="100000" y="100000"/>
+                                    </p:animScale>
+                                    <p:animMotion origin="layout" path="M -0.46736 0.92887  C -0.37517 0.88508  -0.02552 0.75279  0.0908 0.66613  C  0.20747 0.57948  0.21649 0.50394  0.23177 0.40825  C 0.24705 0.31256  0.22118 0.15964   0.18264 0.09152  C 0.1441 0.02341  0.03802 0.0  0.0 0.0  " pathEditMode="relative" ptsTypes="">
+                                      <p:cBhvr>
+                                        <p:cTn id="21" dur="1000" decel="50000" fill="hold">
+                                          <p:stCondLst>
+                                            <p:cond delay="0"/>
+                                          </p:stCondLst>
+                                        </p:cTn>
+                                        <p:tgtEl>
+                                          <p:spTgt spid="3">
+                                            <p:txEl>
+                                              <p:pRg st="1" end="1"/>
+                                            </p:txEl>
+                                          </p:spTgt>
+                                        </p:tgtEl>
+                                        <p:attrNameLst>
+                                          <p:attrName>ppt_x</p:attrName>
+                                          <p:attrName>ppt_y</p:attrName>
+                                        </p:attrNameLst>
+                                      </p:cBhvr>
+                                    </p:animMotion>
+                                    <p:animEffect transition="in" filter="fade">
+                                      <p:cBhvr>
+                                        <p:cTn id="22" dur="1000"/>
+                                        <p:tgtEl>
+                                          <p:spTgt spid="3">
+                                            <p:txEl>
+                                              <p:pRg st="1" end="1"/>
+                                            </p:txEl>
+                                          </p:spTgt>
+                                        </p:tgtEl>
+                                      </p:cBhvr>
+                                    </p:animEffect>
+                                  </p:childTnLst>
+                                </p:cTn>
+                              </p:par>
+                            </p:childTnLst>
+                          </p:cTn>
+                        </p:par>
+                      </p:childTnLst>
+                    </p:cTn>
+                  </p:par>
+                  <p:par>
+                    <p:cTn id="23" fill="hold">
+                      <p:stCondLst>
+                        <p:cond delay="indefinite"/>
+                      </p:stCondLst>
+                      <p:childTnLst>
+                        <p:par>
+                          <p:cTn id="24" fill="hold">
+                            <p:stCondLst>
+                              <p:cond delay="0"/>
+                            </p:stCondLst>
+                            <p:childTnLst>
+                              <p:par>
+                                <p:cTn id="25" presetID="52" presetClass="entr" presetSubtype="0" fill="hold" grpId="0" nodeType="clickEffect">
+                                  <p:stCondLst>
+                                    <p:cond delay="0"/>
+                                  </p:stCondLst>
+                                  <p:childTnLst>
+                                    <p:set>
+                                      <p:cBhvr>
+                                        <p:cTn id="26" dur="1" fill="hold">
+                                          <p:stCondLst>
+                                            <p:cond delay="0"/>
+                                          </p:stCondLst>
+                                        </p:cTn>
+                                        <p:tgtEl>
+                                          <p:spTgt spid="3">
+                                            <p:txEl>
+                                              <p:pRg st="2" end="2"/>
+                                            </p:txEl>
+                                          </p:spTgt>
+                                        </p:tgtEl>
+                                        <p:attrNameLst>
+                                          <p:attrName>style.visibility</p:attrName>
+                                        </p:attrNameLst>
+                                      </p:cBhvr>
+                                      <p:to>
+                                        <p:strVal val="visible"/>
+                                      </p:to>
+                                    </p:set>
+                                    <p:animScale>
+                                      <p:cBhvr>
+                                        <p:cTn id="27" dur="1000" decel="50000" fill="hold">
+                                          <p:stCondLst>
+                                            <p:cond delay="0"/>
+                                          </p:stCondLst>
+                                        </p:cTn>
+                                        <p:tgtEl>
+                                          <p:spTgt spid="3">
+                                            <p:txEl>
+                                              <p:pRg st="2" end="2"/>
+                                            </p:txEl>
+                                          </p:spTgt>
+                                        </p:tgtEl>
+                                      </p:cBhvr>
+                                      <p:from x="250000" y="250000"/>
+                                      <p:to x="100000" y="100000"/>
+                                    </p:animScale>
+                                    <p:animMotion origin="layout" path="M -0.46736 0.92887  C -0.37517 0.88508  -0.02552 0.75279  0.0908 0.66613  C  0.20747 0.57948  0.21649 0.50394  0.23177 0.40825  C 0.24705 0.31256  0.22118 0.15964   0.18264 0.09152  C 0.1441 0.02341  0.03802 0.0  0.0 0.0  " pathEditMode="relative" ptsTypes="">
+                                      <p:cBhvr>
+                                        <p:cTn id="28" dur="1000" decel="50000" fill="hold">
+                                          <p:stCondLst>
+                                            <p:cond delay="0"/>
+                                          </p:stCondLst>
+                                        </p:cTn>
+                                        <p:tgtEl>
+                                          <p:spTgt spid="3">
+                                            <p:txEl>
+                                              <p:pRg st="2" end="2"/>
+                                            </p:txEl>
+                                          </p:spTgt>
+                                        </p:tgtEl>
+                                        <p:attrNameLst>
+                                          <p:attrName>ppt_x</p:attrName>
+                                          <p:attrName>ppt_y</p:attrName>
+                                        </p:attrNameLst>
+                                      </p:cBhvr>
+                                    </p:animMotion>
+                                    <p:animEffect transition="in" filter="fade">
+                                      <p:cBhvr>
+                                        <p:cTn id="29" dur="1000"/>
+                                        <p:tgtEl>
+                                          <p:spTgt spid="3">
+                                            <p:txEl>
+                                              <p:pRg st="2" end="2"/>
+                                            </p:txEl>
+                                          </p:spTgt>
+                                        </p:tgtEl>
+                                      </p:cBhvr>
+                                    </p:animEffect>
+                                  </p:childTnLst>
+                                </p:cTn>
+                              </p:par>
+                            </p:childTnLst>
+                          </p:cTn>
+                        </p:par>
+                      </p:childTnLst>
+                    </p:cTn>
+                  </p:par>
+                  <p:par>
+                    <p:cTn id="30" fill="hold">
+                      <p:stCondLst>
+                        <p:cond delay="indefinite"/>
+                      </p:stCondLst>
+                      <p:childTnLst>
+                        <p:par>
+                          <p:cTn id="31" fill="hold">
+                            <p:stCondLst>
+                              <p:cond delay="0"/>
+                            </p:stCondLst>
+                            <p:childTnLst>
+                              <p:par>
+                                <p:cTn id="32" presetID="52" presetClass="entr" presetSubtype="0" fill="hold" grpId="0" nodeType="clickEffect">
+                                  <p:stCondLst>
+                                    <p:cond delay="0"/>
+                                  </p:stCondLst>
+                                  <p:childTnLst>
+                                    <p:set>
+                                      <p:cBhvr>
+                                        <p:cTn id="33" dur="1" fill="hold">
+                                          <p:stCondLst>
+                                            <p:cond delay="0"/>
+                                          </p:stCondLst>
+                                        </p:cTn>
+                                        <p:tgtEl>
+                                          <p:spTgt spid="3">
+                                            <p:txEl>
+                                              <p:pRg st="3" end="3"/>
+                                            </p:txEl>
+                                          </p:spTgt>
+                                        </p:tgtEl>
+                                        <p:attrNameLst>
+                                          <p:attrName>style.visibility</p:attrName>
+                                        </p:attrNameLst>
+                                      </p:cBhvr>
+                                      <p:to>
+                                        <p:strVal val="visible"/>
+                                      </p:to>
+                                    </p:set>
+                                    <p:animScale>
+                                      <p:cBhvr>
+                                        <p:cTn id="34" dur="1000" decel="50000" fill="hold">
+                                          <p:stCondLst>
+                                            <p:cond delay="0"/>
+                                          </p:stCondLst>
+                                        </p:cTn>
+                                        <p:tgtEl>
+                                          <p:spTgt spid="3">
+                                            <p:txEl>
+                                              <p:pRg st="3" end="3"/>
+                                            </p:txEl>
+                                          </p:spTgt>
+                                        </p:tgtEl>
+                                      </p:cBhvr>
+                                      <p:from x="250000" y="250000"/>
+                                      <p:to x="100000" y="100000"/>
+                                    </p:animScale>
+                                    <p:animMotion origin="layout" path="M -0.46736 0.92887  C -0.37517 0.88508  -0.02552 0.75279  0.0908 0.66613  C  0.20747 0.57948  0.21649 0.50394  0.23177 0.40825  C 0.24705 0.31256  0.22118 0.15964   0.18264 0.09152  C 0.1441 0.02341  0.03802 0.0  0.0 0.0  " pathEditMode="relative" ptsTypes="">
+                                      <p:cBhvr>
+                                        <p:cTn id="35" dur="1000" decel="50000" fill="hold">
+                                          <p:stCondLst>
+                                            <p:cond delay="0"/>
+                                          </p:stCondLst>
+                                        </p:cTn>
+                                        <p:tgtEl>
+                                          <p:spTgt spid="3">
+                                            <p:txEl>
+                                              <p:pRg st="3" end="3"/>
+                                            </p:txEl>
+                                          </p:spTgt>
+                                        </p:tgtEl>
+                                        <p:attrNameLst>
+                                          <p:attrName>ppt_x</p:attrName>
+                                          <p:attrName>ppt_y</p:attrName>
+                                        </p:attrNameLst>
+                                      </p:cBhvr>
+                                    </p:animMotion>
+                                    <p:animEffect transition="in" filter="fade">
+                                      <p:cBhvr>
+                                        <p:cTn id="36" dur="1000"/>
+                                        <p:tgtEl>
+                                          <p:spTgt spid="3">
+                                            <p:txEl>
+                                              <p:pRg st="3" end="3"/>
+                                            </p:txEl>
+                                          </p:spTgt>
+                                        </p:tgtEl>
+                                      </p:cBhvr>
+                                    </p:animEffect>
+                                  </p:childTnLst>
+                                </p:cTn>
+                              </p:par>
+                            </p:childTnLst>
+                          </p:cTn>
+                        </p:par>
+                      </p:childTnLst>
+                    </p:cTn>
+                  </p:par>
+                </p:childTnLst>
+              </p:cTn>
+              <p:prevCondLst>
+                <p:cond evt="onPrev" delay="0">
+                  <p:tgtEl>
+                    <p:sldTgt/>
+                  </p:tgtEl>
+                </p:cond>
+              </p:prevCondLst>
+              <p:nextCondLst>
+                <p:cond evt="onNext" delay="0">
+                  <p:tgtEl>
+                    <p:sldTgt/>
+                  </p:tgtEl>
+                </p:cond>
+              </p:nextCondLst>
+            </p:seq>
+          </p:childTnLst>
+        </p:cTn>
       </p:par>
     </p:tnLst>
+    <p:bldLst>
+      <p:bldP spid="2" grpId="0"/>
+      <p:bldP spid="3" grpId="0" build="p"/>
+    </p:bldLst>
   </p:timing>
 </p:sld>
 </file>
@@ -4928,12 +7541,666 @@
   <p:clrMapOvr>
     <a:masterClrMapping/>
   </p:clrMapOvr>
+  <p:transition advClick="0" advTm="2000">
+    <p:wipe dir="u"/>
+  </p:transition>
   <p:timing>
     <p:tnLst>
       <p:par>
-        <p:cTn id="1" dur="indefinite" restart="never" nodeType="tmRoot"/>
+        <p:cTn id="1" dur="indefinite" restart="never" nodeType="tmRoot">
+          <p:childTnLst>
+            <p:seq concurrent="1" nextAc="seek">
+              <p:cTn id="2" dur="indefinite" nodeType="mainSeq">
+                <p:childTnLst>
+                  <p:par>
+                    <p:cTn id="3" fill="hold">
+                      <p:stCondLst>
+                        <p:cond delay="indefinite"/>
+                      </p:stCondLst>
+                      <p:childTnLst>
+                        <p:par>
+                          <p:cTn id="4" fill="hold">
+                            <p:stCondLst>
+                              <p:cond delay="0"/>
+                            </p:stCondLst>
+                            <p:childTnLst>
+                              <p:par>
+                                <p:cTn id="5" presetID="56" presetClass="entr" presetSubtype="0" fill="hold" grpId="0" nodeType="clickEffect">
+                                  <p:stCondLst>
+                                    <p:cond delay="0"/>
+                                  </p:stCondLst>
+                                  <p:iterate type="lt">
+                                    <p:tmPct val="10000"/>
+                                  </p:iterate>
+                                  <p:childTnLst>
+                                    <p:set>
+                                      <p:cBhvr>
+                                        <p:cTn id="6" dur="1" fill="hold">
+                                          <p:stCondLst>
+                                            <p:cond delay="0"/>
+                                          </p:stCondLst>
+                                        </p:cTn>
+                                        <p:tgtEl>
+                                          <p:spTgt spid="2"/>
+                                        </p:tgtEl>
+                                        <p:attrNameLst>
+                                          <p:attrName>style.visibility</p:attrName>
+                                        </p:attrNameLst>
+                                      </p:cBhvr>
+                                      <p:to>
+                                        <p:strVal val="visible"/>
+                                      </p:to>
+                                    </p:set>
+                                    <p:anim by="(-#ppt_w*2)" calcmode="lin" valueType="num">
+                                      <p:cBhvr rctx="PPT">
+                                        <p:cTn id="7" dur="500" autoRev="1" fill="hold">
+                                          <p:stCondLst>
+                                            <p:cond delay="0"/>
+                                          </p:stCondLst>
+                                        </p:cTn>
+                                        <p:tgtEl>
+                                          <p:spTgt spid="2"/>
+                                        </p:tgtEl>
+                                        <p:attrNameLst>
+                                          <p:attrName>ppt_w</p:attrName>
+                                        </p:attrNameLst>
+                                      </p:cBhvr>
+                                    </p:anim>
+                                    <p:anim by="(#ppt_w*0.50)" calcmode="lin" valueType="num">
+                                      <p:cBhvr>
+                                        <p:cTn id="8" dur="500" decel="50000" autoRev="1" fill="hold">
+                                          <p:stCondLst>
+                                            <p:cond delay="0"/>
+                                          </p:stCondLst>
+                                        </p:cTn>
+                                        <p:tgtEl>
+                                          <p:spTgt spid="2"/>
+                                        </p:tgtEl>
+                                        <p:attrNameLst>
+                                          <p:attrName>ppt_x</p:attrName>
+                                        </p:attrNameLst>
+                                      </p:cBhvr>
+                                    </p:anim>
+                                    <p:anim from="(-#ppt_h/2)" to="(#ppt_y)" calcmode="lin" valueType="num">
+                                      <p:cBhvr>
+                                        <p:cTn id="9" dur="1000" fill="hold">
+                                          <p:stCondLst>
+                                            <p:cond delay="0"/>
+                                          </p:stCondLst>
+                                        </p:cTn>
+                                        <p:tgtEl>
+                                          <p:spTgt spid="2"/>
+                                        </p:tgtEl>
+                                        <p:attrNameLst>
+                                          <p:attrName>ppt_y</p:attrName>
+                                        </p:attrNameLst>
+                                      </p:cBhvr>
+                                    </p:anim>
+                                    <p:animRot by="21600000">
+                                      <p:cBhvr>
+                                        <p:cTn id="10" dur="1000" fill="hold">
+                                          <p:stCondLst>
+                                            <p:cond delay="0"/>
+                                          </p:stCondLst>
+                                        </p:cTn>
+                                        <p:tgtEl>
+                                          <p:spTgt spid="2"/>
+                                        </p:tgtEl>
+                                        <p:attrNameLst>
+                                          <p:attrName>r</p:attrName>
+                                        </p:attrNameLst>
+                                      </p:cBhvr>
+                                    </p:animRot>
+                                  </p:childTnLst>
+                                </p:cTn>
+                              </p:par>
+                            </p:childTnLst>
+                          </p:cTn>
+                        </p:par>
+                      </p:childTnLst>
+                    </p:cTn>
+                  </p:par>
+                  <p:par>
+                    <p:cTn id="11" fill="hold">
+                      <p:stCondLst>
+                        <p:cond delay="indefinite"/>
+                      </p:stCondLst>
+                      <p:childTnLst>
+                        <p:par>
+                          <p:cTn id="12" fill="hold">
+                            <p:stCondLst>
+                              <p:cond delay="0"/>
+                            </p:stCondLst>
+                            <p:childTnLst>
+                              <p:par>
+                                <p:cTn id="13" presetID="39" presetClass="entr" presetSubtype="0" accel="100000" fill="hold" grpId="0" nodeType="clickEffect">
+                                  <p:stCondLst>
+                                    <p:cond delay="0"/>
+                                  </p:stCondLst>
+                                  <p:childTnLst>
+                                    <p:set>
+                                      <p:cBhvr>
+                                        <p:cTn id="14" dur="1" fill="hold">
+                                          <p:stCondLst>
+                                            <p:cond delay="0"/>
+                                          </p:stCondLst>
+                                        </p:cTn>
+                                        <p:tgtEl>
+                                          <p:spTgt spid="3">
+                                            <p:txEl>
+                                              <p:pRg st="0" end="0"/>
+                                            </p:txEl>
+                                          </p:spTgt>
+                                        </p:tgtEl>
+                                        <p:attrNameLst>
+                                          <p:attrName>style.visibility</p:attrName>
+                                        </p:attrNameLst>
+                                      </p:cBhvr>
+                                      <p:to>
+                                        <p:strVal val="visible"/>
+                                      </p:to>
+                                    </p:set>
+                                    <p:anim calcmode="lin" valueType="num">
+                                      <p:cBhvr>
+                                        <p:cTn id="15" dur="500" fill="hold"/>
+                                        <p:tgtEl>
+                                          <p:spTgt spid="3">
+                                            <p:txEl>
+                                              <p:pRg st="0" end="0"/>
+                                            </p:txEl>
+                                          </p:spTgt>
+                                        </p:tgtEl>
+                                        <p:attrNameLst>
+                                          <p:attrName>ppt_h</p:attrName>
+                                        </p:attrNameLst>
+                                      </p:cBhvr>
+                                      <p:tavLst>
+                                        <p:tav tm="0">
+                                          <p:val>
+                                            <p:strVal val="#ppt_h/20"/>
+                                          </p:val>
+                                        </p:tav>
+                                        <p:tav tm="50000">
+                                          <p:val>
+                                            <p:strVal val="#ppt_h/20"/>
+                                          </p:val>
+                                        </p:tav>
+                                        <p:tav tm="100000">
+                                          <p:val>
+                                            <p:strVal val="#ppt_h"/>
+                                          </p:val>
+                                        </p:tav>
+                                      </p:tavLst>
+                                    </p:anim>
+                                    <p:anim calcmode="lin" valueType="num">
+                                      <p:cBhvr>
+                                        <p:cTn id="16" dur="500" fill="hold"/>
+                                        <p:tgtEl>
+                                          <p:spTgt spid="3">
+                                            <p:txEl>
+                                              <p:pRg st="0" end="0"/>
+                                            </p:txEl>
+                                          </p:spTgt>
+                                        </p:tgtEl>
+                                        <p:attrNameLst>
+                                          <p:attrName>ppt_w</p:attrName>
+                                        </p:attrNameLst>
+                                      </p:cBhvr>
+                                      <p:tavLst>
+                                        <p:tav tm="0">
+                                          <p:val>
+                                            <p:strVal val="#ppt_w+.3"/>
+                                          </p:val>
+                                        </p:tav>
+                                        <p:tav tm="50000">
+                                          <p:val>
+                                            <p:strVal val="#ppt_w+.3"/>
+                                          </p:val>
+                                        </p:tav>
+                                        <p:tav tm="100000">
+                                          <p:val>
+                                            <p:strVal val="#ppt_w"/>
+                                          </p:val>
+                                        </p:tav>
+                                      </p:tavLst>
+                                    </p:anim>
+                                    <p:anim calcmode="lin" valueType="num">
+                                      <p:cBhvr>
+                                        <p:cTn id="17" dur="500" fill="hold"/>
+                                        <p:tgtEl>
+                                          <p:spTgt spid="3">
+                                            <p:txEl>
+                                              <p:pRg st="0" end="0"/>
+                                            </p:txEl>
+                                          </p:spTgt>
+                                        </p:tgtEl>
+                                        <p:attrNameLst>
+                                          <p:attrName>ppt_x</p:attrName>
+                                        </p:attrNameLst>
+                                      </p:cBhvr>
+                                      <p:tavLst>
+                                        <p:tav tm="0">
+                                          <p:val>
+                                            <p:strVal val="#ppt_x-.3"/>
+                                          </p:val>
+                                        </p:tav>
+                                        <p:tav tm="50000">
+                                          <p:val>
+                                            <p:strVal val="#ppt_x"/>
+                                          </p:val>
+                                        </p:tav>
+                                        <p:tav tm="100000">
+                                          <p:val>
+                                            <p:strVal val="#ppt_x"/>
+                                          </p:val>
+                                        </p:tav>
+                                      </p:tavLst>
+                                    </p:anim>
+                                    <p:anim calcmode="lin" valueType="num">
+                                      <p:cBhvr>
+                                        <p:cTn id="18" dur="500" fill="hold"/>
+                                        <p:tgtEl>
+                                          <p:spTgt spid="3">
+                                            <p:txEl>
+                                              <p:pRg st="0" end="0"/>
+                                            </p:txEl>
+                                          </p:spTgt>
+                                        </p:tgtEl>
+                                        <p:attrNameLst>
+                                          <p:attrName>ppt_y</p:attrName>
+                                        </p:attrNameLst>
+                                      </p:cBhvr>
+                                      <p:tavLst>
+                                        <p:tav tm="0">
+                                          <p:val>
+                                            <p:strVal val="#ppt_y"/>
+                                          </p:val>
+                                        </p:tav>
+                                        <p:tav tm="100000">
+                                          <p:val>
+                                            <p:strVal val="#ppt_y"/>
+                                          </p:val>
+                                        </p:tav>
+                                      </p:tavLst>
+                                    </p:anim>
+                                  </p:childTnLst>
+                                </p:cTn>
+                              </p:par>
+                            </p:childTnLst>
+                          </p:cTn>
+                        </p:par>
+                      </p:childTnLst>
+                    </p:cTn>
+                  </p:par>
+                  <p:par>
+                    <p:cTn id="19" fill="hold">
+                      <p:stCondLst>
+                        <p:cond delay="indefinite"/>
+                      </p:stCondLst>
+                      <p:childTnLst>
+                        <p:par>
+                          <p:cTn id="20" fill="hold">
+                            <p:stCondLst>
+                              <p:cond delay="0"/>
+                            </p:stCondLst>
+                            <p:childTnLst>
+                              <p:par>
+                                <p:cTn id="21" presetID="39" presetClass="entr" presetSubtype="0" accel="100000" fill="hold" grpId="0" nodeType="clickEffect">
+                                  <p:stCondLst>
+                                    <p:cond delay="0"/>
+                                  </p:stCondLst>
+                                  <p:childTnLst>
+                                    <p:set>
+                                      <p:cBhvr>
+                                        <p:cTn id="22" dur="1" fill="hold">
+                                          <p:stCondLst>
+                                            <p:cond delay="0"/>
+                                          </p:stCondLst>
+                                        </p:cTn>
+                                        <p:tgtEl>
+                                          <p:spTgt spid="3">
+                                            <p:txEl>
+                                              <p:pRg st="1" end="1"/>
+                                            </p:txEl>
+                                          </p:spTgt>
+                                        </p:tgtEl>
+                                        <p:attrNameLst>
+                                          <p:attrName>style.visibility</p:attrName>
+                                        </p:attrNameLst>
+                                      </p:cBhvr>
+                                      <p:to>
+                                        <p:strVal val="visible"/>
+                                      </p:to>
+                                    </p:set>
+                                    <p:anim calcmode="lin" valueType="num">
+                                      <p:cBhvr>
+                                        <p:cTn id="23" dur="500" fill="hold"/>
+                                        <p:tgtEl>
+                                          <p:spTgt spid="3">
+                                            <p:txEl>
+                                              <p:pRg st="1" end="1"/>
+                                            </p:txEl>
+                                          </p:spTgt>
+                                        </p:tgtEl>
+                                        <p:attrNameLst>
+                                          <p:attrName>ppt_h</p:attrName>
+                                        </p:attrNameLst>
+                                      </p:cBhvr>
+                                      <p:tavLst>
+                                        <p:tav tm="0">
+                                          <p:val>
+                                            <p:strVal val="#ppt_h/20"/>
+                                          </p:val>
+                                        </p:tav>
+                                        <p:tav tm="50000">
+                                          <p:val>
+                                            <p:strVal val="#ppt_h/20"/>
+                                          </p:val>
+                                        </p:tav>
+                                        <p:tav tm="100000">
+                                          <p:val>
+                                            <p:strVal val="#ppt_h"/>
+                                          </p:val>
+                                        </p:tav>
+                                      </p:tavLst>
+                                    </p:anim>
+                                    <p:anim calcmode="lin" valueType="num">
+                                      <p:cBhvr>
+                                        <p:cTn id="24" dur="500" fill="hold"/>
+                                        <p:tgtEl>
+                                          <p:spTgt spid="3">
+                                            <p:txEl>
+                                              <p:pRg st="1" end="1"/>
+                                            </p:txEl>
+                                          </p:spTgt>
+                                        </p:tgtEl>
+                                        <p:attrNameLst>
+                                          <p:attrName>ppt_w</p:attrName>
+                                        </p:attrNameLst>
+                                      </p:cBhvr>
+                                      <p:tavLst>
+                                        <p:tav tm="0">
+                                          <p:val>
+                                            <p:strVal val="#ppt_w+.3"/>
+                                          </p:val>
+                                        </p:tav>
+                                        <p:tav tm="50000">
+                                          <p:val>
+                                            <p:strVal val="#ppt_w+.3"/>
+                                          </p:val>
+                                        </p:tav>
+                                        <p:tav tm="100000">
+                                          <p:val>
+                                            <p:strVal val="#ppt_w"/>
+                                          </p:val>
+                                        </p:tav>
+                                      </p:tavLst>
+                                    </p:anim>
+                                    <p:anim calcmode="lin" valueType="num">
+                                      <p:cBhvr>
+                                        <p:cTn id="25" dur="500" fill="hold"/>
+                                        <p:tgtEl>
+                                          <p:spTgt spid="3">
+                                            <p:txEl>
+                                              <p:pRg st="1" end="1"/>
+                                            </p:txEl>
+                                          </p:spTgt>
+                                        </p:tgtEl>
+                                        <p:attrNameLst>
+                                          <p:attrName>ppt_x</p:attrName>
+                                        </p:attrNameLst>
+                                      </p:cBhvr>
+                                      <p:tavLst>
+                                        <p:tav tm="0">
+                                          <p:val>
+                                            <p:strVal val="#ppt_x-.3"/>
+                                          </p:val>
+                                        </p:tav>
+                                        <p:tav tm="50000">
+                                          <p:val>
+                                            <p:strVal val="#ppt_x"/>
+                                          </p:val>
+                                        </p:tav>
+                                        <p:tav tm="100000">
+                                          <p:val>
+                                            <p:strVal val="#ppt_x"/>
+                                          </p:val>
+                                        </p:tav>
+                                      </p:tavLst>
+                                    </p:anim>
+                                    <p:anim calcmode="lin" valueType="num">
+                                      <p:cBhvr>
+                                        <p:cTn id="26" dur="500" fill="hold"/>
+                                        <p:tgtEl>
+                                          <p:spTgt spid="3">
+                                            <p:txEl>
+                                              <p:pRg st="1" end="1"/>
+                                            </p:txEl>
+                                          </p:spTgt>
+                                        </p:tgtEl>
+                                        <p:attrNameLst>
+                                          <p:attrName>ppt_y</p:attrName>
+                                        </p:attrNameLst>
+                                      </p:cBhvr>
+                                      <p:tavLst>
+                                        <p:tav tm="0">
+                                          <p:val>
+                                            <p:strVal val="#ppt_y"/>
+                                          </p:val>
+                                        </p:tav>
+                                        <p:tav tm="100000">
+                                          <p:val>
+                                            <p:strVal val="#ppt_y"/>
+                                          </p:val>
+                                        </p:tav>
+                                      </p:tavLst>
+                                    </p:anim>
+                                  </p:childTnLst>
+                                </p:cTn>
+                              </p:par>
+                            </p:childTnLst>
+                          </p:cTn>
+                        </p:par>
+                      </p:childTnLst>
+                    </p:cTn>
+                  </p:par>
+                  <p:par>
+                    <p:cTn id="27" fill="hold">
+                      <p:stCondLst>
+                        <p:cond delay="indefinite"/>
+                      </p:stCondLst>
+                      <p:childTnLst>
+                        <p:par>
+                          <p:cTn id="28" fill="hold">
+                            <p:stCondLst>
+                              <p:cond delay="0"/>
+                            </p:stCondLst>
+                            <p:childTnLst>
+                              <p:par>
+                                <p:cTn id="29" presetID="39" presetClass="entr" presetSubtype="0" accel="100000" fill="hold" grpId="0" nodeType="clickEffect">
+                                  <p:stCondLst>
+                                    <p:cond delay="0"/>
+                                  </p:stCondLst>
+                                  <p:childTnLst>
+                                    <p:set>
+                                      <p:cBhvr>
+                                        <p:cTn id="30" dur="1" fill="hold">
+                                          <p:stCondLst>
+                                            <p:cond delay="0"/>
+                                          </p:stCondLst>
+                                        </p:cTn>
+                                        <p:tgtEl>
+                                          <p:spTgt spid="3">
+                                            <p:txEl>
+                                              <p:pRg st="2" end="2"/>
+                                            </p:txEl>
+                                          </p:spTgt>
+                                        </p:tgtEl>
+                                        <p:attrNameLst>
+                                          <p:attrName>style.visibility</p:attrName>
+                                        </p:attrNameLst>
+                                      </p:cBhvr>
+                                      <p:to>
+                                        <p:strVal val="visible"/>
+                                      </p:to>
+                                    </p:set>
+                                    <p:anim calcmode="lin" valueType="num">
+                                      <p:cBhvr>
+                                        <p:cTn id="31" dur="500" fill="hold"/>
+                                        <p:tgtEl>
+                                          <p:spTgt spid="3">
+                                            <p:txEl>
+                                              <p:pRg st="2" end="2"/>
+                                            </p:txEl>
+                                          </p:spTgt>
+                                        </p:tgtEl>
+                                        <p:attrNameLst>
+                                          <p:attrName>ppt_h</p:attrName>
+                                        </p:attrNameLst>
+                                      </p:cBhvr>
+                                      <p:tavLst>
+                                        <p:tav tm="0">
+                                          <p:val>
+                                            <p:strVal val="#ppt_h/20"/>
+                                          </p:val>
+                                        </p:tav>
+                                        <p:tav tm="50000">
+                                          <p:val>
+                                            <p:strVal val="#ppt_h/20"/>
+                                          </p:val>
+                                        </p:tav>
+                                        <p:tav tm="100000">
+                                          <p:val>
+                                            <p:strVal val="#ppt_h"/>
+                                          </p:val>
+                                        </p:tav>
+                                      </p:tavLst>
+                                    </p:anim>
+                                    <p:anim calcmode="lin" valueType="num">
+                                      <p:cBhvr>
+                                        <p:cTn id="32" dur="500" fill="hold"/>
+                                        <p:tgtEl>
+                                          <p:spTgt spid="3">
+                                            <p:txEl>
+                                              <p:pRg st="2" end="2"/>
+                                            </p:txEl>
+                                          </p:spTgt>
+                                        </p:tgtEl>
+                                        <p:attrNameLst>
+                                          <p:attrName>ppt_w</p:attrName>
+                                        </p:attrNameLst>
+                                      </p:cBhvr>
+                                      <p:tavLst>
+                                        <p:tav tm="0">
+                                          <p:val>
+                                            <p:strVal val="#ppt_w+.3"/>
+                                          </p:val>
+                                        </p:tav>
+                                        <p:tav tm="50000">
+                                          <p:val>
+                                            <p:strVal val="#ppt_w+.3"/>
+                                          </p:val>
+                                        </p:tav>
+                                        <p:tav tm="100000">
+                                          <p:val>
+                                            <p:strVal val="#ppt_w"/>
+                                          </p:val>
+                                        </p:tav>
+                                      </p:tavLst>
+                                    </p:anim>
+                                    <p:anim calcmode="lin" valueType="num">
+                                      <p:cBhvr>
+                                        <p:cTn id="33" dur="500" fill="hold"/>
+                                        <p:tgtEl>
+                                          <p:spTgt spid="3">
+                                            <p:txEl>
+                                              <p:pRg st="2" end="2"/>
+                                            </p:txEl>
+                                          </p:spTgt>
+                                        </p:tgtEl>
+                                        <p:attrNameLst>
+                                          <p:attrName>ppt_x</p:attrName>
+                                        </p:attrNameLst>
+                                      </p:cBhvr>
+                                      <p:tavLst>
+                                        <p:tav tm="0">
+                                          <p:val>
+                                            <p:strVal val="#ppt_x-.3"/>
+                                          </p:val>
+                                        </p:tav>
+                                        <p:tav tm="50000">
+                                          <p:val>
+                                            <p:strVal val="#ppt_x"/>
+                                          </p:val>
+                                        </p:tav>
+                                        <p:tav tm="100000">
+                                          <p:val>
+                                            <p:strVal val="#ppt_x"/>
+                                          </p:val>
+                                        </p:tav>
+                                      </p:tavLst>
+                                    </p:anim>
+                                    <p:anim calcmode="lin" valueType="num">
+                                      <p:cBhvr>
+                                        <p:cTn id="34" dur="500" fill="hold"/>
+                                        <p:tgtEl>
+                                          <p:spTgt spid="3">
+                                            <p:txEl>
+                                              <p:pRg st="2" end="2"/>
+                                            </p:txEl>
+                                          </p:spTgt>
+                                        </p:tgtEl>
+                                        <p:attrNameLst>
+                                          <p:attrName>ppt_y</p:attrName>
+                                        </p:attrNameLst>
+                                      </p:cBhvr>
+                                      <p:tavLst>
+                                        <p:tav tm="0">
+                                          <p:val>
+                                            <p:strVal val="#ppt_y"/>
+                                          </p:val>
+                                        </p:tav>
+                                        <p:tav tm="100000">
+                                          <p:val>
+                                            <p:strVal val="#ppt_y"/>
+                                          </p:val>
+                                        </p:tav>
+                                      </p:tavLst>
+                                    </p:anim>
+                                  </p:childTnLst>
+                                </p:cTn>
+                              </p:par>
+                            </p:childTnLst>
+                          </p:cTn>
+                        </p:par>
+                      </p:childTnLst>
+                    </p:cTn>
+                  </p:par>
+                </p:childTnLst>
+              </p:cTn>
+              <p:prevCondLst>
+                <p:cond evt="onPrev" delay="0">
+                  <p:tgtEl>
+                    <p:sldTgt/>
+                  </p:tgtEl>
+                </p:cond>
+              </p:prevCondLst>
+              <p:nextCondLst>
+                <p:cond evt="onNext" delay="0">
+                  <p:tgtEl>
+                    <p:sldTgt/>
+                  </p:tgtEl>
+                </p:cond>
+              </p:nextCondLst>
+            </p:seq>
+          </p:childTnLst>
+        </p:cTn>
       </p:par>
     </p:tnLst>
+    <p:bldLst>
+      <p:bldP spid="2" grpId="0"/>
+      <p:bldP spid="3" grpId="0" build="p"/>
+    </p:bldLst>
   </p:timing>
 </p:sld>
 </file>
@@ -4988,19 +8255,7 @@
                   </a:outerShdw>
                 </a:effectLst>
               </a:rPr>
-              <a:t>T</a:t>
-            </a:r>
-            <a:r>
-              <a:rPr lang="en-US" sz="8000" dirty="0" smtClean="0">
-                <a:effectLst>
-                  <a:outerShdw blurRad="38100" dist="38100" dir="2700000" algn="tl">
-                    <a:srgbClr val="000000">
-                      <a:alpha val="43137"/>
-                    </a:srgbClr>
-                  </a:outerShdw>
-                </a:effectLst>
-              </a:rPr>
-              <a:t>hank You</a:t>
+              <a:t>Thank You</a:t>
             </a:r>
             <a:endParaRPr lang="en-US" sz="8000" dirty="0">
               <a:effectLst>
@@ -5019,12 +8274,214 @@
   <p:clrMapOvr>
     <a:masterClrMapping/>
   </p:clrMapOvr>
+  <p:transition advClick="0" advTm="2000">
+    <p:zoom dir="in"/>
+  </p:transition>
   <p:timing>
     <p:tnLst>
       <p:par>
-        <p:cTn id="1" dur="indefinite" restart="never" nodeType="tmRoot"/>
+        <p:cTn id="1" dur="indefinite" restart="never" nodeType="tmRoot">
+          <p:childTnLst>
+            <p:seq concurrent="1" nextAc="seek">
+              <p:cTn id="2" dur="indefinite" nodeType="mainSeq">
+                <p:childTnLst>
+                  <p:par>
+                    <p:cTn id="3" fill="hold">
+                      <p:stCondLst>
+                        <p:cond delay="indefinite"/>
+                      </p:stCondLst>
+                      <p:childTnLst>
+                        <p:par>
+                          <p:cTn id="4" fill="hold">
+                            <p:stCondLst>
+                              <p:cond delay="0"/>
+                            </p:stCondLst>
+                            <p:childTnLst>
+                              <p:par>
+                                <p:cTn id="5" presetID="27" presetClass="entr" presetSubtype="0" fill="hold" grpId="0" nodeType="clickEffect">
+                                  <p:stCondLst>
+                                    <p:cond delay="0"/>
+                                  </p:stCondLst>
+                                  <p:iterate type="lt">
+                                    <p:tmPct val="50000"/>
+                                  </p:iterate>
+                                  <p:childTnLst>
+                                    <p:set>
+                                      <p:cBhvr>
+                                        <p:cTn id="6" dur="1" fill="hold">
+                                          <p:stCondLst>
+                                            <p:cond delay="0"/>
+                                          </p:stCondLst>
+                                        </p:cTn>
+                                        <p:tgtEl>
+                                          <p:spTgt spid="2"/>
+                                        </p:tgtEl>
+                                        <p:attrNameLst>
+                                          <p:attrName>style.visibility</p:attrName>
+                                        </p:attrNameLst>
+                                      </p:cBhvr>
+                                      <p:to>
+                                        <p:strVal val="visible"/>
+                                      </p:to>
+                                    </p:set>
+                                    <p:anim calcmode="discrete" valueType="clr">
+                                      <p:cBhvr override="childStyle">
+                                        <p:cTn id="7" dur="80"/>
+                                        <p:tgtEl>
+                                          <p:spTgt spid="2"/>
+                                        </p:tgtEl>
+                                        <p:attrNameLst>
+                                          <p:attrName>style.color</p:attrName>
+                                        </p:attrNameLst>
+                                      </p:cBhvr>
+                                      <p:tavLst>
+                                        <p:tav tm="0">
+                                          <p:val>
+                                            <p:clrVal>
+                                              <a:schemeClr val="accent2"/>
+                                            </p:clrVal>
+                                          </p:val>
+                                        </p:tav>
+                                        <p:tav tm="50000">
+                                          <p:val>
+                                            <p:clrVal>
+                                              <a:schemeClr val="hlink"/>
+                                            </p:clrVal>
+                                          </p:val>
+                                        </p:tav>
+                                      </p:tavLst>
+                                    </p:anim>
+                                    <p:anim calcmode="discrete" valueType="clr">
+                                      <p:cBhvr>
+                                        <p:cTn id="8" dur="80"/>
+                                        <p:tgtEl>
+                                          <p:spTgt spid="2"/>
+                                        </p:tgtEl>
+                                        <p:attrNameLst>
+                                          <p:attrName>fillcolor</p:attrName>
+                                        </p:attrNameLst>
+                                      </p:cBhvr>
+                                      <p:tavLst>
+                                        <p:tav tm="0">
+                                          <p:val>
+                                            <p:clrVal>
+                                              <a:schemeClr val="accent2"/>
+                                            </p:clrVal>
+                                          </p:val>
+                                        </p:tav>
+                                        <p:tav tm="50000">
+                                          <p:val>
+                                            <p:clrVal>
+                                              <a:schemeClr val="hlink"/>
+                                            </p:clrVal>
+                                          </p:val>
+                                        </p:tav>
+                                      </p:tavLst>
+                                    </p:anim>
+                                    <p:set>
+                                      <p:cBhvr>
+                                        <p:cTn id="9" dur="80"/>
+                                        <p:tgtEl>
+                                          <p:spTgt spid="2"/>
+                                        </p:tgtEl>
+                                        <p:attrNameLst>
+                                          <p:attrName>fill.type</p:attrName>
+                                        </p:attrNameLst>
+                                      </p:cBhvr>
+                                      <p:to>
+                                        <p:strVal val="solid"/>
+                                      </p:to>
+                                    </p:set>
+                                  </p:childTnLst>
+                                </p:cTn>
+                              </p:par>
+                            </p:childTnLst>
+                          </p:cTn>
+                        </p:par>
+                      </p:childTnLst>
+                    </p:cTn>
+                  </p:par>
+                  <p:par>
+                    <p:cTn id="10" fill="hold">
+                      <p:stCondLst>
+                        <p:cond delay="indefinite"/>
+                      </p:stCondLst>
+                      <p:childTnLst>
+                        <p:par>
+                          <p:cTn id="11" fill="hold">
+                            <p:stCondLst>
+                              <p:cond delay="0"/>
+                            </p:stCondLst>
+                            <p:childTnLst>
+                              <p:par>
+                                <p:cTn id="12" presetID="20" presetClass="exit" presetSubtype="0" fill="hold" grpId="2" nodeType="clickEffect">
+                                  <p:stCondLst>
+                                    <p:cond delay="0"/>
+                                  </p:stCondLst>
+                                  <p:iterate type="lt">
+                                    <p:tmPct val="0"/>
+                                  </p:iterate>
+                                  <p:childTnLst>
+                                    <p:animEffect transition="out" filter="wedge">
+                                      <p:cBhvr>
+                                        <p:cTn id="13" dur="2000"/>
+                                        <p:tgtEl>
+                                          <p:spTgt spid="2"/>
+                                        </p:tgtEl>
+                                      </p:cBhvr>
+                                    </p:animEffect>
+                                    <p:set>
+                                      <p:cBhvr>
+                                        <p:cTn id="14" dur="1" fill="hold">
+                                          <p:stCondLst>
+                                            <p:cond delay="1999"/>
+                                          </p:stCondLst>
+                                        </p:cTn>
+                                        <p:tgtEl>
+                                          <p:spTgt spid="2"/>
+                                        </p:tgtEl>
+                                        <p:attrNameLst>
+                                          <p:attrName>style.visibility</p:attrName>
+                                        </p:attrNameLst>
+                                      </p:cBhvr>
+                                      <p:to>
+                                        <p:strVal val="hidden"/>
+                                      </p:to>
+                                    </p:set>
+                                  </p:childTnLst>
+                                </p:cTn>
+                              </p:par>
+                            </p:childTnLst>
+                          </p:cTn>
+                        </p:par>
+                      </p:childTnLst>
+                    </p:cTn>
+                  </p:par>
+                </p:childTnLst>
+              </p:cTn>
+              <p:prevCondLst>
+                <p:cond evt="onPrev" delay="0">
+                  <p:tgtEl>
+                    <p:sldTgt/>
+                  </p:tgtEl>
+                </p:cond>
+              </p:prevCondLst>
+              <p:nextCondLst>
+                <p:cond evt="onNext" delay="0">
+                  <p:tgtEl>
+                    <p:sldTgt/>
+                  </p:tgtEl>
+                </p:cond>
+              </p:nextCondLst>
+            </p:seq>
+          </p:childTnLst>
+        </p:cTn>
       </p:par>
     </p:tnLst>
+    <p:bldLst>
+      <p:bldP spid="2" grpId="0"/>
+      <p:bldP spid="2" grpId="2"/>
+    </p:bldLst>
   </p:timing>
 </p:sld>
 </file>
